--- a/docs/중간발표자료.pptx
+++ b/docs/중간발표자료.pptx
@@ -6,21 +6,17 @@
   </p:sldMasterIdLst>
   <p:sldIdLst>
     <p:sldId id="337" r:id="rId2"/>
-    <p:sldId id="339" r:id="rId3"/>
-    <p:sldId id="358" r:id="rId4"/>
+    <p:sldId id="359" r:id="rId3"/>
+    <p:sldId id="360" r:id="rId4"/>
     <p:sldId id="340" r:id="rId5"/>
-    <p:sldId id="351" r:id="rId6"/>
-    <p:sldId id="348" r:id="rId7"/>
-    <p:sldId id="352" r:id="rId8"/>
-    <p:sldId id="353" r:id="rId9"/>
-    <p:sldId id="342" r:id="rId10"/>
-    <p:sldId id="349" r:id="rId11"/>
-    <p:sldId id="355" r:id="rId12"/>
-    <p:sldId id="356" r:id="rId13"/>
-    <p:sldId id="354" r:id="rId14"/>
-    <p:sldId id="345" r:id="rId15"/>
-    <p:sldId id="357" r:id="rId16"/>
-    <p:sldId id="347" r:id="rId17"/>
+    <p:sldId id="361" r:id="rId6"/>
+    <p:sldId id="362" r:id="rId7"/>
+    <p:sldId id="349" r:id="rId8"/>
+    <p:sldId id="363" r:id="rId9"/>
+    <p:sldId id="354" r:id="rId10"/>
+    <p:sldId id="345" r:id="rId11"/>
+    <p:sldId id="357" r:id="rId12"/>
+    <p:sldId id="347" r:id="rId13"/>
   </p:sldIdLst>
   <p:sldSz cx="12192000" cy="6858000"/>
   <p:notesSz cx="6858000" cy="9144000"/>
@@ -125,17 +121,13 @@
         <p14:section name="기본 구역" id="{35BF08D0-E247-4F2C-A732-4EDA7A7B1EE0}">
           <p14:sldIdLst>
             <p14:sldId id="337"/>
-            <p14:sldId id="339"/>
-            <p14:sldId id="358"/>
+            <p14:sldId id="359"/>
+            <p14:sldId id="360"/>
             <p14:sldId id="340"/>
-            <p14:sldId id="351"/>
-            <p14:sldId id="348"/>
-            <p14:sldId id="352"/>
-            <p14:sldId id="353"/>
-            <p14:sldId id="342"/>
+            <p14:sldId id="361"/>
+            <p14:sldId id="362"/>
             <p14:sldId id="349"/>
-            <p14:sldId id="355"/>
-            <p14:sldId id="356"/>
+            <p14:sldId id="363"/>
             <p14:sldId id="354"/>
             <p14:sldId id="345"/>
             <p14:sldId id="357"/>
@@ -305,7 +297,7 @@
                 </a:solidFill>
               </a:rPr>
               <a:pPr/>
-              <a:t>2023-04-04</a:t>
+              <a:t>2023-05-19</a:t>
             </a:fld>
             <a:endParaRPr lang="ko-KR" altLang="en-US">
               <a:solidFill>
@@ -535,7 +527,7 @@
                 </a:solidFill>
               </a:rPr>
               <a:pPr/>
-              <a:t>2023-04-04</a:t>
+              <a:t>2023-05-19</a:t>
             </a:fld>
             <a:endParaRPr lang="ko-KR" altLang="en-US">
               <a:solidFill>
@@ -775,7 +767,7 @@
                 </a:solidFill>
               </a:rPr>
               <a:pPr/>
-              <a:t>2023-04-04</a:t>
+              <a:t>2023-05-19</a:t>
             </a:fld>
             <a:endParaRPr lang="ko-KR" altLang="en-US">
               <a:solidFill>
@@ -1005,7 +997,7 @@
                 </a:solidFill>
               </a:rPr>
               <a:pPr/>
-              <a:t>2023-04-04</a:t>
+              <a:t>2023-05-19</a:t>
             </a:fld>
             <a:endParaRPr lang="ko-KR" altLang="en-US">
               <a:solidFill>
@@ -1312,7 +1304,7 @@
                 </a:solidFill>
               </a:rPr>
               <a:pPr/>
-              <a:t>2023-04-04</a:t>
+              <a:t>2023-05-19</a:t>
             </a:fld>
             <a:endParaRPr lang="ko-KR" altLang="en-US">
               <a:solidFill>
@@ -1609,7 +1601,7 @@
                 </a:solidFill>
               </a:rPr>
               <a:pPr/>
-              <a:t>2023-04-04</a:t>
+              <a:t>2023-05-19</a:t>
             </a:fld>
             <a:endParaRPr lang="ko-KR" altLang="en-US">
               <a:solidFill>
@@ -2053,7 +2045,7 @@
                 </a:solidFill>
               </a:rPr>
               <a:pPr/>
-              <a:t>2023-04-04</a:t>
+              <a:t>2023-05-19</a:t>
             </a:fld>
             <a:endParaRPr lang="ko-KR" altLang="en-US">
               <a:solidFill>
@@ -2226,7 +2218,7 @@
                 </a:solidFill>
               </a:rPr>
               <a:pPr/>
-              <a:t>2023-04-04</a:t>
+              <a:t>2023-05-19</a:t>
             </a:fld>
             <a:endParaRPr lang="ko-KR" altLang="en-US">
               <a:solidFill>
@@ -2371,7 +2363,7 @@
                 </a:solidFill>
               </a:rPr>
               <a:pPr/>
-              <a:t>2023-04-04</a:t>
+              <a:t>2023-05-19</a:t>
             </a:fld>
             <a:endParaRPr lang="ko-KR" altLang="en-US">
               <a:solidFill>
@@ -2714,7 +2706,7 @@
                 </a:solidFill>
               </a:rPr>
               <a:pPr/>
-              <a:t>2023-04-04</a:t>
+              <a:t>2023-05-19</a:t>
             </a:fld>
             <a:endParaRPr lang="ko-KR" altLang="en-US">
               <a:solidFill>
@@ -3034,7 +3026,7 @@
                 </a:solidFill>
               </a:rPr>
               <a:pPr/>
-              <a:t>2023-04-04</a:t>
+              <a:t>2023-05-19</a:t>
             </a:fld>
             <a:endParaRPr lang="ko-KR" altLang="en-US">
               <a:solidFill>
@@ -3307,7 +3299,7 @@
                 </a:solidFill>
               </a:rPr>
               <a:pPr/>
-              <a:t>2023-04-04</a:t>
+              <a:t>2023-05-19</a:t>
             </a:fld>
             <a:endParaRPr lang="ko-KR" altLang="en-US">
               <a:solidFill>
@@ -3854,7 +3846,7 @@
               <a:t>20184474 </a:t>
             </a:r>
             <a:r>
-              <a:rPr lang="ko-KR" altLang="en-US" dirty="0" err="1"/>
+              <a:rPr lang="ko-KR" altLang="en-US" dirty="0"/>
               <a:t>박기창</a:t>
             </a:r>
             <a:endParaRPr lang="en-US" altLang="ko-KR" dirty="0"/>
@@ -3887,994 +3879,6 @@
 </file>
 
 <file path=ppt/slides/slide10.xml><?xml version="1.0" encoding="utf-8"?>
-<p:sld xmlns:a="http://schemas.openxmlformats.org/drawingml/2006/main" xmlns:r="http://schemas.openxmlformats.org/officeDocument/2006/relationships" xmlns:p="http://schemas.openxmlformats.org/presentationml/2006/main">
-  <p:cSld>
-    <p:spTree>
-      <p:nvGrpSpPr>
-        <p:cNvPr id="1" name=""/>
-        <p:cNvGrpSpPr/>
-        <p:nvPr/>
-      </p:nvGrpSpPr>
-      <p:grpSpPr>
-        <a:xfrm>
-          <a:off x="0" y="0"/>
-          <a:ext cx="0" cy="0"/>
-          <a:chOff x="0" y="0"/>
-          <a:chExt cx="0" cy="0"/>
-        </a:xfrm>
-      </p:grpSpPr>
-      <p:sp>
-        <p:nvSpPr>
-          <p:cNvPr id="2" name="제목 1">
-            <a:extLst>
-              <a:ext uri="{FF2B5EF4-FFF2-40B4-BE49-F238E27FC236}">
-                <a16:creationId xmlns:a16="http://schemas.microsoft.com/office/drawing/2014/main" id="{65ABA539-AC5A-C478-C796-B07BFC3F94A7}"/>
-              </a:ext>
-            </a:extLst>
-          </p:cNvPr>
-          <p:cNvSpPr>
-            <a:spLocks noGrp="1"/>
-          </p:cNvSpPr>
-          <p:nvPr>
-            <p:ph type="title"/>
-          </p:nvPr>
-        </p:nvSpPr>
-        <p:spPr/>
-        <p:txBody>
-          <a:bodyPr/>
-          <a:lstStyle/>
-          <a:p>
-            <a:r>
-              <a:rPr lang="ko-KR" altLang="en-US"/>
-              <a:t>프로젝트 소개</a:t>
-            </a:r>
-            <a:endParaRPr lang="ko-KR" altLang="en-US" dirty="0"/>
-          </a:p>
-        </p:txBody>
-      </p:sp>
-      <p:sp>
-        <p:nvSpPr>
-          <p:cNvPr id="3" name="내용 개체 틀 2">
-            <a:extLst>
-              <a:ext uri="{FF2B5EF4-FFF2-40B4-BE49-F238E27FC236}">
-                <a16:creationId xmlns:a16="http://schemas.microsoft.com/office/drawing/2014/main" id="{7C05203A-2C0C-0AC8-F342-701F840D5F64}"/>
-              </a:ext>
-            </a:extLst>
-          </p:cNvPr>
-          <p:cNvSpPr>
-            <a:spLocks noGrp="1"/>
-          </p:cNvSpPr>
-          <p:nvPr>
-            <p:ph idx="1"/>
-          </p:nvPr>
-        </p:nvSpPr>
-        <p:spPr>
-          <a:xfrm>
-            <a:off x="838199" y="1502894"/>
-            <a:ext cx="10515600" cy="4351338"/>
-          </a:xfrm>
-        </p:spPr>
-        <p:txBody>
-          <a:bodyPr/>
-          <a:lstStyle/>
-          <a:p>
-            <a:pPr marL="0" indent="0">
-              <a:buNone/>
-            </a:pPr>
-            <a:r>
-              <a:rPr lang="ko-KR" altLang="en-US" dirty="0"/>
-              <a:t> </a:t>
-            </a:r>
-            <a:endParaRPr lang="en-US" altLang="ko-KR" dirty="0"/>
-          </a:p>
-          <a:p>
-            <a:pPr marL="0" indent="0">
-              <a:buNone/>
-            </a:pPr>
-            <a:r>
-              <a:rPr lang="en-US" altLang="ko-KR" b="1" dirty="0"/>
-              <a:t>             </a:t>
-            </a:r>
-            <a:r>
-              <a:rPr lang="ko-KR" altLang="en-US" b="1" dirty="0" err="1"/>
-              <a:t>프론트엔드</a:t>
-            </a:r>
-            <a:r>
-              <a:rPr lang="ko-KR" altLang="en-US" b="1" dirty="0"/>
-              <a:t>                            </a:t>
-            </a:r>
-            <a:r>
-              <a:rPr lang="ko-KR" altLang="en-US" b="1" dirty="0" err="1"/>
-              <a:t>백엔드</a:t>
-            </a:r>
-            <a:endParaRPr lang="en-US" altLang="ko-KR" b="1" dirty="0"/>
-          </a:p>
-          <a:p>
-            <a:endParaRPr lang="ko-KR" altLang="en-US" dirty="0"/>
-          </a:p>
-        </p:txBody>
-      </p:sp>
-      <p:pic>
-        <p:nvPicPr>
-          <p:cNvPr id="1026" name="Picture 2" descr="HTML+CSS+JS] DOM">
-            <a:extLst>
-              <a:ext uri="{FF2B5EF4-FFF2-40B4-BE49-F238E27FC236}">
-                <a16:creationId xmlns:a16="http://schemas.microsoft.com/office/drawing/2014/main" id="{85051257-40C4-393C-F491-DDEAC721452A}"/>
-              </a:ext>
-            </a:extLst>
-          </p:cNvPr>
-          <p:cNvPicPr>
-            <a:picLocks noChangeAspect="1" noChangeArrowheads="1"/>
-          </p:cNvPicPr>
-          <p:nvPr/>
-        </p:nvPicPr>
-        <p:blipFill>
-          <a:blip r:embed="rId2">
-            <a:extLst>
-              <a:ext uri="{28A0092B-C50C-407E-A947-70E740481C1C}">
-                <a14:useLocalDpi xmlns:a14="http://schemas.microsoft.com/office/drawing/2010/main" val="0"/>
-              </a:ext>
-            </a:extLst>
-          </a:blip>
-          <a:srcRect/>
-          <a:stretch>
-            <a:fillRect/>
-          </a:stretch>
-        </p:blipFill>
-        <p:spPr bwMode="auto">
-          <a:xfrm>
-            <a:off x="2014332" y="3194470"/>
-            <a:ext cx="2876550" cy="1590675"/>
-          </a:xfrm>
-          <a:prstGeom prst="rect">
-            <a:avLst/>
-          </a:prstGeom>
-          <a:noFill/>
-          <a:extLst>
-            <a:ext uri="{909E8E84-426E-40DD-AFC4-6F175D3DCCD1}">
-              <a14:hiddenFill xmlns:a14="http://schemas.microsoft.com/office/drawing/2010/main">
-                <a:solidFill>
-                  <a:srgbClr val="FFFFFF"/>
-                </a:solidFill>
-              </a14:hiddenFill>
-            </a:ext>
-          </a:extLst>
-        </p:spPr>
-      </p:pic>
-      <p:pic>
-        <p:nvPicPr>
-          <p:cNvPr id="1028" name="Picture 4">
-            <a:extLst>
-              <a:ext uri="{FF2B5EF4-FFF2-40B4-BE49-F238E27FC236}">
-                <a16:creationId xmlns:a16="http://schemas.microsoft.com/office/drawing/2014/main" id="{820A1ABB-370E-C78D-1DDE-90665777AA59}"/>
-              </a:ext>
-            </a:extLst>
-          </p:cNvPr>
-          <p:cNvPicPr>
-            <a:picLocks noChangeAspect="1" noChangeArrowheads="1"/>
-          </p:cNvPicPr>
-          <p:nvPr/>
-        </p:nvPicPr>
-        <p:blipFill>
-          <a:blip r:embed="rId3">
-            <a:extLst>
-              <a:ext uri="{28A0092B-C50C-407E-A947-70E740481C1C}">
-                <a14:useLocalDpi xmlns:a14="http://schemas.microsoft.com/office/drawing/2010/main" val="0"/>
-              </a:ext>
-            </a:extLst>
-          </a:blip>
-          <a:srcRect/>
-          <a:stretch>
-            <a:fillRect/>
-          </a:stretch>
-        </p:blipFill>
-        <p:spPr bwMode="auto">
-          <a:xfrm>
-            <a:off x="7158880" y="3081383"/>
-            <a:ext cx="2437140" cy="597180"/>
-          </a:xfrm>
-          <a:prstGeom prst="rect">
-            <a:avLst/>
-          </a:prstGeom>
-          <a:noFill/>
-          <a:extLst>
-            <a:ext uri="{909E8E84-426E-40DD-AFC4-6F175D3DCCD1}">
-              <a14:hiddenFill xmlns:a14="http://schemas.microsoft.com/office/drawing/2010/main">
-                <a:solidFill>
-                  <a:srgbClr val="FFFFFF"/>
-                </a:solidFill>
-              </a14:hiddenFill>
-            </a:ext>
-          </a:extLst>
-        </p:spPr>
-      </p:pic>
-      <p:pic>
-        <p:nvPicPr>
-          <p:cNvPr id="1032" name="Picture 8" descr="express가 뭐예요">
-            <a:extLst>
-              <a:ext uri="{FF2B5EF4-FFF2-40B4-BE49-F238E27FC236}">
-                <a16:creationId xmlns:a16="http://schemas.microsoft.com/office/drawing/2014/main" id="{EF44765F-9C42-5809-8DCC-EA245F17A8CF}"/>
-              </a:ext>
-            </a:extLst>
-          </p:cNvPr>
-          <p:cNvPicPr>
-            <a:picLocks noChangeAspect="1" noChangeArrowheads="1"/>
-          </p:cNvPicPr>
-          <p:nvPr/>
-        </p:nvPicPr>
-        <p:blipFill>
-          <a:blip r:embed="rId4">
-            <a:extLst>
-              <a:ext uri="{28A0092B-C50C-407E-A947-70E740481C1C}">
-                <a14:useLocalDpi xmlns:a14="http://schemas.microsoft.com/office/drawing/2010/main" val="0"/>
-              </a:ext>
-            </a:extLst>
-          </a:blip>
-          <a:srcRect/>
-          <a:stretch>
-            <a:fillRect/>
-          </a:stretch>
-        </p:blipFill>
-        <p:spPr bwMode="auto">
-          <a:xfrm>
-            <a:off x="6964892" y="3994570"/>
-            <a:ext cx="2886075" cy="1581150"/>
-          </a:xfrm>
-          <a:prstGeom prst="rect">
-            <a:avLst/>
-          </a:prstGeom>
-          <a:noFill/>
-          <a:extLst>
-            <a:ext uri="{909E8E84-426E-40DD-AFC4-6F175D3DCCD1}">
-              <a14:hiddenFill xmlns:a14="http://schemas.microsoft.com/office/drawing/2010/main">
-                <a:solidFill>
-                  <a:srgbClr val="FFFFFF"/>
-                </a:solidFill>
-              </a14:hiddenFill>
-            </a:ext>
-          </a:extLst>
-        </p:spPr>
-      </p:pic>
-    </p:spTree>
-    <p:extLst>
-      <p:ext uri="{BB962C8B-B14F-4D97-AF65-F5344CB8AC3E}">
-        <p14:creationId xmlns:p14="http://schemas.microsoft.com/office/powerpoint/2010/main" val="2017178428"/>
-      </p:ext>
-    </p:extLst>
-  </p:cSld>
-  <p:clrMapOvr>
-    <a:masterClrMapping/>
-  </p:clrMapOvr>
-</p:sld>
-</file>
-
-<file path=ppt/slides/slide11.xml><?xml version="1.0" encoding="utf-8"?>
-<p:sld xmlns:a="http://schemas.openxmlformats.org/drawingml/2006/main" xmlns:r="http://schemas.openxmlformats.org/officeDocument/2006/relationships" xmlns:p="http://schemas.openxmlformats.org/presentationml/2006/main">
-  <p:cSld>
-    <p:spTree>
-      <p:nvGrpSpPr>
-        <p:cNvPr id="1" name=""/>
-        <p:cNvGrpSpPr/>
-        <p:nvPr/>
-      </p:nvGrpSpPr>
-      <p:grpSpPr>
-        <a:xfrm>
-          <a:off x="0" y="0"/>
-          <a:ext cx="0" cy="0"/>
-          <a:chOff x="0" y="0"/>
-          <a:chExt cx="0" cy="0"/>
-        </a:xfrm>
-      </p:grpSpPr>
-      <p:sp>
-        <p:nvSpPr>
-          <p:cNvPr id="2" name="제목 1">
-            <a:extLst>
-              <a:ext uri="{FF2B5EF4-FFF2-40B4-BE49-F238E27FC236}">
-                <a16:creationId xmlns:a16="http://schemas.microsoft.com/office/drawing/2014/main" id="{8F94CD63-956F-5101-D526-C949E130ED08}"/>
-              </a:ext>
-            </a:extLst>
-          </p:cNvPr>
-          <p:cNvSpPr>
-            <a:spLocks noGrp="1"/>
-          </p:cNvSpPr>
-          <p:nvPr>
-            <p:ph type="title"/>
-          </p:nvPr>
-        </p:nvSpPr>
-        <p:spPr/>
-        <p:txBody>
-          <a:bodyPr/>
-          <a:lstStyle/>
-          <a:p>
-            <a:r>
-              <a:rPr lang="ko-KR" altLang="en-US" dirty="0"/>
-              <a:t>프로젝트 소개</a:t>
-            </a:r>
-            <a:r>
-              <a:rPr lang="en-US" altLang="ko-KR" dirty="0"/>
-              <a:t>(</a:t>
-            </a:r>
-            <a:r>
-              <a:rPr lang="ko-KR" altLang="en-US" dirty="0" err="1"/>
-              <a:t>프론트엔드</a:t>
-            </a:r>
-            <a:r>
-              <a:rPr lang="en-US" altLang="ko-KR" dirty="0"/>
-              <a:t>)</a:t>
-            </a:r>
-            <a:endParaRPr lang="ko-KR" altLang="en-US" dirty="0"/>
-          </a:p>
-        </p:txBody>
-      </p:sp>
-      <p:sp>
-        <p:nvSpPr>
-          <p:cNvPr id="3" name="내용 개체 틀 2">
-            <a:extLst>
-              <a:ext uri="{FF2B5EF4-FFF2-40B4-BE49-F238E27FC236}">
-                <a16:creationId xmlns:a16="http://schemas.microsoft.com/office/drawing/2014/main" id="{5A9774FD-5B14-B8B6-871F-A28705D89AE2}"/>
-              </a:ext>
-            </a:extLst>
-          </p:cNvPr>
-          <p:cNvSpPr>
-            <a:spLocks noGrp="1"/>
-          </p:cNvSpPr>
-          <p:nvPr>
-            <p:ph idx="1"/>
-          </p:nvPr>
-        </p:nvSpPr>
-        <p:spPr/>
-        <p:txBody>
-          <a:bodyPr/>
-          <a:lstStyle/>
-          <a:p>
-            <a:pPr marL="0" indent="0">
-              <a:buNone/>
-            </a:pPr>
-            <a:endParaRPr lang="ko-KR" altLang="en-US" dirty="0"/>
-          </a:p>
-        </p:txBody>
-      </p:sp>
-      <p:pic>
-        <p:nvPicPr>
-          <p:cNvPr id="2050" name="Picture 2" descr="Cloudflare - Wikipedia">
-            <a:extLst>
-              <a:ext uri="{FF2B5EF4-FFF2-40B4-BE49-F238E27FC236}">
-                <a16:creationId xmlns:a16="http://schemas.microsoft.com/office/drawing/2014/main" id="{11B1AA13-1D3A-8E98-1EFC-DAD2DC1A9332}"/>
-              </a:ext>
-            </a:extLst>
-          </p:cNvPr>
-          <p:cNvPicPr>
-            <a:picLocks noChangeAspect="1" noChangeArrowheads="1"/>
-          </p:cNvPicPr>
-          <p:nvPr/>
-        </p:nvPicPr>
-        <p:blipFill>
-          <a:blip r:embed="rId2">
-            <a:extLst>
-              <a:ext uri="{28A0092B-C50C-407E-A947-70E740481C1C}">
-                <a14:useLocalDpi xmlns:a14="http://schemas.microsoft.com/office/drawing/2010/main" val="0"/>
-              </a:ext>
-            </a:extLst>
-          </a:blip>
-          <a:srcRect/>
-          <a:stretch>
-            <a:fillRect/>
-          </a:stretch>
-        </p:blipFill>
-        <p:spPr bwMode="auto">
-          <a:xfrm>
-            <a:off x="1658049" y="3118644"/>
-            <a:ext cx="3686175" cy="1238250"/>
-          </a:xfrm>
-          <a:prstGeom prst="rect">
-            <a:avLst/>
-          </a:prstGeom>
-          <a:noFill/>
-          <a:extLst>
-            <a:ext uri="{909E8E84-426E-40DD-AFC4-6F175D3DCCD1}">
-              <a14:hiddenFill xmlns:a14="http://schemas.microsoft.com/office/drawing/2010/main">
-                <a:solidFill>
-                  <a:srgbClr val="FFFFFF"/>
-                </a:solidFill>
-              </a14:hiddenFill>
-            </a:ext>
-          </a:extLst>
-        </p:spPr>
-      </p:pic>
-      <p:sp>
-        <p:nvSpPr>
-          <p:cNvPr id="4" name="화살표: 오른쪽 3">
-            <a:extLst>
-              <a:ext uri="{FF2B5EF4-FFF2-40B4-BE49-F238E27FC236}">
-                <a16:creationId xmlns:a16="http://schemas.microsoft.com/office/drawing/2014/main" id="{5FBCA93A-250A-678C-E2D7-E5AF00F57435}"/>
-              </a:ext>
-            </a:extLst>
-          </p:cNvPr>
-          <p:cNvSpPr/>
-          <p:nvPr/>
-        </p:nvSpPr>
-        <p:spPr>
-          <a:xfrm>
-            <a:off x="5715032" y="3729831"/>
-            <a:ext cx="995680" cy="325120"/>
-          </a:xfrm>
-          <a:prstGeom prst="rightArrow">
-            <a:avLst/>
-          </a:prstGeom>
-        </p:spPr>
-        <p:style>
-          <a:lnRef idx="2">
-            <a:schemeClr val="accent1">
-              <a:shade val="50000"/>
-            </a:schemeClr>
-          </a:lnRef>
-          <a:fillRef idx="1">
-            <a:schemeClr val="accent1"/>
-          </a:fillRef>
-          <a:effectRef idx="0">
-            <a:schemeClr val="accent1"/>
-          </a:effectRef>
-          <a:fontRef idx="minor">
-            <a:schemeClr val="lt1"/>
-          </a:fontRef>
-        </p:style>
-        <p:txBody>
-          <a:bodyPr rtlCol="0" anchor="ctr"/>
-          <a:lstStyle/>
-          <a:p>
-            <a:pPr algn="ctr"/>
-            <a:endParaRPr lang="ko-KR" altLang="en-US"/>
-          </a:p>
-        </p:txBody>
-      </p:sp>
-      <p:sp>
-        <p:nvSpPr>
-          <p:cNvPr id="5" name="TextBox 4">
-            <a:extLst>
-              <a:ext uri="{FF2B5EF4-FFF2-40B4-BE49-F238E27FC236}">
-                <a16:creationId xmlns:a16="http://schemas.microsoft.com/office/drawing/2014/main" id="{B2F34F15-C3A7-A120-7255-D719073E0F8F}"/>
-              </a:ext>
-            </a:extLst>
-          </p:cNvPr>
-          <p:cNvSpPr txBox="1"/>
-          <p:nvPr/>
-        </p:nvSpPr>
-        <p:spPr>
-          <a:xfrm>
-            <a:off x="7081520" y="3707725"/>
-            <a:ext cx="2245360" cy="369332"/>
-          </a:xfrm>
-          <a:prstGeom prst="rect">
-            <a:avLst/>
-          </a:prstGeom>
-          <a:noFill/>
-        </p:spPr>
-        <p:txBody>
-          <a:bodyPr wrap="square" rtlCol="0">
-            <a:spAutoFit/>
-          </a:bodyPr>
-          <a:lstStyle/>
-          <a:p>
-            <a:r>
-              <a:rPr lang="ko-KR" altLang="en-US"/>
-              <a:t>도메인 주소 획득</a:t>
-            </a:r>
-            <a:endParaRPr lang="ko-KR" altLang="en-US" dirty="0"/>
-          </a:p>
-        </p:txBody>
-      </p:sp>
-    </p:spTree>
-    <p:extLst>
-      <p:ext uri="{BB962C8B-B14F-4D97-AF65-F5344CB8AC3E}">
-        <p14:creationId xmlns:p14="http://schemas.microsoft.com/office/powerpoint/2010/main" val="3931455120"/>
-      </p:ext>
-    </p:extLst>
-  </p:cSld>
-  <p:clrMapOvr>
-    <a:masterClrMapping/>
-  </p:clrMapOvr>
-</p:sld>
-</file>
-
-<file path=ppt/slides/slide12.xml><?xml version="1.0" encoding="utf-8"?>
-<p:sld xmlns:a="http://schemas.openxmlformats.org/drawingml/2006/main" xmlns:r="http://schemas.openxmlformats.org/officeDocument/2006/relationships" xmlns:p="http://schemas.openxmlformats.org/presentationml/2006/main">
-  <p:cSld>
-    <p:spTree>
-      <p:nvGrpSpPr>
-        <p:cNvPr id="1" name=""/>
-        <p:cNvGrpSpPr/>
-        <p:nvPr/>
-      </p:nvGrpSpPr>
-      <p:grpSpPr>
-        <a:xfrm>
-          <a:off x="0" y="0"/>
-          <a:ext cx="0" cy="0"/>
-          <a:chOff x="0" y="0"/>
-          <a:chExt cx="0" cy="0"/>
-        </a:xfrm>
-      </p:grpSpPr>
-      <p:sp>
-        <p:nvSpPr>
-          <p:cNvPr id="2" name="제목 1">
-            <a:extLst>
-              <a:ext uri="{FF2B5EF4-FFF2-40B4-BE49-F238E27FC236}">
-                <a16:creationId xmlns:a16="http://schemas.microsoft.com/office/drawing/2014/main" id="{B0D25C1E-6F25-945E-8F52-ABFC30F7F260}"/>
-              </a:ext>
-            </a:extLst>
-          </p:cNvPr>
-          <p:cNvSpPr>
-            <a:spLocks noGrp="1"/>
-          </p:cNvSpPr>
-          <p:nvPr>
-            <p:ph type="title"/>
-          </p:nvPr>
-        </p:nvSpPr>
-        <p:spPr/>
-        <p:txBody>
-          <a:bodyPr/>
-          <a:lstStyle/>
-          <a:p>
-            <a:r>
-              <a:rPr lang="ko-KR" altLang="en-US" dirty="0"/>
-              <a:t>프로젝트 소개</a:t>
-            </a:r>
-            <a:r>
-              <a:rPr lang="en-US" altLang="ko-KR" dirty="0"/>
-              <a:t>(</a:t>
-            </a:r>
-            <a:r>
-              <a:rPr lang="ko-KR" altLang="en-US" dirty="0" err="1"/>
-              <a:t>백엔드</a:t>
-            </a:r>
-            <a:r>
-              <a:rPr lang="en-US" altLang="ko-KR" dirty="0"/>
-              <a:t>)</a:t>
-            </a:r>
-            <a:endParaRPr lang="ko-KR" altLang="en-US" dirty="0"/>
-          </a:p>
-        </p:txBody>
-      </p:sp>
-      <p:pic>
-        <p:nvPicPr>
-          <p:cNvPr id="5" name="내용 개체 틀 4">
-            <a:extLst>
-              <a:ext uri="{FF2B5EF4-FFF2-40B4-BE49-F238E27FC236}">
-                <a16:creationId xmlns:a16="http://schemas.microsoft.com/office/drawing/2014/main" id="{C78B846F-4791-6630-9ACB-B74EBC16A5E5}"/>
-              </a:ext>
-            </a:extLst>
-          </p:cNvPr>
-          <p:cNvPicPr>
-            <a:picLocks noGrp="1" noChangeAspect="1"/>
-          </p:cNvPicPr>
-          <p:nvPr>
-            <p:ph idx="1"/>
-          </p:nvPr>
-        </p:nvPicPr>
-        <p:blipFill>
-          <a:blip r:embed="rId2"/>
-          <a:stretch>
-            <a:fillRect/>
-          </a:stretch>
-        </p:blipFill>
-        <p:spPr>
-          <a:xfrm>
-            <a:off x="1719898" y="1825625"/>
-            <a:ext cx="8752203" cy="4351338"/>
-          </a:xfrm>
-        </p:spPr>
-      </p:pic>
-    </p:spTree>
-    <p:extLst>
-      <p:ext uri="{BB962C8B-B14F-4D97-AF65-F5344CB8AC3E}">
-        <p14:creationId xmlns:p14="http://schemas.microsoft.com/office/powerpoint/2010/main" val="809531263"/>
-      </p:ext>
-    </p:extLst>
-  </p:cSld>
-  <p:clrMapOvr>
-    <a:masterClrMapping/>
-  </p:clrMapOvr>
-</p:sld>
-</file>
-
-<file path=ppt/slides/slide13.xml><?xml version="1.0" encoding="utf-8"?>
-<p:sld xmlns:a="http://schemas.openxmlformats.org/drawingml/2006/main" xmlns:r="http://schemas.openxmlformats.org/officeDocument/2006/relationships" xmlns:p="http://schemas.openxmlformats.org/presentationml/2006/main">
-  <p:cSld>
-    <p:spTree>
-      <p:nvGrpSpPr>
-        <p:cNvPr id="1" name=""/>
-        <p:cNvGrpSpPr/>
-        <p:nvPr/>
-      </p:nvGrpSpPr>
-      <p:grpSpPr>
-        <a:xfrm>
-          <a:off x="0" y="0"/>
-          <a:ext cx="0" cy="0"/>
-          <a:chOff x="0" y="0"/>
-          <a:chExt cx="0" cy="0"/>
-        </a:xfrm>
-      </p:grpSpPr>
-      <p:sp>
-        <p:nvSpPr>
-          <p:cNvPr id="2" name="제목 1">
-            <a:extLst>
-              <a:ext uri="{FF2B5EF4-FFF2-40B4-BE49-F238E27FC236}">
-                <a16:creationId xmlns:a16="http://schemas.microsoft.com/office/drawing/2014/main" id="{ACFC2D6E-1AF2-B03E-B53D-FC151659C5F1}"/>
-              </a:ext>
-            </a:extLst>
-          </p:cNvPr>
-          <p:cNvSpPr>
-            <a:spLocks noGrp="1"/>
-          </p:cNvSpPr>
-          <p:nvPr>
-            <p:ph type="title"/>
-          </p:nvPr>
-        </p:nvSpPr>
-        <p:spPr/>
-        <p:txBody>
-          <a:bodyPr/>
-          <a:lstStyle/>
-          <a:p>
-            <a:r>
-              <a:rPr lang="ko-KR" altLang="en-US" dirty="0"/>
-              <a:t>프로젝트 소개</a:t>
-            </a:r>
-          </a:p>
-        </p:txBody>
-      </p:sp>
-      <p:sp>
-        <p:nvSpPr>
-          <p:cNvPr id="5" name="화살표: 오른쪽 4">
-            <a:extLst>
-              <a:ext uri="{FF2B5EF4-FFF2-40B4-BE49-F238E27FC236}">
-                <a16:creationId xmlns:a16="http://schemas.microsoft.com/office/drawing/2014/main" id="{21299FAE-F129-532A-74BE-A38DB0EB95F1}"/>
-              </a:ext>
-            </a:extLst>
-          </p:cNvPr>
-          <p:cNvSpPr/>
-          <p:nvPr/>
-        </p:nvSpPr>
-        <p:spPr>
-          <a:xfrm>
-            <a:off x="5375818" y="3259852"/>
-            <a:ext cx="2059595" cy="553445"/>
-          </a:xfrm>
-          <a:prstGeom prst="rightArrow">
-            <a:avLst/>
-          </a:prstGeom>
-        </p:spPr>
-        <p:style>
-          <a:lnRef idx="2">
-            <a:schemeClr val="accent1">
-              <a:shade val="50000"/>
-            </a:schemeClr>
-          </a:lnRef>
-          <a:fillRef idx="1">
-            <a:schemeClr val="accent1"/>
-          </a:fillRef>
-          <a:effectRef idx="0">
-            <a:schemeClr val="accent1"/>
-          </a:effectRef>
-          <a:fontRef idx="minor">
-            <a:schemeClr val="lt1"/>
-          </a:fontRef>
-        </p:style>
-        <p:txBody>
-          <a:bodyPr rtlCol="0" anchor="ctr"/>
-          <a:lstStyle/>
-          <a:p>
-            <a:pPr algn="ctr"/>
-            <a:endParaRPr lang="ko-KR" altLang="en-US"/>
-          </a:p>
-        </p:txBody>
-      </p:sp>
-      <p:sp>
-        <p:nvSpPr>
-          <p:cNvPr id="6" name="TextBox 5">
-            <a:extLst>
-              <a:ext uri="{FF2B5EF4-FFF2-40B4-BE49-F238E27FC236}">
-                <a16:creationId xmlns:a16="http://schemas.microsoft.com/office/drawing/2014/main" id="{B02E31A1-2467-A026-63E1-08043D6AABBF}"/>
-              </a:ext>
-            </a:extLst>
-          </p:cNvPr>
-          <p:cNvSpPr txBox="1"/>
-          <p:nvPr/>
-        </p:nvSpPr>
-        <p:spPr>
-          <a:xfrm>
-            <a:off x="5708152" y="2890520"/>
-            <a:ext cx="1647686" cy="369332"/>
-          </a:xfrm>
-          <a:prstGeom prst="rect">
-            <a:avLst/>
-          </a:prstGeom>
-          <a:noFill/>
-        </p:spPr>
-        <p:txBody>
-          <a:bodyPr wrap="square" rtlCol="0">
-            <a:spAutoFit/>
-          </a:bodyPr>
-          <a:lstStyle/>
-          <a:p>
-            <a:r>
-              <a:rPr lang="ko-KR" altLang="en-US" dirty="0"/>
-              <a:t>수강정보</a:t>
-            </a:r>
-          </a:p>
-        </p:txBody>
-      </p:sp>
-      <p:pic>
-        <p:nvPicPr>
-          <p:cNvPr id="7" name="Picture 2" descr="Cloudflare - Wikipedia">
-            <a:extLst>
-              <a:ext uri="{FF2B5EF4-FFF2-40B4-BE49-F238E27FC236}">
-                <a16:creationId xmlns:a16="http://schemas.microsoft.com/office/drawing/2014/main" id="{ADBC53CF-CC2F-0BB5-154E-FE165828F2FE}"/>
-              </a:ext>
-            </a:extLst>
-          </p:cNvPr>
-          <p:cNvPicPr>
-            <a:picLocks noChangeAspect="1" noChangeArrowheads="1"/>
-          </p:cNvPicPr>
-          <p:nvPr/>
-        </p:nvPicPr>
-        <p:blipFill>
-          <a:blip r:embed="rId2">
-            <a:extLst>
-              <a:ext uri="{28A0092B-C50C-407E-A947-70E740481C1C}">
-                <a14:useLocalDpi xmlns:a14="http://schemas.microsoft.com/office/drawing/2010/main" val="0"/>
-              </a:ext>
-            </a:extLst>
-          </a:blip>
-          <a:srcRect/>
-          <a:stretch>
-            <a:fillRect/>
-          </a:stretch>
-        </p:blipFill>
-        <p:spPr bwMode="auto">
-          <a:xfrm>
-            <a:off x="2267918" y="3046888"/>
-            <a:ext cx="2602246" cy="874139"/>
-          </a:xfrm>
-          <a:prstGeom prst="rect">
-            <a:avLst/>
-          </a:prstGeom>
-          <a:noFill/>
-          <a:extLst>
-            <a:ext uri="{909E8E84-426E-40DD-AFC4-6F175D3DCCD1}">
-              <a14:hiddenFill xmlns:a14="http://schemas.microsoft.com/office/drawing/2010/main">
-                <a:solidFill>
-                  <a:srgbClr val="FFFFFF"/>
-                </a:solidFill>
-              </a14:hiddenFill>
-            </a:ext>
-          </a:extLst>
-        </p:spPr>
-      </p:pic>
-      <p:pic>
-        <p:nvPicPr>
-          <p:cNvPr id="8" name="Picture 4" descr="Serverless Optimization Workshop (Performance and Cost)">
-            <a:extLst>
-              <a:ext uri="{FF2B5EF4-FFF2-40B4-BE49-F238E27FC236}">
-                <a16:creationId xmlns:a16="http://schemas.microsoft.com/office/drawing/2014/main" id="{4504A5DB-F23B-110B-8D0F-1B6664B8B576}"/>
-              </a:ext>
-            </a:extLst>
-          </p:cNvPr>
-          <p:cNvPicPr>
-            <a:picLocks noGrp="1" noChangeAspect="1" noChangeArrowheads="1"/>
-          </p:cNvPicPr>
-          <p:nvPr>
-            <p:ph idx="1"/>
-          </p:nvPr>
-        </p:nvPicPr>
-        <p:blipFill>
-          <a:blip r:embed="rId3">
-            <a:extLst>
-              <a:ext uri="{28A0092B-C50C-407E-A947-70E740481C1C}">
-                <a14:useLocalDpi xmlns:a14="http://schemas.microsoft.com/office/drawing/2010/main" val="0"/>
-              </a:ext>
-            </a:extLst>
-          </a:blip>
-          <a:srcRect/>
-          <a:stretch>
-            <a:fillRect/>
-          </a:stretch>
-        </p:blipFill>
-        <p:spPr bwMode="auto">
-          <a:xfrm>
-            <a:off x="7435413" y="2695747"/>
-            <a:ext cx="1969879" cy="1943730"/>
-          </a:xfrm>
-          <a:prstGeom prst="rect">
-            <a:avLst/>
-          </a:prstGeom>
-          <a:noFill/>
-          <a:extLst>
-            <a:ext uri="{909E8E84-426E-40DD-AFC4-6F175D3DCCD1}">
-              <a14:hiddenFill xmlns:a14="http://schemas.microsoft.com/office/drawing/2010/main">
-                <a:solidFill>
-                  <a:srgbClr val="FFFFFF"/>
-                </a:solidFill>
-              </a14:hiddenFill>
-            </a:ext>
-          </a:extLst>
-        </p:spPr>
-      </p:pic>
-      <p:pic>
-        <p:nvPicPr>
-          <p:cNvPr id="9" name="Picture 4">
-            <a:extLst>
-              <a:ext uri="{FF2B5EF4-FFF2-40B4-BE49-F238E27FC236}">
-                <a16:creationId xmlns:a16="http://schemas.microsoft.com/office/drawing/2014/main" id="{C942F71B-C237-C18C-01C1-72FB5434EAE3}"/>
-              </a:ext>
-            </a:extLst>
-          </p:cNvPr>
-          <p:cNvPicPr>
-            <a:picLocks noChangeAspect="1" noChangeArrowheads="1"/>
-          </p:cNvPicPr>
-          <p:nvPr/>
-        </p:nvPicPr>
-        <p:blipFill>
-          <a:blip r:embed="rId4">
-            <a:extLst>
-              <a:ext uri="{28A0092B-C50C-407E-A947-70E740481C1C}">
-                <a14:useLocalDpi xmlns:a14="http://schemas.microsoft.com/office/drawing/2010/main" val="0"/>
-              </a:ext>
-            </a:extLst>
-          </a:blip>
-          <a:srcRect/>
-          <a:stretch>
-            <a:fillRect/>
-          </a:stretch>
-        </p:blipFill>
-        <p:spPr bwMode="auto">
-          <a:xfrm>
-            <a:off x="9132136" y="2150288"/>
-            <a:ext cx="1969879" cy="482686"/>
-          </a:xfrm>
-          <a:prstGeom prst="rect">
-            <a:avLst/>
-          </a:prstGeom>
-          <a:noFill/>
-          <a:extLst>
-            <a:ext uri="{909E8E84-426E-40DD-AFC4-6F175D3DCCD1}">
-              <a14:hiddenFill xmlns:a14="http://schemas.microsoft.com/office/drawing/2010/main">
-                <a:solidFill>
-                  <a:srgbClr val="FFFFFF"/>
-                </a:solidFill>
-              </a14:hiddenFill>
-            </a:ext>
-          </a:extLst>
-        </p:spPr>
-      </p:pic>
-      <p:sp>
-        <p:nvSpPr>
-          <p:cNvPr id="10" name="화살표: 오른쪽 9">
-            <a:extLst>
-              <a:ext uri="{FF2B5EF4-FFF2-40B4-BE49-F238E27FC236}">
-                <a16:creationId xmlns:a16="http://schemas.microsoft.com/office/drawing/2014/main" id="{2F67B8CD-A02D-9304-13C4-9BBD2BC6A5C3}"/>
-              </a:ext>
-            </a:extLst>
-          </p:cNvPr>
-          <p:cNvSpPr/>
-          <p:nvPr/>
-        </p:nvSpPr>
-        <p:spPr>
-          <a:xfrm rot="10800000">
-            <a:off x="5227477" y="3933015"/>
-            <a:ext cx="2128361" cy="553445"/>
-          </a:xfrm>
-          <a:prstGeom prst="rightArrow">
-            <a:avLst/>
-          </a:prstGeom>
-        </p:spPr>
-        <p:style>
-          <a:lnRef idx="2">
-            <a:schemeClr val="accent1">
-              <a:shade val="50000"/>
-            </a:schemeClr>
-          </a:lnRef>
-          <a:fillRef idx="1">
-            <a:schemeClr val="accent1"/>
-          </a:fillRef>
-          <a:effectRef idx="0">
-            <a:schemeClr val="accent1"/>
-          </a:effectRef>
-          <a:fontRef idx="minor">
-            <a:schemeClr val="lt1"/>
-          </a:fontRef>
-        </p:style>
-        <p:txBody>
-          <a:bodyPr rtlCol="0" anchor="ctr"/>
-          <a:lstStyle/>
-          <a:p>
-            <a:pPr algn="ctr"/>
-            <a:endParaRPr lang="ko-KR" altLang="en-US"/>
-          </a:p>
-        </p:txBody>
-      </p:sp>
-      <p:sp>
-        <p:nvSpPr>
-          <p:cNvPr id="11" name="TextBox 10">
-            <a:extLst>
-              <a:ext uri="{FF2B5EF4-FFF2-40B4-BE49-F238E27FC236}">
-                <a16:creationId xmlns:a16="http://schemas.microsoft.com/office/drawing/2014/main" id="{7EBD01E2-EB75-D161-FA71-6580AF13A019}"/>
-              </a:ext>
-            </a:extLst>
-          </p:cNvPr>
-          <p:cNvSpPr txBox="1"/>
-          <p:nvPr/>
-        </p:nvSpPr>
-        <p:spPr>
-          <a:xfrm>
-            <a:off x="5592651" y="4639477"/>
-            <a:ext cx="1585817" cy="369332"/>
-          </a:xfrm>
-          <a:prstGeom prst="rect">
-            <a:avLst/>
-          </a:prstGeom>
-          <a:noFill/>
-        </p:spPr>
-        <p:txBody>
-          <a:bodyPr wrap="square" rtlCol="0">
-            <a:spAutoFit/>
-          </a:bodyPr>
-          <a:lstStyle/>
-          <a:p>
-            <a:r>
-              <a:rPr lang="ko-KR" altLang="en-US" dirty="0"/>
-              <a:t>시간표 결과</a:t>
-            </a:r>
-          </a:p>
-        </p:txBody>
-      </p:sp>
-      <p:sp>
-        <p:nvSpPr>
-          <p:cNvPr id="3" name="TextBox 2">
-            <a:extLst>
-              <a:ext uri="{FF2B5EF4-FFF2-40B4-BE49-F238E27FC236}">
-                <a16:creationId xmlns:a16="http://schemas.microsoft.com/office/drawing/2014/main" id="{7C08FF17-72F8-F69A-1CA5-87612EE80599}"/>
-              </a:ext>
-            </a:extLst>
-          </p:cNvPr>
-          <p:cNvSpPr txBox="1"/>
-          <p:nvPr/>
-        </p:nvSpPr>
-        <p:spPr>
-          <a:xfrm>
-            <a:off x="3408293" y="4072072"/>
-            <a:ext cx="1344549" cy="369332"/>
-          </a:xfrm>
-          <a:prstGeom prst="rect">
-            <a:avLst/>
-          </a:prstGeom>
-          <a:noFill/>
-        </p:spPr>
-        <p:txBody>
-          <a:bodyPr wrap="square" rtlCol="0">
-            <a:spAutoFit/>
-          </a:bodyPr>
-          <a:lstStyle/>
-          <a:p>
-            <a:r>
-              <a:rPr lang="ko-KR" altLang="en-US" dirty="0"/>
-              <a:t>웹사이트</a:t>
-            </a:r>
-          </a:p>
-        </p:txBody>
-      </p:sp>
-    </p:spTree>
-    <p:extLst>
-      <p:ext uri="{BB962C8B-B14F-4D97-AF65-F5344CB8AC3E}">
-        <p14:creationId xmlns:p14="http://schemas.microsoft.com/office/powerpoint/2010/main" val="797652386"/>
-      </p:ext>
-    </p:extLst>
-  </p:cSld>
-  <p:clrMapOvr>
-    <a:masterClrMapping/>
-  </p:clrMapOvr>
-</p:sld>
-</file>
-
-<file path=ppt/slides/slide14.xml><?xml version="1.0" encoding="utf-8"?>
 <p:sld xmlns:a="http://schemas.openxmlformats.org/drawingml/2006/main" xmlns:r="http://schemas.openxmlformats.org/officeDocument/2006/relationships" xmlns:p="http://schemas.openxmlformats.org/presentationml/2006/main">
   <p:cSld>
     <p:spTree>
@@ -4939,147 +3943,147 @@
             <p:ph idx="1"/>
             <p:extLst>
               <p:ext uri="{D42A27DB-BD31-4B8C-83A1-F6EECF244321}">
-                <p14:modId xmlns:p14="http://schemas.microsoft.com/office/powerpoint/2010/main" val="2891586224"/>
+                <p14:modId xmlns:p14="http://schemas.microsoft.com/office/powerpoint/2010/main" val="131597597"/>
               </p:ext>
             </p:extLst>
           </p:nvPr>
         </p:nvGraphicFramePr>
         <p:xfrm>
-          <a:off x="2351314" y="1819469"/>
-          <a:ext cx="7548470" cy="3984172"/>
+          <a:off x="1541417" y="1690688"/>
+          <a:ext cx="8699863" cy="4370475"/>
         </p:xfrm>
         <a:graphic>
           <a:graphicData uri="http://schemas.openxmlformats.org/drawingml/2006/table">
             <a:tbl>
               <a:tblPr/>
               <a:tblGrid>
-                <a:gridCol w="3162480">
+                <a:gridCol w="3644862">
                   <a:extLst>
                     <a:ext uri="{9D8B030D-6E8A-4147-A177-3AD203B41FA5}">
                       <a16:colId xmlns:a16="http://schemas.microsoft.com/office/drawing/2014/main" val="1123925199"/>
                     </a:ext>
                   </a:extLst>
                 </a:gridCol>
-                <a:gridCol w="244598">
+                <a:gridCol w="281908">
                   <a:extLst>
                     <a:ext uri="{9D8B030D-6E8A-4147-A177-3AD203B41FA5}">
                       <a16:colId xmlns:a16="http://schemas.microsoft.com/office/drawing/2014/main" val="3603652840"/>
                     </a:ext>
                   </a:extLst>
                 </a:gridCol>
-                <a:gridCol w="244598">
+                <a:gridCol w="281908">
                   <a:extLst>
                     <a:ext uri="{9D8B030D-6E8A-4147-A177-3AD203B41FA5}">
                       <a16:colId xmlns:a16="http://schemas.microsoft.com/office/drawing/2014/main" val="444389316"/>
                     </a:ext>
                   </a:extLst>
                 </a:gridCol>
-                <a:gridCol w="244598">
+                <a:gridCol w="281908">
                   <a:extLst>
                     <a:ext uri="{9D8B030D-6E8A-4147-A177-3AD203B41FA5}">
                       <a16:colId xmlns:a16="http://schemas.microsoft.com/office/drawing/2014/main" val="1702614404"/>
                     </a:ext>
                   </a:extLst>
                 </a:gridCol>
-                <a:gridCol w="244598">
+                <a:gridCol w="281908">
                   <a:extLst>
                     <a:ext uri="{9D8B030D-6E8A-4147-A177-3AD203B41FA5}">
                       <a16:colId xmlns:a16="http://schemas.microsoft.com/office/drawing/2014/main" val="902985327"/>
                     </a:ext>
                   </a:extLst>
                 </a:gridCol>
-                <a:gridCol w="244425">
+                <a:gridCol w="281708">
                   <a:extLst>
                     <a:ext uri="{9D8B030D-6E8A-4147-A177-3AD203B41FA5}">
                       <a16:colId xmlns:a16="http://schemas.microsoft.com/office/drawing/2014/main" val="2251877067"/>
                     </a:ext>
                   </a:extLst>
                 </a:gridCol>
-                <a:gridCol w="244425">
+                <a:gridCol w="281708">
                   <a:extLst>
                     <a:ext uri="{9D8B030D-6E8A-4147-A177-3AD203B41FA5}">
                       <a16:colId xmlns:a16="http://schemas.microsoft.com/office/drawing/2014/main" val="1508345223"/>
                     </a:ext>
                   </a:extLst>
                 </a:gridCol>
-                <a:gridCol w="244943">
+                <a:gridCol w="282305">
                   <a:extLst>
                     <a:ext uri="{9D8B030D-6E8A-4147-A177-3AD203B41FA5}">
                       <a16:colId xmlns:a16="http://schemas.microsoft.com/office/drawing/2014/main" val="1431635899"/>
                     </a:ext>
                   </a:extLst>
                 </a:gridCol>
-                <a:gridCol w="244943">
+                <a:gridCol w="282305">
                   <a:extLst>
                     <a:ext uri="{9D8B030D-6E8A-4147-A177-3AD203B41FA5}">
                       <a16:colId xmlns:a16="http://schemas.microsoft.com/office/drawing/2014/main" val="4158741607"/>
                     </a:ext>
                   </a:extLst>
                 </a:gridCol>
-                <a:gridCol w="195678">
+                <a:gridCol w="225525">
                   <a:extLst>
                     <a:ext uri="{9D8B030D-6E8A-4147-A177-3AD203B41FA5}">
                       <a16:colId xmlns:a16="http://schemas.microsoft.com/office/drawing/2014/main" val="3771832231"/>
                     </a:ext>
                   </a:extLst>
                 </a:gridCol>
-                <a:gridCol w="195678">
+                <a:gridCol w="225525">
                   <a:extLst>
                     <a:ext uri="{9D8B030D-6E8A-4147-A177-3AD203B41FA5}">
                       <a16:colId xmlns:a16="http://schemas.microsoft.com/office/drawing/2014/main" val="3691611466"/>
                     </a:ext>
                   </a:extLst>
                 </a:gridCol>
-                <a:gridCol w="195678">
+                <a:gridCol w="225525">
                   <a:extLst>
                     <a:ext uri="{9D8B030D-6E8A-4147-A177-3AD203B41FA5}">
                       <a16:colId xmlns:a16="http://schemas.microsoft.com/office/drawing/2014/main" val="2255144685"/>
                     </a:ext>
                   </a:extLst>
                 </a:gridCol>
-                <a:gridCol w="195678">
+                <a:gridCol w="225525">
                   <a:extLst>
                     <a:ext uri="{9D8B030D-6E8A-4147-A177-3AD203B41FA5}">
                       <a16:colId xmlns:a16="http://schemas.microsoft.com/office/drawing/2014/main" val="3480193152"/>
                     </a:ext>
                   </a:extLst>
                 </a:gridCol>
-                <a:gridCol w="244425">
+                <a:gridCol w="281708">
                   <a:extLst>
                     <a:ext uri="{9D8B030D-6E8A-4147-A177-3AD203B41FA5}">
                       <a16:colId xmlns:a16="http://schemas.microsoft.com/office/drawing/2014/main" val="3887565346"/>
                     </a:ext>
                   </a:extLst>
                 </a:gridCol>
-                <a:gridCol w="244425">
+                <a:gridCol w="281708">
                   <a:extLst>
                     <a:ext uri="{9D8B030D-6E8A-4147-A177-3AD203B41FA5}">
                       <a16:colId xmlns:a16="http://schemas.microsoft.com/office/drawing/2014/main" val="4000441122"/>
                     </a:ext>
                   </a:extLst>
                 </a:gridCol>
-                <a:gridCol w="244425">
+                <a:gridCol w="281708">
                   <a:extLst>
                     <a:ext uri="{9D8B030D-6E8A-4147-A177-3AD203B41FA5}">
                       <a16:colId xmlns:a16="http://schemas.microsoft.com/office/drawing/2014/main" val="2224000081"/>
                     </a:ext>
                   </a:extLst>
                 </a:gridCol>
-                <a:gridCol w="244943">
+                <a:gridCol w="282305">
                   <a:extLst>
                     <a:ext uri="{9D8B030D-6E8A-4147-A177-3AD203B41FA5}">
                       <a16:colId xmlns:a16="http://schemas.microsoft.com/office/drawing/2014/main" val="4241899794"/>
                     </a:ext>
                   </a:extLst>
                 </a:gridCol>
-                <a:gridCol w="244943">
+                <a:gridCol w="282305">
                   <a:extLst>
                     <a:ext uri="{9D8B030D-6E8A-4147-A177-3AD203B41FA5}">
                       <a16:colId xmlns:a16="http://schemas.microsoft.com/office/drawing/2014/main" val="1983293049"/>
                     </a:ext>
                   </a:extLst>
                 </a:gridCol>
-                <a:gridCol w="422989">
+                <a:gridCol w="487509">
                   <a:extLst>
                     <a:ext uri="{9D8B030D-6E8A-4147-A177-3AD203B41FA5}">
                       <a16:colId xmlns:a16="http://schemas.microsoft.com/office/drawing/2014/main" val="2960938509"/>
@@ -5087,7 +4091,7 @@
                   </a:extLst>
                 </a:gridCol>
               </a:tblGrid>
-              <a:tr h="284026">
+              <a:tr h="311566">
                 <a:tc rowSpan="3">
                   <a:txBody>
                     <a:bodyPr/>
@@ -5105,7 +4109,7 @@
                         </a:spcAft>
                       </a:pPr>
                       <a:r>
-                        <a:rPr lang="en-US" sz="1100" kern="0" spc="0">
+                        <a:rPr lang="en-US" sz="1100" b="1" kern="0" spc="0" dirty="0">
                           <a:solidFill>
                             <a:srgbClr val="000000"/>
                           </a:solidFill>
@@ -5114,7 +4118,7 @@
                         </a:rPr>
                         <a:t>Details</a:t>
                       </a:r>
-                      <a:endParaRPr lang="en-US" sz="1000" kern="0" spc="0">
+                      <a:endParaRPr lang="en-US" sz="1000" b="1" kern="0" spc="0" dirty="0">
                         <a:solidFill>
                           <a:srgbClr val="000000"/>
                         </a:solidFill>
@@ -5178,7 +4182,7 @@
                         </a:spcAft>
                       </a:pPr>
                       <a:r>
-                        <a:rPr lang="en-US" sz="900" kern="0" spc="0">
+                        <a:rPr lang="en-US" sz="900" b="1" kern="0" spc="0" dirty="0">
                           <a:solidFill>
                             <a:srgbClr val="000000"/>
                           </a:solidFill>
@@ -5188,7 +4192,7 @@
                         <a:t>Period of execution(Month) (Plan : </a:t>
                       </a:r>
                       <a:r>
-                        <a:rPr lang="en-US" sz="900" kern="0" spc="0">
+                        <a:rPr lang="en-US" sz="900" b="1" kern="0" spc="0" dirty="0">
                           <a:solidFill>
                             <a:srgbClr val="000000"/>
                           </a:solidFill>
@@ -5198,7 +4202,7 @@
                         <a:t>⇨</a:t>
                       </a:r>
                       <a:r>
-                        <a:rPr lang="en-US" sz="900" kern="0" spc="0">
+                        <a:rPr lang="en-US" sz="900" b="1" kern="0" spc="0" dirty="0">
                           <a:solidFill>
                             <a:srgbClr val="000000"/>
                           </a:solidFill>
@@ -5207,7 +4211,7 @@
                         </a:rPr>
                         <a:t>)</a:t>
                       </a:r>
-                      <a:endParaRPr lang="en-US" sz="1000" kern="0" spc="0">
+                      <a:endParaRPr lang="en-US" sz="1000" b="1" kern="0" spc="0" dirty="0">
                         <a:solidFill>
                           <a:srgbClr val="000000"/>
                         </a:solidFill>
@@ -5447,7 +4451,7 @@
                         </a:spcAft>
                       </a:pPr>
                       <a:r>
-                        <a:rPr lang="en-US" sz="900" kern="0" spc="0">
+                        <a:rPr lang="en-US" sz="900" b="1" kern="0" spc="0">
                           <a:solidFill>
                             <a:srgbClr val="000000"/>
                           </a:solidFill>
@@ -5456,7 +4460,7 @@
                         </a:rPr>
                         <a:t>Etc</a:t>
                       </a:r>
-                      <a:endParaRPr lang="en-US" sz="1000" kern="0" spc="0">
+                      <a:endParaRPr lang="en-US" sz="1000" b="1" kern="0" spc="0">
                         <a:solidFill>
                           <a:srgbClr val="000000"/>
                         </a:solidFill>
@@ -5509,7 +4513,7 @@
                   </a:ext>
                 </a:extLst>
               </a:tr>
-              <a:tr h="279915">
+              <a:tr h="307056">
                 <a:tc vMerge="1">
                   <a:txBody>
                     <a:bodyPr/>
@@ -5538,7 +4542,7 @@
                         </a:spcAft>
                       </a:pPr>
                       <a:r>
-                        <a:rPr lang="en-US" sz="900" kern="0" spc="0">
+                        <a:rPr lang="en-US" sz="900" b="1" kern="0" spc="0">
                           <a:solidFill>
                             <a:srgbClr val="FF0000"/>
                           </a:solidFill>
@@ -5547,7 +4551,7 @@
                         </a:rPr>
                         <a:t>03</a:t>
                       </a:r>
-                      <a:endParaRPr lang="en-US" sz="1000" kern="0" spc="0">
+                      <a:endParaRPr lang="en-US" sz="1000" b="1" kern="0" spc="0">
                         <a:solidFill>
                           <a:srgbClr val="000000"/>
                         </a:solidFill>
@@ -5644,7 +4648,7 @@
                         </a:spcAft>
                       </a:pPr>
                       <a:r>
-                        <a:rPr lang="en-US" sz="900" kern="0" spc="0">
+                        <a:rPr lang="en-US" sz="900" b="1" kern="0" spc="0" dirty="0">
                           <a:solidFill>
                             <a:srgbClr val="FF0000"/>
                           </a:solidFill>
@@ -5653,7 +4657,7 @@
                         </a:rPr>
                         <a:t>04</a:t>
                       </a:r>
-                      <a:endParaRPr lang="en-US" sz="1000" kern="0" spc="0">
+                      <a:endParaRPr lang="en-US" sz="1000" b="1" kern="0" spc="0" dirty="0">
                         <a:solidFill>
                           <a:srgbClr val="000000"/>
                         </a:solidFill>
@@ -5750,7 +4754,7 @@
                         </a:spcAft>
                       </a:pPr>
                       <a:r>
-                        <a:rPr lang="en-US" sz="900" kern="0" spc="0">
+                        <a:rPr lang="en-US" sz="900" b="1" kern="0" spc="0" dirty="0">
                           <a:solidFill>
                             <a:srgbClr val="FF0000"/>
                           </a:solidFill>
@@ -5759,7 +4763,7 @@
                         </a:rPr>
                         <a:t>05</a:t>
                       </a:r>
-                      <a:endParaRPr lang="en-US" sz="1000" kern="0" spc="0">
+                      <a:endParaRPr lang="en-US" sz="1000" b="1" kern="0" spc="0" dirty="0">
                         <a:solidFill>
                           <a:srgbClr val="000000"/>
                         </a:solidFill>
@@ -5867,7 +4871,7 @@
                         </a:spcAft>
                       </a:pPr>
                       <a:r>
-                        <a:rPr lang="en-US" sz="900" kern="0" spc="0">
+                        <a:rPr lang="en-US" sz="900" b="1" kern="0" spc="0" dirty="0">
                           <a:solidFill>
                             <a:srgbClr val="FF0000"/>
                           </a:solidFill>
@@ -5876,7 +4880,7 @@
                         </a:rPr>
                         <a:t>06</a:t>
                       </a:r>
-                      <a:endParaRPr lang="en-US" sz="1000" kern="0" spc="0">
+                      <a:endParaRPr lang="en-US" sz="1000" b="1" kern="0" spc="0" dirty="0">
                         <a:solidFill>
                           <a:srgbClr val="000000"/>
                         </a:solidFill>
@@ -5973,7 +4977,7 @@
                   </a:ext>
                 </a:extLst>
               </a:tr>
-              <a:tr h="230591">
+              <a:tr h="252949">
                 <a:tc vMerge="1">
                   <a:txBody>
                     <a:bodyPr/>
@@ -6002,7 +5006,7 @@
                         </a:spcAft>
                       </a:pPr>
                       <a:r>
-                        <a:rPr lang="en-US" sz="700" kern="0" spc="0">
+                        <a:rPr lang="en-US" sz="700" b="1" kern="0" spc="0">
                           <a:solidFill>
                             <a:srgbClr val="FF0000"/>
                           </a:solidFill>
@@ -6069,7 +5073,7 @@
                         </a:spcAft>
                       </a:pPr>
                       <a:r>
-                        <a:rPr lang="en-US" sz="700" kern="0" spc="0">
+                        <a:rPr lang="en-US" sz="700" b="1" kern="0" spc="0">
                           <a:solidFill>
                             <a:srgbClr val="FF0000"/>
                           </a:solidFill>
@@ -6136,7 +5140,7 @@
                         </a:spcAft>
                       </a:pPr>
                       <a:r>
-                        <a:rPr lang="en-US" sz="700" kern="0" spc="0">
+                        <a:rPr lang="en-US" sz="700" b="1" kern="0" spc="0">
                           <a:solidFill>
                             <a:srgbClr val="FF0000"/>
                           </a:solidFill>
@@ -6203,7 +5207,7 @@
                         </a:spcAft>
                       </a:pPr>
                       <a:r>
-                        <a:rPr lang="en-US" sz="700" kern="0" spc="0">
+                        <a:rPr lang="en-US" sz="700" b="1" kern="0" spc="0">
                           <a:solidFill>
                             <a:srgbClr val="FF0000"/>
                           </a:solidFill>
@@ -6270,7 +5274,7 @@
                         </a:spcAft>
                       </a:pPr>
                       <a:r>
-                        <a:rPr lang="en-US" sz="700" kern="0" spc="0">
+                        <a:rPr lang="en-US" sz="700" b="1" kern="0" spc="0">
                           <a:solidFill>
                             <a:srgbClr val="FF0000"/>
                           </a:solidFill>
@@ -6337,7 +5341,7 @@
                         </a:spcAft>
                       </a:pPr>
                       <a:r>
-                        <a:rPr lang="en-US" sz="700" kern="0" spc="0">
+                        <a:rPr lang="en-US" sz="700" b="1" kern="0" spc="0">
                           <a:solidFill>
                             <a:srgbClr val="FF0000"/>
                           </a:solidFill>
@@ -6404,7 +5408,7 @@
                         </a:spcAft>
                       </a:pPr>
                       <a:r>
-                        <a:rPr lang="en-US" sz="700" kern="0" spc="0">
+                        <a:rPr lang="en-US" sz="700" b="1" kern="0" spc="0">
                           <a:solidFill>
                             <a:srgbClr val="FF0000"/>
                           </a:solidFill>
@@ -6471,7 +5475,7 @@
                         </a:spcAft>
                       </a:pPr>
                       <a:r>
-                        <a:rPr lang="en-US" sz="700" kern="0" spc="0">
+                        <a:rPr lang="en-US" sz="700" b="1" kern="0" spc="0">
                           <a:solidFill>
                             <a:srgbClr val="FF0000"/>
                           </a:solidFill>
@@ -6538,7 +5542,7 @@
                         </a:spcAft>
                       </a:pPr>
                       <a:r>
-                        <a:rPr lang="en-US" sz="700" kern="0" spc="0">
+                        <a:rPr lang="en-US" sz="700" b="1" kern="0" spc="0">
                           <a:solidFill>
                             <a:srgbClr val="FF0000"/>
                           </a:solidFill>
@@ -6605,7 +5609,7 @@
                         </a:spcAft>
                       </a:pPr>
                       <a:r>
-                        <a:rPr lang="en-US" sz="700" kern="0" spc="0">
+                        <a:rPr lang="en-US" sz="700" b="1" kern="0" spc="0">
                           <a:solidFill>
                             <a:srgbClr val="FF0000"/>
                           </a:solidFill>
@@ -6672,7 +5676,7 @@
                         </a:spcAft>
                       </a:pPr>
                       <a:r>
-                        <a:rPr lang="en-US" sz="700" kern="0" spc="0">
+                        <a:rPr lang="en-US" sz="700" b="1" kern="0" spc="0">
                           <a:solidFill>
                             <a:srgbClr val="FF0000"/>
                           </a:solidFill>
@@ -6739,7 +5743,7 @@
                         </a:spcAft>
                       </a:pPr>
                       <a:r>
-                        <a:rPr lang="en-US" sz="700" kern="0" spc="0">
+                        <a:rPr lang="en-US" sz="700" b="1" kern="0" spc="0">
                           <a:solidFill>
                             <a:srgbClr val="FF0000"/>
                           </a:solidFill>
@@ -6806,7 +5810,7 @@
                         </a:spcAft>
                       </a:pPr>
                       <a:r>
-                        <a:rPr lang="en-US" sz="700" kern="0" spc="0">
+                        <a:rPr lang="en-US" sz="700" b="1" kern="0" spc="0">
                           <a:solidFill>
                             <a:srgbClr val="FF0000"/>
                           </a:solidFill>
@@ -6873,7 +5877,7 @@
                         </a:spcAft>
                       </a:pPr>
                       <a:r>
-                        <a:rPr lang="en-US" sz="700" kern="0" spc="0">
+                        <a:rPr lang="en-US" sz="700" b="1" kern="0" spc="0">
                           <a:solidFill>
                             <a:srgbClr val="FF0000"/>
                           </a:solidFill>
@@ -6940,7 +5944,7 @@
                         </a:spcAft>
                       </a:pPr>
                       <a:r>
-                        <a:rPr lang="en-US" sz="700" kern="0" spc="0">
+                        <a:rPr lang="en-US" sz="700" b="1" kern="0" spc="0" dirty="0">
                           <a:solidFill>
                             <a:srgbClr val="FF0000"/>
                           </a:solidFill>
@@ -7007,7 +6011,7 @@
                         </a:spcAft>
                       </a:pPr>
                       <a:r>
-                        <a:rPr lang="en-US" sz="700" kern="0" spc="0">
+                        <a:rPr lang="en-US" sz="700" b="1" kern="0" spc="0" dirty="0">
                           <a:solidFill>
                             <a:srgbClr val="FF0000"/>
                           </a:solidFill>
@@ -7074,7 +6078,7 @@
                         </a:spcAft>
                       </a:pPr>
                       <a:r>
-                        <a:rPr lang="en-US" sz="700" kern="0" spc="0">
+                        <a:rPr lang="en-US" sz="700" b="1" kern="0" spc="0" dirty="0">
                           <a:solidFill>
                             <a:srgbClr val="FF0000"/>
                           </a:solidFill>
@@ -7141,7 +6145,7 @@
                   </a:ext>
                 </a:extLst>
               </a:tr>
-              <a:tr h="398705">
+              <a:tr h="437363">
                 <a:tc>
                   <a:txBody>
                     <a:bodyPr/>
@@ -7159,7 +6163,7 @@
                         </a:spcAft>
                       </a:pPr>
                       <a:r>
-                        <a:rPr lang="ko-KR" altLang="en-US" sz="1100" kern="0" spc="0">
+                        <a:rPr lang="ko-KR" altLang="en-US" sz="1100" b="1" kern="0" spc="0" dirty="0">
                           <a:solidFill>
                             <a:srgbClr val="000000"/>
                           </a:solidFill>
@@ -7168,7 +6172,7 @@
                         </a:rPr>
                         <a:t>주제 선정</a:t>
                       </a:r>
-                      <a:endParaRPr lang="ko-KR" altLang="en-US" sz="1000" kern="0" spc="0">
+                      <a:endParaRPr lang="ko-KR" altLang="en-US" sz="1000" b="1" kern="0" spc="0" dirty="0">
                         <a:solidFill>
                           <a:srgbClr val="000000"/>
                         </a:solidFill>
@@ -8364,7 +7368,7 @@
                   </a:ext>
                 </a:extLst>
               </a:tr>
-              <a:tr h="398705">
+              <a:tr h="437363">
                 <a:tc>
                   <a:txBody>
                     <a:bodyPr/>
@@ -8382,7 +7386,7 @@
                         </a:spcAft>
                       </a:pPr>
                       <a:r>
-                        <a:rPr lang="en-US" sz="1000" kern="0" spc="0">
+                        <a:rPr lang="en-US" sz="1000" b="1" kern="0" spc="0" dirty="0">
                           <a:solidFill>
                             <a:srgbClr val="000000"/>
                           </a:solidFill>
@@ -8392,7 +7396,7 @@
                         <a:t>OPEN AI API</a:t>
                       </a:r>
                       <a:r>
-                        <a:rPr lang="ko-KR" altLang="en-US" sz="1000" kern="0" spc="0">
+                        <a:rPr lang="ko-KR" altLang="en-US" sz="1000" b="1" kern="0" spc="0" dirty="0">
                           <a:solidFill>
                             <a:srgbClr val="000000"/>
                           </a:solidFill>
@@ -8401,7 +7405,7 @@
                         </a:rPr>
                         <a:t>키 발급</a:t>
                       </a:r>
-                      <a:endParaRPr lang="ko-KR" altLang="en-US" sz="1000" kern="0" spc="0">
+                      <a:endParaRPr lang="ko-KR" altLang="en-US" sz="1000" b="1" kern="0" spc="0" dirty="0">
                         <a:solidFill>
                           <a:srgbClr val="000000"/>
                         </a:solidFill>
@@ -9591,7 +8595,7 @@
                   </a:ext>
                 </a:extLst>
               </a:tr>
-              <a:tr h="398705">
+              <a:tr h="437363">
                 <a:tc>
                   <a:txBody>
                     <a:bodyPr/>
@@ -9609,17 +8613,27 @@
                         </a:spcAft>
                       </a:pPr>
                       <a:r>
-                        <a:rPr lang="en-US" sz="1000" kern="0" spc="0">
+                        <a:rPr lang="en-US" sz="1000" b="1" kern="0" spc="0" dirty="0" err="1">
                           <a:solidFill>
                             <a:srgbClr val="000000"/>
                           </a:solidFill>
                           <a:effectLst/>
                           <a:latin typeface="함초롬바탕" panose="02030504000101010101" pitchFamily="18" charset="-127"/>
                         </a:rPr>
-                        <a:t>chatGPT </a:t>
+                        <a:t>chatGPT</a:t>
                       </a:r>
                       <a:r>
-                        <a:rPr lang="ko-KR" altLang="en-US" sz="1000" kern="0" spc="0">
+                        <a:rPr lang="en-US" sz="1000" b="1" kern="0" spc="0" dirty="0">
+                          <a:solidFill>
+                            <a:srgbClr val="000000"/>
+                          </a:solidFill>
+                          <a:effectLst/>
+                          <a:latin typeface="함초롬바탕" panose="02030504000101010101" pitchFamily="18" charset="-127"/>
+                        </a:rPr>
+                        <a:t> </a:t>
+                      </a:r>
+                      <a:r>
+                        <a:rPr lang="ko-KR" altLang="en-US" sz="1000" b="1" kern="0" spc="0" dirty="0">
                           <a:solidFill>
                             <a:srgbClr val="000000"/>
                           </a:solidFill>
@@ -9629,7 +8643,7 @@
                         <a:t>학습</a:t>
                       </a:r>
                       <a:r>
-                        <a:rPr lang="en-US" altLang="ko-KR" sz="1000" kern="0" spc="0">
+                        <a:rPr lang="en-US" altLang="ko-KR" sz="1000" b="1" kern="0" spc="0" dirty="0">
                           <a:solidFill>
                             <a:srgbClr val="000000"/>
                           </a:solidFill>
@@ -9639,7 +8653,7 @@
                         <a:t>(</a:t>
                       </a:r>
                       <a:r>
-                        <a:rPr lang="ko-KR" altLang="en-US" sz="1000" kern="0" spc="0">
+                        <a:rPr lang="ko-KR" altLang="en-US" sz="1000" b="1" kern="0" spc="0" dirty="0">
                           <a:solidFill>
                             <a:srgbClr val="000000"/>
                           </a:solidFill>
@@ -9649,7 +8663,7 @@
                         <a:t>훈련</a:t>
                       </a:r>
                       <a:r>
-                        <a:rPr lang="en-US" altLang="ko-KR" sz="1000" kern="0" spc="0">
+                        <a:rPr lang="en-US" altLang="ko-KR" sz="1000" b="1" kern="0" spc="0" dirty="0">
                           <a:solidFill>
                             <a:srgbClr val="000000"/>
                           </a:solidFill>
@@ -9658,7 +8672,7 @@
                         </a:rPr>
                         <a:t>)</a:t>
                       </a:r>
-                      <a:endParaRPr lang="ko-KR" altLang="en-US" sz="1000" kern="0" spc="0">
+                      <a:endParaRPr lang="ko-KR" altLang="en-US" sz="1000" b="1" kern="0" spc="0" dirty="0">
                         <a:solidFill>
                           <a:srgbClr val="000000"/>
                         </a:solidFill>
@@ -10851,7 +9865,7 @@
                   </a:ext>
                 </a:extLst>
               </a:tr>
-              <a:tr h="398705">
+              <a:tr h="437363">
                 <a:tc>
                   <a:txBody>
                     <a:bodyPr/>
@@ -10875,7 +9889,7 @@
                         <a:defRPr/>
                       </a:pPr>
                       <a:r>
-                        <a:rPr lang="ko-KR" altLang="en-US" sz="1000" kern="0" spc="0" dirty="0" err="1">
+                        <a:rPr lang="ko-KR" altLang="en-US" sz="1000" b="1" kern="0" spc="0" dirty="0" err="1">
                           <a:solidFill>
                             <a:srgbClr val="000000"/>
                           </a:solidFill>
@@ -10885,7 +9899,7 @@
                         <a:t>백엔드</a:t>
                       </a:r>
                       <a:r>
-                        <a:rPr lang="ko-KR" altLang="en-US" sz="1000" kern="0" spc="0" dirty="0">
+                        <a:rPr lang="ko-KR" altLang="en-US" sz="1000" b="1" kern="0" spc="0" dirty="0">
                           <a:solidFill>
                             <a:srgbClr val="000000"/>
                           </a:solidFill>
@@ -10894,7 +9908,7 @@
                         </a:rPr>
                         <a:t> 구축</a:t>
                       </a:r>
-                      <a:endParaRPr lang="ko-KR" altLang="en-US" sz="800" kern="0" spc="0" dirty="0">
+                      <a:endParaRPr lang="ko-KR" altLang="en-US" sz="800" b="1" kern="0" spc="0" dirty="0">
                         <a:solidFill>
                           <a:srgbClr val="000000"/>
                         </a:solidFill>
@@ -12090,7 +11104,7 @@
                   </a:ext>
                 </a:extLst>
               </a:tr>
-              <a:tr h="398705">
+              <a:tr h="437363">
                 <a:tc>
                   <a:txBody>
                     <a:bodyPr/>
@@ -12108,7 +11122,7 @@
                         </a:spcAft>
                       </a:pPr>
                       <a:r>
-                        <a:rPr lang="ko-KR" altLang="en-US" sz="1000" kern="0" spc="0" dirty="0" err="1">
+                        <a:rPr lang="ko-KR" altLang="en-US" sz="1000" b="1" kern="0" spc="0" dirty="0" err="1">
                           <a:solidFill>
                             <a:srgbClr val="000000"/>
                           </a:solidFill>
@@ -12118,7 +11132,7 @@
                         <a:t>프론트엔드</a:t>
                       </a:r>
                       <a:r>
-                        <a:rPr lang="ko-KR" altLang="en-US" sz="1000" kern="0" spc="0" dirty="0">
+                        <a:rPr lang="ko-KR" altLang="en-US" sz="1000" b="1" kern="0" spc="0" dirty="0">
                           <a:solidFill>
                             <a:srgbClr val="000000"/>
                           </a:solidFill>
@@ -12127,7 +11141,7 @@
                         </a:rPr>
                         <a:t> 구축</a:t>
                       </a:r>
-                      <a:endParaRPr lang="ko-KR" altLang="en-US" sz="1000" kern="0" spc="0" dirty="0">
+                      <a:endParaRPr lang="ko-KR" altLang="en-US" sz="1000" b="1" kern="0" spc="0" dirty="0">
                         <a:solidFill>
                           <a:srgbClr val="000000"/>
                         </a:solidFill>
@@ -13323,7 +12337,7 @@
                   </a:ext>
                 </a:extLst>
               </a:tr>
-              <a:tr h="398705">
+              <a:tr h="437363">
                 <a:tc>
                   <a:txBody>
                     <a:bodyPr/>
@@ -13341,7 +12355,7 @@
                         </a:spcAft>
                       </a:pPr>
                       <a:r>
-                        <a:rPr lang="en-US" altLang="ko-KR" sz="1000" kern="0" spc="0">
+                        <a:rPr lang="en-US" altLang="ko-KR" sz="1000" b="1" kern="0" spc="0" dirty="0" err="1">
                           <a:solidFill>
                             <a:srgbClr val="000000"/>
                           </a:solidFill>
@@ -13351,7 +12365,7 @@
                         <a:t>chatGPT</a:t>
                       </a:r>
                       <a:r>
-                        <a:rPr lang="ko-KR" altLang="en-US" sz="1000" kern="0" spc="0">
+                        <a:rPr lang="ko-KR" altLang="en-US" sz="1000" b="1" kern="0" spc="0" dirty="0">
                           <a:solidFill>
                             <a:srgbClr val="000000"/>
                           </a:solidFill>
@@ -13360,7 +12374,7 @@
                         </a:rPr>
                         <a:t>와 웹사이트 연동</a:t>
                       </a:r>
-                      <a:endParaRPr lang="ko-KR" altLang="en-US" sz="1000" kern="0" spc="0">
+                      <a:endParaRPr lang="ko-KR" altLang="en-US" sz="1000" b="1" kern="0" spc="0" dirty="0">
                         <a:solidFill>
                           <a:srgbClr val="000000"/>
                         </a:solidFill>
@@ -14553,7 +13567,7 @@
                   </a:ext>
                 </a:extLst>
               </a:tr>
-              <a:tr h="398705">
+              <a:tr h="437363">
                 <a:tc>
                   <a:txBody>
                     <a:bodyPr/>
@@ -14571,7 +13585,7 @@
                         </a:spcAft>
                       </a:pPr>
                       <a:r>
-                        <a:rPr lang="ko-KR" altLang="en-US" sz="1100" kern="0" spc="0">
+                        <a:rPr lang="ko-KR" altLang="en-US" sz="1100" b="1" kern="0" spc="0" dirty="0">
                           <a:solidFill>
                             <a:srgbClr val="000000"/>
                           </a:solidFill>
@@ -14580,7 +13594,7 @@
                         </a:rPr>
                         <a:t>테스트</a:t>
                       </a:r>
-                      <a:endParaRPr lang="ko-KR" altLang="en-US" sz="1000" kern="0" spc="0">
+                      <a:endParaRPr lang="ko-KR" altLang="en-US" sz="1000" b="1" kern="0" spc="0" dirty="0">
                         <a:solidFill>
                           <a:srgbClr val="000000"/>
                         </a:solidFill>
@@ -15773,7 +14787,7 @@
                   </a:ext>
                 </a:extLst>
               </a:tr>
-              <a:tr h="398705">
+              <a:tr h="437363">
                 <a:tc>
                   <a:txBody>
                     <a:bodyPr/>
@@ -15791,7 +14805,7 @@
                         </a:spcAft>
                       </a:pPr>
                       <a:r>
-                        <a:rPr lang="ko-KR" altLang="en-US" sz="1100" kern="0" spc="0">
+                        <a:rPr lang="ko-KR" altLang="en-US" sz="1100" b="1" kern="0" spc="0" dirty="0">
                           <a:solidFill>
                             <a:srgbClr val="000000"/>
                           </a:solidFill>
@@ -15800,7 +14814,7 @@
                         </a:rPr>
                         <a:t>결과 보고서 작성</a:t>
                       </a:r>
-                      <a:endParaRPr lang="ko-KR" altLang="en-US" sz="1000" kern="0" spc="0">
+                      <a:endParaRPr lang="ko-KR" altLang="en-US" sz="1000" b="1" kern="0" spc="0" dirty="0">
                         <a:solidFill>
                           <a:srgbClr val="000000"/>
                         </a:solidFill>
@@ -17079,7 +16093,7 @@
 </p:sld>
 </file>
 
-<file path=ppt/slides/slide15.xml><?xml version="1.0" encoding="utf-8"?>
+<file path=ppt/slides/slide11.xml><?xml version="1.0" encoding="utf-8"?>
 <p:sld xmlns:a="http://schemas.openxmlformats.org/drawingml/2006/main" xmlns:r="http://schemas.openxmlformats.org/officeDocument/2006/relationships" xmlns:p="http://schemas.openxmlformats.org/presentationml/2006/main">
   <p:cSld>
     <p:spTree>
@@ -17153,7 +16167,10 @@
           <a:lstStyle/>
           <a:p>
             <a:r>
-              <a:rPr lang="ko-KR" altLang="en-US" dirty="0"/>
+              <a:rPr lang="ko-KR" altLang="en-US" b="1" dirty="0">
+                <a:latin typeface="Do Hyeon" panose="020B0600000101010101" charset="-127"/>
+                <a:ea typeface="Do Hyeon" panose="020B0600000101010101" charset="-127"/>
+              </a:rPr>
               <a:t>간단한 사용법</a:t>
             </a:r>
           </a:p>
@@ -17188,7 +16205,10 @@
           <a:lstStyle/>
           <a:p>
             <a:r>
-              <a:rPr lang="ko-KR" altLang="en-US" dirty="0"/>
+              <a:rPr lang="ko-KR" altLang="en-US" b="1" dirty="0">
+                <a:latin typeface="Do Hyeon" panose="020B0600000101010101" charset="-127"/>
+                <a:ea typeface="Do Hyeon" panose="020B0600000101010101" charset="-127"/>
+              </a:rPr>
               <a:t>정확한 정보</a:t>
             </a:r>
           </a:p>
@@ -17208,7 +16228,7 @@
         </p:nvSpPr>
         <p:spPr>
           <a:xfrm>
-            <a:off x="8535597" y="4710748"/>
+            <a:off x="8535596" y="4732814"/>
             <a:ext cx="1635760" cy="369332"/>
           </a:xfrm>
           <a:prstGeom prst="rect">
@@ -17224,14 +16244,23 @@
           <a:p>
             <a:pPr algn="ctr"/>
             <a:r>
-              <a:rPr lang="ko-KR" altLang="en-US" dirty="0"/>
+              <a:rPr lang="ko-KR" altLang="en-US" b="1" dirty="0">
+                <a:latin typeface="Do Hyeon" panose="020B0600000101010101" charset="-127"/>
+                <a:ea typeface="Do Hyeon" panose="020B0600000101010101" charset="-127"/>
+              </a:rPr>
               <a:t>설치 필요 </a:t>
             </a:r>
             <a:r>
-              <a:rPr lang="en-US" altLang="ko-KR" dirty="0"/>
+              <a:rPr lang="en-US" altLang="ko-KR" b="1" dirty="0">
+                <a:latin typeface="Do Hyeon" panose="020B0600000101010101" charset="-127"/>
+                <a:ea typeface="Do Hyeon" panose="020B0600000101010101" charset="-127"/>
+              </a:rPr>
               <a:t>X</a:t>
             </a:r>
-            <a:endParaRPr lang="ko-KR" altLang="en-US" dirty="0"/>
+            <a:endParaRPr lang="ko-KR" altLang="en-US" b="1" dirty="0">
+              <a:latin typeface="Do Hyeon" panose="020B0600000101010101" charset="-127"/>
+              <a:ea typeface="Do Hyeon" panose="020B0600000101010101" charset="-127"/>
+            </a:endParaRPr>
           </a:p>
         </p:txBody>
       </p:sp>
@@ -17351,7 +16380,7 @@
 </p:sld>
 </file>
 
-<file path=ppt/slides/slide16.xml><?xml version="1.0" encoding="utf-8"?>
+<file path=ppt/slides/slide12.xml><?xml version="1.0" encoding="utf-8"?>
 <p:sld xmlns:a="http://schemas.openxmlformats.org/drawingml/2006/main" xmlns:r="http://schemas.openxmlformats.org/officeDocument/2006/relationships" xmlns:p="http://schemas.openxmlformats.org/presentationml/2006/main">
   <p:cSld>
     <p:spTree>
@@ -17429,10 +16458,749 @@
       </p:grpSpPr>
       <p:sp>
         <p:nvSpPr>
-          <p:cNvPr id="2" name="제목 1">
+          <p:cNvPr id="18" name="Google Shape;114;p3">
             <a:extLst>
               <a:ext uri="{FF2B5EF4-FFF2-40B4-BE49-F238E27FC236}">
-                <a16:creationId xmlns:a16="http://schemas.microsoft.com/office/drawing/2014/main" id="{A06C13CD-2EC7-2AF4-651E-5E21F7233822}"/>
+                <a16:creationId xmlns:a16="http://schemas.microsoft.com/office/drawing/2014/main" id="{5516ACF1-E43F-2DE9-63AD-CEC9D1251624}"/>
+              </a:ext>
+            </a:extLst>
+          </p:cNvPr>
+          <p:cNvSpPr txBox="1"/>
+          <p:nvPr/>
+        </p:nvSpPr>
+        <p:spPr>
+          <a:xfrm>
+            <a:off x="838200" y="2331741"/>
+            <a:ext cx="697627" cy="1200288"/>
+          </a:xfrm>
+          <a:prstGeom prst="rect">
+            <a:avLst/>
+          </a:prstGeom>
+          <a:noFill/>
+          <a:ln>
+            <a:noFill/>
+          </a:ln>
+        </p:spPr>
+        <p:txBody>
+          <a:bodyPr spcFirstLastPara="1" wrap="square" lIns="91425" tIns="45700" rIns="91425" bIns="45700" anchor="t" anchorCtr="0">
+            <a:spAutoFit/>
+          </a:bodyPr>
+          <a:lstStyle/>
+          <a:p>
+            <a:pPr marL="0" marR="0" lvl="0" indent="0" algn="l" rtl="0">
+              <a:spcBef>
+                <a:spcPts val="0"/>
+              </a:spcBef>
+              <a:spcAft>
+                <a:spcPts val="0"/>
+              </a:spcAft>
+              <a:buNone/>
+            </a:pPr>
+            <a:r>
+              <a:rPr lang="en-US" sz="7200" b="1" dirty="0">
+                <a:latin typeface="+mj-lt"/>
+                <a:ea typeface="Arial"/>
+                <a:cs typeface="Arial"/>
+                <a:sym typeface="Arial"/>
+              </a:rPr>
+              <a:t>1</a:t>
+            </a:r>
+            <a:endParaRPr sz="7200" b="1" dirty="0">
+              <a:latin typeface="+mj-lt"/>
+              <a:ea typeface="Arial"/>
+              <a:cs typeface="Arial"/>
+              <a:sym typeface="Arial"/>
+            </a:endParaRPr>
+          </a:p>
+        </p:txBody>
+      </p:sp>
+      <p:sp>
+        <p:nvSpPr>
+          <p:cNvPr id="19" name="Google Shape;115;p3">
+            <a:extLst>
+              <a:ext uri="{FF2B5EF4-FFF2-40B4-BE49-F238E27FC236}">
+                <a16:creationId xmlns:a16="http://schemas.microsoft.com/office/drawing/2014/main" id="{7AF37717-9B08-E92C-60F0-4EAEF72C272E}"/>
+              </a:ext>
+            </a:extLst>
+          </p:cNvPr>
+          <p:cNvSpPr txBox="1"/>
+          <p:nvPr/>
+        </p:nvSpPr>
+        <p:spPr>
+          <a:xfrm>
+            <a:off x="882281" y="3595258"/>
+            <a:ext cx="1622895" cy="461624"/>
+          </a:xfrm>
+          <a:prstGeom prst="rect">
+            <a:avLst/>
+          </a:prstGeom>
+          <a:noFill/>
+          <a:ln>
+            <a:noFill/>
+          </a:ln>
+        </p:spPr>
+        <p:txBody>
+          <a:bodyPr spcFirstLastPara="1" wrap="square" lIns="91425" tIns="45700" rIns="91425" bIns="45700" anchor="t" anchorCtr="0">
+            <a:spAutoFit/>
+          </a:bodyPr>
+          <a:lstStyle/>
+          <a:p>
+            <a:pPr marL="0" marR="0" lvl="0" indent="0" algn="l" rtl="0">
+              <a:spcBef>
+                <a:spcPts val="0"/>
+              </a:spcBef>
+              <a:spcAft>
+                <a:spcPts val="0"/>
+              </a:spcAft>
+              <a:buNone/>
+            </a:pPr>
+            <a:r>
+              <a:rPr lang="ko-KR" altLang="en-US" sz="2400" b="1" dirty="0">
+                <a:latin typeface="Do Hyeon"/>
+                <a:ea typeface="Do Hyeon"/>
+                <a:sym typeface="Do Hyeon"/>
+              </a:rPr>
+              <a:t>팀원</a:t>
+            </a:r>
+            <a:r>
+              <a:rPr lang="ko-KR" altLang="en-US" sz="2400" b="1" dirty="0">
+                <a:solidFill>
+                  <a:srgbClr val="B3404A"/>
+                </a:solidFill>
+                <a:latin typeface="Do Hyeon"/>
+                <a:ea typeface="Do Hyeon"/>
+                <a:sym typeface="Do Hyeon"/>
+              </a:rPr>
+              <a:t> </a:t>
+            </a:r>
+            <a:r>
+              <a:rPr lang="ko-KR" altLang="en-US" sz="2400" b="1" dirty="0">
+                <a:latin typeface="Do Hyeon"/>
+                <a:ea typeface="Do Hyeon"/>
+                <a:sym typeface="Do Hyeon"/>
+              </a:rPr>
+              <a:t>소개</a:t>
+            </a:r>
+            <a:endParaRPr b="1" dirty="0"/>
+          </a:p>
+        </p:txBody>
+      </p:sp>
+      <p:cxnSp>
+        <p:nvCxnSpPr>
+          <p:cNvPr id="20" name="Google Shape;117;p3">
+            <a:extLst>
+              <a:ext uri="{FF2B5EF4-FFF2-40B4-BE49-F238E27FC236}">
+                <a16:creationId xmlns:a16="http://schemas.microsoft.com/office/drawing/2014/main" id="{4499446B-2807-38CD-3E91-8D9B2170F5CA}"/>
+              </a:ext>
+            </a:extLst>
+          </p:cNvPr>
+          <p:cNvCxnSpPr/>
+          <p:nvPr/>
+        </p:nvCxnSpPr>
+        <p:spPr>
+          <a:xfrm>
+            <a:off x="838200" y="3438344"/>
+            <a:ext cx="1969643" cy="0"/>
+          </a:xfrm>
+          <a:prstGeom prst="straightConnector1">
+            <a:avLst/>
+          </a:prstGeom>
+          <a:noFill/>
+          <a:ln w="9525" cap="flat" cmpd="sng">
+            <a:solidFill>
+              <a:srgbClr val="1097D0"/>
+            </a:solidFill>
+            <a:prstDash val="solid"/>
+            <a:miter lim="800000"/>
+            <a:headEnd type="none" w="sm" len="sm"/>
+            <a:tailEnd type="none" w="sm" len="sm"/>
+          </a:ln>
+        </p:spPr>
+      </p:cxnSp>
+      <p:sp>
+        <p:nvSpPr>
+          <p:cNvPr id="22" name="Google Shape;119;p3">
+            <a:extLst>
+              <a:ext uri="{FF2B5EF4-FFF2-40B4-BE49-F238E27FC236}">
+                <a16:creationId xmlns:a16="http://schemas.microsoft.com/office/drawing/2014/main" id="{FE2A6579-07EB-14F9-C902-A98BBADE3CED}"/>
+              </a:ext>
+            </a:extLst>
+          </p:cNvPr>
+          <p:cNvSpPr txBox="1"/>
+          <p:nvPr/>
+        </p:nvSpPr>
+        <p:spPr>
+          <a:xfrm>
+            <a:off x="3316670" y="3585915"/>
+            <a:ext cx="1969642" cy="1569620"/>
+          </a:xfrm>
+          <a:prstGeom prst="rect">
+            <a:avLst/>
+          </a:prstGeom>
+          <a:noFill/>
+          <a:ln>
+            <a:noFill/>
+          </a:ln>
+        </p:spPr>
+        <p:txBody>
+          <a:bodyPr spcFirstLastPara="1" wrap="square" lIns="91425" tIns="45700" rIns="91425" bIns="45700" anchor="t" anchorCtr="0">
+            <a:spAutoFit/>
+          </a:bodyPr>
+          <a:lstStyle/>
+          <a:p>
+            <a:pPr marL="0" marR="0" lvl="0" indent="0" algn="l" rtl="0">
+              <a:spcBef>
+                <a:spcPts val="0"/>
+              </a:spcBef>
+              <a:spcAft>
+                <a:spcPts val="0"/>
+              </a:spcAft>
+              <a:buNone/>
+            </a:pPr>
+            <a:r>
+              <a:rPr lang="ko-KR" altLang="en-US" sz="2400" b="1" dirty="0">
+                <a:latin typeface="Do Hyeon"/>
+                <a:ea typeface="Do Hyeon"/>
+                <a:cs typeface="Do Hyeon"/>
+                <a:sym typeface="Do Hyeon"/>
+              </a:rPr>
+              <a:t>개발 동기</a:t>
+            </a:r>
+            <a:endParaRPr lang="en-US" altLang="ko-KR" sz="2400" b="1" dirty="0">
+              <a:latin typeface="Do Hyeon"/>
+              <a:ea typeface="Do Hyeon"/>
+              <a:cs typeface="Do Hyeon"/>
+              <a:sym typeface="Do Hyeon"/>
+            </a:endParaRPr>
+          </a:p>
+          <a:p>
+            <a:pPr marL="0" marR="0" lvl="0" indent="0" algn="l" rtl="0">
+              <a:spcBef>
+                <a:spcPts val="0"/>
+              </a:spcBef>
+              <a:spcAft>
+                <a:spcPts val="0"/>
+              </a:spcAft>
+              <a:buNone/>
+            </a:pPr>
+            <a:r>
+              <a:rPr lang="ko-KR" altLang="en-US" sz="2400" b="1" dirty="0">
+                <a:latin typeface="Do Hyeon"/>
+                <a:ea typeface="Do Hyeon"/>
+                <a:cs typeface="Do Hyeon"/>
+                <a:sym typeface="Do Hyeon"/>
+              </a:rPr>
+              <a:t>및</a:t>
+            </a:r>
+            <a:endParaRPr lang="en-US" altLang="ko-KR" sz="2400" b="1" dirty="0">
+              <a:latin typeface="Do Hyeon"/>
+              <a:ea typeface="Do Hyeon"/>
+              <a:cs typeface="Do Hyeon"/>
+              <a:sym typeface="Do Hyeon"/>
+            </a:endParaRPr>
+          </a:p>
+          <a:p>
+            <a:pPr marL="0" marR="0" lvl="0" indent="0" algn="l" rtl="0">
+              <a:spcBef>
+                <a:spcPts val="0"/>
+              </a:spcBef>
+              <a:spcAft>
+                <a:spcPts val="0"/>
+              </a:spcAft>
+              <a:buNone/>
+            </a:pPr>
+            <a:r>
+              <a:rPr lang="ko-KR" altLang="en-US" sz="2400" b="1" dirty="0">
+                <a:latin typeface="Do Hyeon"/>
+                <a:ea typeface="Do Hyeon"/>
+                <a:cs typeface="Do Hyeon"/>
+                <a:sym typeface="Do Hyeon"/>
+              </a:rPr>
+              <a:t>필요성</a:t>
+            </a:r>
+            <a:endParaRPr lang="en-US" altLang="ko-KR" sz="2400" b="1" dirty="0">
+              <a:latin typeface="Do Hyeon"/>
+              <a:ea typeface="Do Hyeon"/>
+              <a:cs typeface="Do Hyeon"/>
+              <a:sym typeface="Do Hyeon"/>
+            </a:endParaRPr>
+          </a:p>
+          <a:p>
+            <a:pPr marL="0" marR="0" lvl="0" indent="0" algn="l" rtl="0">
+              <a:spcBef>
+                <a:spcPts val="0"/>
+              </a:spcBef>
+              <a:spcAft>
+                <a:spcPts val="0"/>
+              </a:spcAft>
+              <a:buNone/>
+            </a:pPr>
+            <a:endParaRPr sz="2400" b="1" dirty="0">
+              <a:latin typeface="Do Hyeon"/>
+              <a:ea typeface="Do Hyeon"/>
+              <a:cs typeface="Do Hyeon"/>
+              <a:sym typeface="Do Hyeon"/>
+            </a:endParaRPr>
+          </a:p>
+        </p:txBody>
+      </p:sp>
+      <p:cxnSp>
+        <p:nvCxnSpPr>
+          <p:cNvPr id="23" name="Google Shape;120;p3">
+            <a:extLst>
+              <a:ext uri="{FF2B5EF4-FFF2-40B4-BE49-F238E27FC236}">
+                <a16:creationId xmlns:a16="http://schemas.microsoft.com/office/drawing/2014/main" id="{B4838202-70B4-C4B1-524B-2CEF6A92015E}"/>
+              </a:ext>
+            </a:extLst>
+          </p:cNvPr>
+          <p:cNvCxnSpPr/>
+          <p:nvPr/>
+        </p:nvCxnSpPr>
+        <p:spPr>
+          <a:xfrm>
+            <a:off x="3316669" y="3429000"/>
+            <a:ext cx="1969643" cy="0"/>
+          </a:xfrm>
+          <a:prstGeom prst="straightConnector1">
+            <a:avLst/>
+          </a:prstGeom>
+          <a:noFill/>
+          <a:ln w="9525" cap="flat" cmpd="sng">
+            <a:solidFill>
+              <a:srgbClr val="1097D0"/>
+            </a:solidFill>
+            <a:prstDash val="solid"/>
+            <a:miter lim="800000"/>
+            <a:headEnd type="none" w="sm" len="sm"/>
+            <a:tailEnd type="none" w="sm" len="sm"/>
+          </a:ln>
+        </p:spPr>
+      </p:cxnSp>
+      <p:sp>
+        <p:nvSpPr>
+          <p:cNvPr id="24" name="Google Shape;121;p3">
+            <a:extLst>
+              <a:ext uri="{FF2B5EF4-FFF2-40B4-BE49-F238E27FC236}">
+                <a16:creationId xmlns:a16="http://schemas.microsoft.com/office/drawing/2014/main" id="{B1AFCAC6-3061-A593-539E-0C7FFBCE19AD}"/>
+              </a:ext>
+            </a:extLst>
+          </p:cNvPr>
+          <p:cNvSpPr txBox="1"/>
+          <p:nvPr/>
+        </p:nvSpPr>
+        <p:spPr>
+          <a:xfrm>
+            <a:off x="5945242" y="2331700"/>
+            <a:ext cx="697627" cy="1200329"/>
+          </a:xfrm>
+          <a:prstGeom prst="rect">
+            <a:avLst/>
+          </a:prstGeom>
+          <a:noFill/>
+          <a:ln>
+            <a:noFill/>
+          </a:ln>
+        </p:spPr>
+        <p:txBody>
+          <a:bodyPr spcFirstLastPara="1" wrap="square" lIns="91425" tIns="45700" rIns="91425" bIns="45700" anchor="t" anchorCtr="0">
+            <a:spAutoFit/>
+          </a:bodyPr>
+          <a:lstStyle/>
+          <a:p>
+            <a:pPr marL="0" marR="0" lvl="0" indent="0" algn="l" rtl="0">
+              <a:spcBef>
+                <a:spcPts val="0"/>
+              </a:spcBef>
+              <a:spcAft>
+                <a:spcPts val="0"/>
+              </a:spcAft>
+              <a:buNone/>
+            </a:pPr>
+            <a:r>
+              <a:rPr lang="ko-KR" sz="7200" b="1" dirty="0">
+                <a:latin typeface="Arial"/>
+                <a:ea typeface="Arial"/>
+                <a:cs typeface="Arial"/>
+                <a:sym typeface="Arial"/>
+              </a:rPr>
+              <a:t>3</a:t>
+            </a:r>
+            <a:endParaRPr sz="7200" b="1" dirty="0">
+              <a:latin typeface="Arial"/>
+              <a:ea typeface="Arial"/>
+              <a:cs typeface="Arial"/>
+              <a:sym typeface="Arial"/>
+            </a:endParaRPr>
+          </a:p>
+        </p:txBody>
+      </p:sp>
+      <p:cxnSp>
+        <p:nvCxnSpPr>
+          <p:cNvPr id="25" name="Google Shape;122;p3">
+            <a:extLst>
+              <a:ext uri="{FF2B5EF4-FFF2-40B4-BE49-F238E27FC236}">
+                <a16:creationId xmlns:a16="http://schemas.microsoft.com/office/drawing/2014/main" id="{451B6E58-B263-4ED5-EF06-5B52BB3C19B2}"/>
+              </a:ext>
+            </a:extLst>
+          </p:cNvPr>
+          <p:cNvCxnSpPr/>
+          <p:nvPr/>
+        </p:nvCxnSpPr>
+        <p:spPr>
+          <a:xfrm>
+            <a:off x="5945242" y="3438303"/>
+            <a:ext cx="1969643" cy="0"/>
+          </a:xfrm>
+          <a:prstGeom prst="straightConnector1">
+            <a:avLst/>
+          </a:prstGeom>
+          <a:noFill/>
+          <a:ln w="9525" cap="flat" cmpd="sng">
+            <a:solidFill>
+              <a:srgbClr val="1097D0"/>
+            </a:solidFill>
+            <a:prstDash val="solid"/>
+            <a:miter lim="800000"/>
+            <a:headEnd type="none" w="sm" len="sm"/>
+            <a:tailEnd type="none" w="sm" len="sm"/>
+          </a:ln>
+        </p:spPr>
+      </p:cxnSp>
+      <p:sp>
+        <p:nvSpPr>
+          <p:cNvPr id="26" name="Google Shape;123;p3">
+            <a:extLst>
+              <a:ext uri="{FF2B5EF4-FFF2-40B4-BE49-F238E27FC236}">
+                <a16:creationId xmlns:a16="http://schemas.microsoft.com/office/drawing/2014/main" id="{51EDB5A2-02F7-74C5-1B78-9FE6F8E41AF1}"/>
+              </a:ext>
+            </a:extLst>
+          </p:cNvPr>
+          <p:cNvSpPr txBox="1"/>
+          <p:nvPr/>
+        </p:nvSpPr>
+        <p:spPr>
+          <a:xfrm>
+            <a:off x="8720914" y="2331700"/>
+            <a:ext cx="697627" cy="1200329"/>
+          </a:xfrm>
+          <a:prstGeom prst="rect">
+            <a:avLst/>
+          </a:prstGeom>
+          <a:noFill/>
+          <a:ln>
+            <a:noFill/>
+          </a:ln>
+        </p:spPr>
+        <p:txBody>
+          <a:bodyPr spcFirstLastPara="1" wrap="square" lIns="91425" tIns="45700" rIns="91425" bIns="45700" anchor="t" anchorCtr="0">
+            <a:spAutoFit/>
+          </a:bodyPr>
+          <a:lstStyle/>
+          <a:p>
+            <a:pPr marL="0" marR="0" lvl="0" indent="0" algn="l" rtl="0">
+              <a:spcBef>
+                <a:spcPts val="0"/>
+              </a:spcBef>
+              <a:spcAft>
+                <a:spcPts val="0"/>
+              </a:spcAft>
+              <a:buNone/>
+            </a:pPr>
+            <a:r>
+              <a:rPr lang="ko-KR" sz="7200" b="1" dirty="0">
+                <a:latin typeface="Arial"/>
+                <a:ea typeface="Arial"/>
+                <a:cs typeface="Arial"/>
+                <a:sym typeface="Arial"/>
+              </a:rPr>
+              <a:t>4</a:t>
+            </a:r>
+            <a:endParaRPr sz="7200" b="1" dirty="0">
+              <a:latin typeface="Arial"/>
+              <a:ea typeface="Arial"/>
+              <a:cs typeface="Arial"/>
+              <a:sym typeface="Arial"/>
+            </a:endParaRPr>
+          </a:p>
+        </p:txBody>
+      </p:sp>
+      <p:sp>
+        <p:nvSpPr>
+          <p:cNvPr id="27" name="Google Shape;124;p3">
+            <a:extLst>
+              <a:ext uri="{FF2B5EF4-FFF2-40B4-BE49-F238E27FC236}">
+                <a16:creationId xmlns:a16="http://schemas.microsoft.com/office/drawing/2014/main" id="{364F77BF-1852-6B4E-95FD-9CAC9DDBD6E2}"/>
+              </a:ext>
+            </a:extLst>
+          </p:cNvPr>
+          <p:cNvSpPr txBox="1"/>
+          <p:nvPr/>
+        </p:nvSpPr>
+        <p:spPr>
+          <a:xfrm>
+            <a:off x="5866500" y="3604561"/>
+            <a:ext cx="2195484" cy="1200288"/>
+          </a:xfrm>
+          <a:prstGeom prst="rect">
+            <a:avLst/>
+          </a:prstGeom>
+          <a:noFill/>
+          <a:ln>
+            <a:noFill/>
+          </a:ln>
+        </p:spPr>
+        <p:txBody>
+          <a:bodyPr spcFirstLastPara="1" wrap="square" lIns="91425" tIns="45700" rIns="91425" bIns="45700" anchor="t" anchorCtr="0">
+            <a:spAutoFit/>
+          </a:bodyPr>
+          <a:lstStyle/>
+          <a:p>
+            <a:pPr marL="0" marR="0" lvl="0" indent="0" algn="l" rtl="0">
+              <a:spcBef>
+                <a:spcPts val="0"/>
+              </a:spcBef>
+              <a:spcAft>
+                <a:spcPts val="0"/>
+              </a:spcAft>
+              <a:buNone/>
+            </a:pPr>
+            <a:r>
+              <a:rPr lang="ko-KR" sz="2400" b="1" dirty="0">
+                <a:latin typeface="Do Hyeon"/>
+                <a:ea typeface="Do Hyeon"/>
+                <a:cs typeface="Do Hyeon"/>
+                <a:sym typeface="Do Hyeon"/>
+              </a:rPr>
+              <a:t>프로젝트 소개</a:t>
+            </a:r>
+            <a:endParaRPr sz="2400" b="1" dirty="0">
+              <a:latin typeface="Do Hyeon"/>
+              <a:ea typeface="Do Hyeon"/>
+              <a:cs typeface="Do Hyeon"/>
+              <a:sym typeface="Do Hyeon"/>
+            </a:endParaRPr>
+          </a:p>
+          <a:p>
+            <a:pPr marL="0" marR="0" lvl="0" indent="0" algn="l" rtl="0">
+              <a:spcBef>
+                <a:spcPts val="0"/>
+              </a:spcBef>
+              <a:spcAft>
+                <a:spcPts val="0"/>
+              </a:spcAft>
+              <a:buNone/>
+            </a:pPr>
+            <a:r>
+              <a:rPr lang="ko-KR" sz="2400" b="1" dirty="0">
+                <a:latin typeface="Do Hyeon"/>
+                <a:ea typeface="Do Hyeon"/>
+                <a:cs typeface="Do Hyeon"/>
+                <a:sym typeface="Do Hyeon"/>
+              </a:rPr>
+              <a:t>및 </a:t>
+            </a:r>
+            <a:endParaRPr lang="en-US" altLang="ko-KR" sz="2400" b="1" dirty="0">
+              <a:latin typeface="Do Hyeon"/>
+              <a:ea typeface="Do Hyeon"/>
+              <a:cs typeface="Do Hyeon"/>
+              <a:sym typeface="Do Hyeon"/>
+            </a:endParaRPr>
+          </a:p>
+          <a:p>
+            <a:pPr marL="0" marR="0" lvl="0" indent="0" algn="l" rtl="0">
+              <a:spcBef>
+                <a:spcPts val="0"/>
+              </a:spcBef>
+              <a:spcAft>
+                <a:spcPts val="0"/>
+              </a:spcAft>
+              <a:buNone/>
+            </a:pPr>
+            <a:r>
+              <a:rPr lang="ko-KR" sz="2400" b="1" dirty="0">
+                <a:latin typeface="Do Hyeon"/>
+                <a:ea typeface="Do Hyeon"/>
+                <a:cs typeface="Do Hyeon"/>
+                <a:sym typeface="Do Hyeon"/>
+              </a:rPr>
+              <a:t>진행 현황</a:t>
+            </a:r>
+            <a:endParaRPr b="1" dirty="0"/>
+          </a:p>
+        </p:txBody>
+      </p:sp>
+      <p:cxnSp>
+        <p:nvCxnSpPr>
+          <p:cNvPr id="28" name="Google Shape;125;p3">
+            <a:extLst>
+              <a:ext uri="{FF2B5EF4-FFF2-40B4-BE49-F238E27FC236}">
+                <a16:creationId xmlns:a16="http://schemas.microsoft.com/office/drawing/2014/main" id="{4277680B-568C-5D32-D5AB-77B25DDC894B}"/>
+              </a:ext>
+            </a:extLst>
+          </p:cNvPr>
+          <p:cNvCxnSpPr/>
+          <p:nvPr/>
+        </p:nvCxnSpPr>
+        <p:spPr>
+          <a:xfrm>
+            <a:off x="8720914" y="3438303"/>
+            <a:ext cx="1969643" cy="0"/>
+          </a:xfrm>
+          <a:prstGeom prst="straightConnector1">
+            <a:avLst/>
+          </a:prstGeom>
+          <a:noFill/>
+          <a:ln w="9525" cap="flat" cmpd="sng">
+            <a:solidFill>
+              <a:srgbClr val="1097D0"/>
+            </a:solidFill>
+            <a:prstDash val="solid"/>
+            <a:miter lim="800000"/>
+            <a:headEnd type="none" w="sm" len="sm"/>
+            <a:tailEnd type="none" w="sm" len="sm"/>
+          </a:ln>
+        </p:spPr>
+      </p:cxnSp>
+      <p:sp>
+        <p:nvSpPr>
+          <p:cNvPr id="29" name="Google Shape;126;p3">
+            <a:extLst>
+              <a:ext uri="{FF2B5EF4-FFF2-40B4-BE49-F238E27FC236}">
+                <a16:creationId xmlns:a16="http://schemas.microsoft.com/office/drawing/2014/main" id="{49138B35-5084-5140-864D-C5BDD5E52851}"/>
+              </a:ext>
+            </a:extLst>
+          </p:cNvPr>
+          <p:cNvSpPr txBox="1"/>
+          <p:nvPr/>
+        </p:nvSpPr>
+        <p:spPr>
+          <a:xfrm>
+            <a:off x="8720914" y="3604561"/>
+            <a:ext cx="1573280" cy="1107955"/>
+          </a:xfrm>
+          <a:prstGeom prst="rect">
+            <a:avLst/>
+          </a:prstGeom>
+          <a:noFill/>
+          <a:ln>
+            <a:noFill/>
+          </a:ln>
+        </p:spPr>
+        <p:txBody>
+          <a:bodyPr spcFirstLastPara="1" wrap="square" lIns="91425" tIns="45700" rIns="91425" bIns="45700" anchor="t" anchorCtr="0">
+            <a:spAutoFit/>
+          </a:bodyPr>
+          <a:lstStyle/>
+          <a:p>
+            <a:pPr marL="0" marR="0" lvl="0" indent="0" algn="l" rtl="0">
+              <a:spcBef>
+                <a:spcPts val="0"/>
+              </a:spcBef>
+              <a:spcAft>
+                <a:spcPts val="0"/>
+              </a:spcAft>
+              <a:buNone/>
+            </a:pPr>
+            <a:r>
+              <a:rPr lang="ko-KR" altLang="en-US" sz="2400" b="1" dirty="0">
+                <a:latin typeface="Do Hyeon"/>
+                <a:ea typeface="Do Hyeon"/>
+                <a:cs typeface="Do Hyeon"/>
+                <a:sym typeface="Do Hyeon"/>
+              </a:rPr>
+              <a:t>기대효과</a:t>
+            </a:r>
+          </a:p>
+          <a:p>
+            <a:pPr marL="0" marR="0" lvl="0" indent="0" algn="l" rtl="0">
+              <a:spcBef>
+                <a:spcPts val="0"/>
+              </a:spcBef>
+              <a:spcAft>
+                <a:spcPts val="0"/>
+              </a:spcAft>
+              <a:buNone/>
+            </a:pPr>
+            <a:endParaRPr lang="ko-KR" altLang="en-US" sz="2400" b="1" dirty="0"/>
+          </a:p>
+          <a:p>
+            <a:pPr marL="0" marR="0" lvl="0" indent="0" algn="l" rtl="0">
+              <a:spcBef>
+                <a:spcPts val="0"/>
+              </a:spcBef>
+              <a:spcAft>
+                <a:spcPts val="0"/>
+              </a:spcAft>
+              <a:buNone/>
+            </a:pPr>
+            <a:endParaRPr dirty="0"/>
+          </a:p>
+        </p:txBody>
+      </p:sp>
+      <p:sp>
+        <p:nvSpPr>
+          <p:cNvPr id="33" name="Google Shape;114;p3">
+            <a:extLst>
+              <a:ext uri="{FF2B5EF4-FFF2-40B4-BE49-F238E27FC236}">
+                <a16:creationId xmlns:a16="http://schemas.microsoft.com/office/drawing/2014/main" id="{1B8234B8-B3DE-8464-A4E9-A89B219AE98C}"/>
+              </a:ext>
+            </a:extLst>
+          </p:cNvPr>
+          <p:cNvSpPr txBox="1"/>
+          <p:nvPr/>
+        </p:nvSpPr>
+        <p:spPr>
+          <a:xfrm>
+            <a:off x="3249874" y="2331741"/>
+            <a:ext cx="697627" cy="1200288"/>
+          </a:xfrm>
+          <a:prstGeom prst="rect">
+            <a:avLst/>
+          </a:prstGeom>
+          <a:noFill/>
+          <a:ln>
+            <a:noFill/>
+          </a:ln>
+        </p:spPr>
+        <p:txBody>
+          <a:bodyPr spcFirstLastPara="1" wrap="square" lIns="91425" tIns="45700" rIns="91425" bIns="45700" anchor="t" anchorCtr="0">
+            <a:spAutoFit/>
+          </a:bodyPr>
+          <a:lstStyle/>
+          <a:p>
+            <a:pPr marL="0" marR="0" lvl="0" indent="0" algn="l" rtl="0">
+              <a:spcBef>
+                <a:spcPts val="0"/>
+              </a:spcBef>
+              <a:spcAft>
+                <a:spcPts val="0"/>
+              </a:spcAft>
+              <a:buNone/>
+            </a:pPr>
+            <a:r>
+              <a:rPr lang="en-US" sz="7200" b="1" dirty="0">
+                <a:latin typeface="+mj-lt"/>
+                <a:ea typeface="Arial"/>
+                <a:cs typeface="Arial"/>
+                <a:sym typeface="Arial"/>
+              </a:rPr>
+              <a:t>2</a:t>
+            </a:r>
+            <a:endParaRPr sz="7200" b="1" dirty="0">
+              <a:latin typeface="+mj-lt"/>
+              <a:ea typeface="Arial"/>
+              <a:cs typeface="Arial"/>
+              <a:sym typeface="Arial"/>
+            </a:endParaRPr>
+          </a:p>
+        </p:txBody>
+      </p:sp>
+      <p:sp>
+        <p:nvSpPr>
+          <p:cNvPr id="34" name="제목 1">
+            <a:extLst>
+              <a:ext uri="{FF2B5EF4-FFF2-40B4-BE49-F238E27FC236}">
+                <a16:creationId xmlns:a16="http://schemas.microsoft.com/office/drawing/2014/main" id="{D4F087C1-E711-D170-4EAB-E4EACEB8D023}"/>
               </a:ext>
             </a:extLst>
           </p:cNvPr>
@@ -17443,7 +17211,12 @@
             <p:ph type="title"/>
           </p:nvPr>
         </p:nvSpPr>
-        <p:spPr/>
+        <p:spPr>
+          <a:xfrm>
+            <a:off x="838200" y="365125"/>
+            <a:ext cx="10515600" cy="1325563"/>
+          </a:xfrm>
+        </p:spPr>
         <p:txBody>
           <a:bodyPr/>
           <a:lstStyle/>
@@ -17460,103 +17233,10 @@
           </a:p>
         </p:txBody>
       </p:sp>
-      <p:sp>
-        <p:nvSpPr>
-          <p:cNvPr id="3" name="내용 개체 틀 2">
-            <a:extLst>
-              <a:ext uri="{FF2B5EF4-FFF2-40B4-BE49-F238E27FC236}">
-                <a16:creationId xmlns:a16="http://schemas.microsoft.com/office/drawing/2014/main" id="{90DDBE82-F038-068A-5C32-14695B69E220}"/>
-              </a:ext>
-            </a:extLst>
-          </p:cNvPr>
-          <p:cNvSpPr>
-            <a:spLocks noGrp="1"/>
-          </p:cNvSpPr>
-          <p:nvPr>
-            <p:ph idx="1"/>
-          </p:nvPr>
-        </p:nvSpPr>
-        <p:spPr/>
-        <p:txBody>
-          <a:bodyPr>
-            <a:normAutofit fontScale="85000" lnSpcReduction="20000"/>
-          </a:bodyPr>
-          <a:lstStyle/>
-          <a:p>
-            <a:r>
-              <a:rPr lang="ko-KR" altLang="en-US" dirty="0"/>
-              <a:t>팀원 소개</a:t>
-            </a:r>
-            <a:endParaRPr lang="en-US" altLang="ko-KR" dirty="0"/>
-          </a:p>
-          <a:p>
-            <a:endParaRPr lang="en-US" altLang="ko-KR" dirty="0"/>
-          </a:p>
-          <a:p>
-            <a:r>
-              <a:rPr lang="ko-KR" altLang="en-US" dirty="0"/>
-              <a:t>주제 선정 배경</a:t>
-            </a:r>
-            <a:endParaRPr lang="en-US" altLang="ko-KR" dirty="0"/>
-          </a:p>
-          <a:p>
-            <a:endParaRPr lang="en-US" altLang="ko-KR" dirty="0"/>
-          </a:p>
-          <a:p>
-            <a:r>
-              <a:rPr lang="en-US" altLang="ko-KR" dirty="0"/>
-              <a:t>Chat GPT</a:t>
-            </a:r>
-            <a:r>
-              <a:rPr lang="ko-KR" altLang="en-US" dirty="0"/>
-              <a:t>란</a:t>
-            </a:r>
-            <a:r>
-              <a:rPr lang="en-US" altLang="ko-KR" dirty="0"/>
-              <a:t>?</a:t>
-            </a:r>
-          </a:p>
-          <a:p>
-            <a:endParaRPr lang="en-US" altLang="ko-KR" dirty="0"/>
-          </a:p>
-          <a:p>
-            <a:r>
-              <a:rPr lang="ko-KR" altLang="en-US" dirty="0"/>
-              <a:t>프로젝트 소개</a:t>
-            </a:r>
-            <a:endParaRPr lang="en-US" altLang="ko-KR" dirty="0"/>
-          </a:p>
-          <a:p>
-            <a:endParaRPr lang="en-US" altLang="ko-KR" dirty="0"/>
-          </a:p>
-          <a:p>
-            <a:r>
-              <a:rPr lang="ko-KR" altLang="en-US" dirty="0"/>
-              <a:t>개발현황 및 계획</a:t>
-            </a:r>
-            <a:endParaRPr lang="en-US" altLang="ko-KR" dirty="0"/>
-          </a:p>
-          <a:p>
-            <a:endParaRPr lang="en-US" altLang="ko-KR" dirty="0"/>
-          </a:p>
-          <a:p>
-            <a:r>
-              <a:rPr lang="en-US" altLang="ko-KR" dirty="0"/>
-              <a:t>Q&amp;A</a:t>
-            </a:r>
-          </a:p>
-          <a:p>
-            <a:endParaRPr lang="en-US" altLang="ko-KR" dirty="0"/>
-          </a:p>
-          <a:p>
-            <a:endParaRPr lang="ko-KR" altLang="en-US" dirty="0"/>
-          </a:p>
-        </p:txBody>
-      </p:sp>
     </p:spTree>
     <p:extLst>
       <p:ext uri="{BB962C8B-B14F-4D97-AF65-F5344CB8AC3E}">
-        <p14:creationId xmlns:p14="http://schemas.microsoft.com/office/powerpoint/2010/main" val="3057799569"/>
+        <p14:creationId xmlns:p14="http://schemas.microsoft.com/office/powerpoint/2010/main" val="1753572741"/>
       </p:ext>
     </p:extLst>
   </p:cSld>
@@ -17588,7 +17268,7 @@
           <p:cNvPr id="2" name="제목 1">
             <a:extLst>
               <a:ext uri="{FF2B5EF4-FFF2-40B4-BE49-F238E27FC236}">
-                <a16:creationId xmlns:a16="http://schemas.microsoft.com/office/drawing/2014/main" id="{907191C9-5F30-A2E8-7025-835C0429D7BD}"/>
+                <a16:creationId xmlns:a16="http://schemas.microsoft.com/office/drawing/2014/main" id="{99FCCF7E-44BD-8070-78FB-8E40C67C7149}"/>
               </a:ext>
             </a:extLst>
           </p:cNvPr>
@@ -17599,7 +17279,12 @@
             <p:ph type="title"/>
           </p:nvPr>
         </p:nvSpPr>
-        <p:spPr/>
+        <p:spPr>
+          <a:xfrm>
+            <a:off x="838200" y="323029"/>
+            <a:ext cx="10515600" cy="1325563"/>
+          </a:xfrm>
+        </p:spPr>
         <p:txBody>
           <a:bodyPr/>
           <a:lstStyle/>
@@ -17613,285 +17298,893 @@
       </p:sp>
       <p:sp>
         <p:nvSpPr>
-          <p:cNvPr id="3" name="내용 개체 틀 2">
+          <p:cNvPr id="5" name="TextBox 4">
             <a:extLst>
               <a:ext uri="{FF2B5EF4-FFF2-40B4-BE49-F238E27FC236}">
-                <a16:creationId xmlns:a16="http://schemas.microsoft.com/office/drawing/2014/main" id="{211583B9-5F87-5013-4EA6-1F04B408557B}"/>
+                <a16:creationId xmlns:a16="http://schemas.microsoft.com/office/drawing/2014/main" id="{AE783C3C-F6FB-0EDA-24FE-B988DCD32F2D}"/>
               </a:ext>
             </a:extLst>
           </p:cNvPr>
-          <p:cNvSpPr>
-            <a:spLocks noGrp="1"/>
-          </p:cNvSpPr>
-          <p:nvPr>
-            <p:ph idx="1"/>
-          </p:nvPr>
+          <p:cNvSpPr txBox="1"/>
+          <p:nvPr/>
         </p:nvSpPr>
-        <p:spPr/>
+        <p:spPr>
+          <a:xfrm>
+            <a:off x="838200" y="2005200"/>
+            <a:ext cx="10515600" cy="3970318"/>
+          </a:xfrm>
+          <a:prstGeom prst="rect">
+            <a:avLst/>
+          </a:prstGeom>
+          <a:noFill/>
+        </p:spPr>
         <p:txBody>
-          <a:bodyPr/>
+          <a:bodyPr wrap="square" rtlCol="0">
+            <a:spAutoFit/>
+          </a:bodyPr>
           <a:lstStyle/>
           <a:p>
+            <a:endParaRPr lang="en-US" altLang="ko-KR" dirty="0"/>
+          </a:p>
+          <a:p>
+            <a:endParaRPr lang="en-US" altLang="ko-KR" dirty="0"/>
+          </a:p>
+          <a:p>
+            <a:endParaRPr lang="en-US" altLang="ko-KR" dirty="0"/>
+          </a:p>
+          <a:p>
+            <a:endParaRPr lang="en-US" altLang="ko-KR" dirty="0"/>
+          </a:p>
+          <a:p>
+            <a:endParaRPr lang="en-US" altLang="ko-KR" dirty="0"/>
+          </a:p>
+          <a:p>
+            <a:endParaRPr lang="en-US" altLang="ko-KR" dirty="0"/>
+          </a:p>
+          <a:p>
+            <a:endParaRPr lang="en-US" altLang="ko-KR" dirty="0"/>
+          </a:p>
+          <a:p>
+            <a:endParaRPr lang="en-US" altLang="ko-KR" dirty="0"/>
+          </a:p>
+          <a:p>
+            <a:endParaRPr lang="en-US" altLang="ko-KR" dirty="0"/>
+          </a:p>
+          <a:p>
+            <a:endParaRPr lang="en-US" altLang="ko-KR" dirty="0"/>
+          </a:p>
+          <a:p>
+            <a:endParaRPr lang="en-US" altLang="ko-KR" dirty="0"/>
+          </a:p>
+          <a:p>
+            <a:endParaRPr lang="en-US" altLang="ko-KR" dirty="0"/>
+          </a:p>
+          <a:p>
+            <a:endParaRPr lang="en-US" altLang="ko-KR" dirty="0"/>
+          </a:p>
+          <a:p>
+            <a:endParaRPr lang="en-US" altLang="ko-KR" dirty="0"/>
+          </a:p>
+        </p:txBody>
+      </p:sp>
+      <p:pic>
+        <p:nvPicPr>
+          <p:cNvPr id="7" name="그림 6" descr="원, 스케치, 클립아트, 그래픽이(가) 표시된 사진&#10;&#10;자동 생성된 설명">
+            <a:extLst>
+              <a:ext uri="{FF2B5EF4-FFF2-40B4-BE49-F238E27FC236}">
+                <a16:creationId xmlns:a16="http://schemas.microsoft.com/office/drawing/2014/main" id="{88DDDF46-C95C-76D6-ACFB-293F9D697D90}"/>
+              </a:ext>
+            </a:extLst>
+          </p:cNvPr>
+          <p:cNvPicPr>
+            <a:picLocks noChangeAspect="1"/>
+          </p:cNvPicPr>
+          <p:nvPr/>
+        </p:nvPicPr>
+        <p:blipFill>
+          <a:blip r:embed="rId2">
+            <a:extLst>
+              <a:ext uri="{28A0092B-C50C-407E-A947-70E740481C1C}">
+                <a14:useLocalDpi xmlns:a14="http://schemas.microsoft.com/office/drawing/2010/main" val="0"/>
+              </a:ext>
+            </a:extLst>
+          </a:blip>
+          <a:stretch>
+            <a:fillRect/>
+          </a:stretch>
+        </p:blipFill>
+        <p:spPr>
+          <a:xfrm>
+            <a:off x="1976436" y="2665283"/>
+            <a:ext cx="1227011" cy="1227011"/>
+          </a:xfrm>
+          <a:prstGeom prst="rect">
+            <a:avLst/>
+          </a:prstGeom>
+        </p:spPr>
+      </p:pic>
+      <p:pic>
+        <p:nvPicPr>
+          <p:cNvPr id="8" name="그림 7" descr="원, 스케치, 클립아트, 그래픽이(가) 표시된 사진&#10;&#10;자동 생성된 설명">
+            <a:extLst>
+              <a:ext uri="{FF2B5EF4-FFF2-40B4-BE49-F238E27FC236}">
+                <a16:creationId xmlns:a16="http://schemas.microsoft.com/office/drawing/2014/main" id="{36F07611-634E-D4AB-020F-D478A2A510DD}"/>
+              </a:ext>
+            </a:extLst>
+          </p:cNvPr>
+          <p:cNvPicPr>
+            <a:picLocks noChangeAspect="1"/>
+          </p:cNvPicPr>
+          <p:nvPr/>
+        </p:nvPicPr>
+        <p:blipFill>
+          <a:blip r:embed="rId2">
+            <a:extLst>
+              <a:ext uri="{28A0092B-C50C-407E-A947-70E740481C1C}">
+                <a14:useLocalDpi xmlns:a14="http://schemas.microsoft.com/office/drawing/2010/main" val="0"/>
+              </a:ext>
+            </a:extLst>
+          </a:blip>
+          <a:stretch>
+            <a:fillRect/>
+          </a:stretch>
+        </p:blipFill>
+        <p:spPr>
+          <a:xfrm>
+            <a:off x="8636738" y="2665282"/>
+            <a:ext cx="1227011" cy="1227011"/>
+          </a:xfrm>
+          <a:prstGeom prst="rect">
+            <a:avLst/>
+          </a:prstGeom>
+        </p:spPr>
+      </p:pic>
+      <p:cxnSp>
+        <p:nvCxnSpPr>
+          <p:cNvPr id="10" name="Google Shape;151;p5">
+            <a:extLst>
+              <a:ext uri="{FF2B5EF4-FFF2-40B4-BE49-F238E27FC236}">
+                <a16:creationId xmlns:a16="http://schemas.microsoft.com/office/drawing/2014/main" id="{6F618BC5-3A3B-F69B-3F3A-9F5169F60883}"/>
+              </a:ext>
+            </a:extLst>
+          </p:cNvPr>
+          <p:cNvCxnSpPr>
+            <a:cxnSpLocks/>
+          </p:cNvCxnSpPr>
+          <p:nvPr/>
+        </p:nvCxnSpPr>
+        <p:spPr>
+          <a:xfrm>
+            <a:off x="2589942" y="3990359"/>
+            <a:ext cx="0" cy="592511"/>
+          </a:xfrm>
+          <a:prstGeom prst="straightConnector1">
+            <a:avLst/>
+          </a:prstGeom>
+          <a:noFill/>
+          <a:ln w="9525" cap="flat" cmpd="sng">
+            <a:solidFill>
+              <a:srgbClr val="1097D0"/>
+            </a:solidFill>
+            <a:prstDash val="dot"/>
+            <a:miter lim="800000"/>
+            <a:headEnd type="none" w="sm" len="sm"/>
+            <a:tailEnd type="triangle" w="med" len="med"/>
+          </a:ln>
+        </p:spPr>
+      </p:cxnSp>
+      <p:cxnSp>
+        <p:nvCxnSpPr>
+          <p:cNvPr id="11" name="Google Shape;151;p5">
+            <a:extLst>
+              <a:ext uri="{FF2B5EF4-FFF2-40B4-BE49-F238E27FC236}">
+                <a16:creationId xmlns:a16="http://schemas.microsoft.com/office/drawing/2014/main" id="{3985446F-25EC-C30C-30CC-2106CF6FD9F5}"/>
+              </a:ext>
+            </a:extLst>
+          </p:cNvPr>
+          <p:cNvCxnSpPr>
+            <a:cxnSpLocks/>
+            <a:endCxn id="14" idx="0"/>
+          </p:cNvCxnSpPr>
+          <p:nvPr/>
+        </p:nvCxnSpPr>
+        <p:spPr>
+          <a:xfrm>
+            <a:off x="9259851" y="3990357"/>
+            <a:ext cx="0" cy="590134"/>
+          </a:xfrm>
+          <a:prstGeom prst="straightConnector1">
+            <a:avLst/>
+          </a:prstGeom>
+          <a:noFill/>
+          <a:ln w="9525" cap="flat" cmpd="sng">
+            <a:solidFill>
+              <a:srgbClr val="1097D0"/>
+            </a:solidFill>
+            <a:prstDash val="dot"/>
+            <a:miter lim="800000"/>
+            <a:headEnd type="none" w="sm" len="sm"/>
+            <a:tailEnd type="triangle" w="med" len="med"/>
+          </a:ln>
+        </p:spPr>
+      </p:cxnSp>
+      <p:sp>
+        <p:nvSpPr>
+          <p:cNvPr id="13" name="Google Shape;152;p5">
+            <a:extLst>
+              <a:ext uri="{FF2B5EF4-FFF2-40B4-BE49-F238E27FC236}">
+                <a16:creationId xmlns:a16="http://schemas.microsoft.com/office/drawing/2014/main" id="{89585B4D-4051-2EA6-FA46-1BBE2625EA9C}"/>
+              </a:ext>
+            </a:extLst>
+          </p:cNvPr>
+          <p:cNvSpPr txBox="1"/>
+          <p:nvPr/>
+        </p:nvSpPr>
+        <p:spPr>
+          <a:xfrm>
+            <a:off x="1873239" y="4580493"/>
+            <a:ext cx="1433406" cy="1200288"/>
+          </a:xfrm>
+          <a:prstGeom prst="rect">
+            <a:avLst/>
+          </a:prstGeom>
+          <a:noFill/>
+          <a:ln>
+            <a:noFill/>
+          </a:ln>
+        </p:spPr>
+        <p:txBody>
+          <a:bodyPr spcFirstLastPara="1" wrap="square" lIns="91425" tIns="45700" rIns="91425" bIns="45700" anchor="t" anchorCtr="0">
+            <a:spAutoFit/>
+          </a:bodyPr>
+          <a:lstStyle/>
+          <a:p>
+            <a:pPr marL="0" marR="0" lvl="0" indent="0" algn="ctr" rtl="0">
+              <a:lnSpc>
+                <a:spcPct val="150000"/>
+              </a:lnSpc>
+              <a:spcBef>
+                <a:spcPts val="0"/>
+              </a:spcBef>
+              <a:spcAft>
+                <a:spcPts val="0"/>
+              </a:spcAft>
+              <a:buNone/>
+            </a:pPr>
             <a:r>
-              <a:rPr lang="ko-KR" altLang="en-US" sz="4400" kern="0" spc="0" dirty="0" err="1">
+              <a:rPr lang="ko-KR" sz="1600" b="1" dirty="0">
+                <a:latin typeface="Do Hyeon" panose="020B0600000101010101" charset="-127"/>
+                <a:ea typeface="Do Hyeon" panose="020B0600000101010101" charset="-127"/>
+                <a:cs typeface="Do Hyeon"/>
+                <a:sym typeface="Do Hyeon"/>
+              </a:rPr>
+              <a:t>팀장</a:t>
+            </a:r>
+            <a:endParaRPr lang="en-US" altLang="ko-KR" sz="1600" b="1" dirty="0">
+              <a:latin typeface="Do Hyeon" panose="020B0600000101010101" charset="-127"/>
+              <a:ea typeface="Do Hyeon" panose="020B0600000101010101" charset="-127"/>
+              <a:cs typeface="Do Hyeon"/>
+              <a:sym typeface="Do Hyeon"/>
+            </a:endParaRPr>
+          </a:p>
+          <a:p>
+            <a:pPr marL="0" marR="0" lvl="0" indent="0" algn="ctr" rtl="0">
+              <a:lnSpc>
+                <a:spcPct val="150000"/>
+              </a:lnSpc>
+              <a:spcBef>
+                <a:spcPts val="0"/>
+              </a:spcBef>
+              <a:spcAft>
+                <a:spcPts val="0"/>
+              </a:spcAft>
+              <a:buNone/>
+            </a:pPr>
+            <a:r>
+              <a:rPr lang="ko-KR" altLang="en-US" sz="1600" b="1" kern="0" spc="0" dirty="0" err="1">
+                <a:effectLst/>
+                <a:latin typeface="Do Hyeon" panose="020B0600000101010101" charset="-127"/>
+                <a:ea typeface="Do Hyeon" panose="020B0600000101010101" charset="-127"/>
+              </a:rPr>
+              <a:t>백엔드</a:t>
+            </a:r>
+            <a:r>
+              <a:rPr lang="ko-KR" altLang="en-US" sz="1600" b="1" kern="0" spc="0" dirty="0">
+                <a:effectLst/>
+                <a:latin typeface="Do Hyeon" panose="020B0600000101010101" charset="-127"/>
+                <a:ea typeface="Do Hyeon" panose="020B0600000101010101" charset="-127"/>
+              </a:rPr>
+              <a:t> 구축</a:t>
+            </a:r>
+            <a:endParaRPr lang="en-US" altLang="ko-KR" sz="1600" b="1" kern="0" spc="0" dirty="0">
+              <a:effectLst/>
+              <a:latin typeface="Do Hyeon" panose="020B0600000101010101" charset="-127"/>
+              <a:ea typeface="Do Hyeon" panose="020B0600000101010101" charset="-127"/>
+            </a:endParaRPr>
+          </a:p>
+          <a:p>
+            <a:pPr marL="0" marR="0" lvl="0" indent="0" algn="ctr" rtl="0">
+              <a:lnSpc>
+                <a:spcPct val="150000"/>
+              </a:lnSpc>
+              <a:spcBef>
+                <a:spcPts val="0"/>
+              </a:spcBef>
+              <a:spcAft>
+                <a:spcPts val="0"/>
+              </a:spcAft>
+              <a:buNone/>
+            </a:pPr>
+            <a:r>
+              <a:rPr lang="en-US" altLang="ko-KR" sz="1600" b="1" kern="0" spc="0" dirty="0">
+                <a:effectLst/>
+                <a:latin typeface="Do Hyeon" panose="020B0600000101010101" charset="-127"/>
+                <a:ea typeface="Do Hyeon" panose="020B0600000101010101" charset="-127"/>
+              </a:rPr>
+              <a:t>API </a:t>
+            </a:r>
+            <a:r>
+              <a:rPr lang="ko-KR" altLang="en-US" sz="1600" b="1" kern="0" spc="0" dirty="0">
+                <a:effectLst/>
+                <a:latin typeface="Do Hyeon" panose="020B0600000101010101" charset="-127"/>
+                <a:ea typeface="Do Hyeon" panose="020B0600000101010101" charset="-127"/>
+              </a:rPr>
+              <a:t>키 발급</a:t>
+            </a:r>
+            <a:endParaRPr sz="1600" b="1" dirty="0">
+              <a:latin typeface="Do Hyeon" panose="020B0600000101010101" charset="-127"/>
+              <a:ea typeface="Do Hyeon" panose="020B0600000101010101" charset="-127"/>
+              <a:cs typeface="Do Hyeon"/>
+              <a:sym typeface="Do Hyeon"/>
+            </a:endParaRPr>
+          </a:p>
+        </p:txBody>
+      </p:sp>
+      <p:sp>
+        <p:nvSpPr>
+          <p:cNvPr id="14" name="Google Shape;152;p5">
+            <a:extLst>
+              <a:ext uri="{FF2B5EF4-FFF2-40B4-BE49-F238E27FC236}">
+                <a16:creationId xmlns:a16="http://schemas.microsoft.com/office/drawing/2014/main" id="{E15A9863-29C6-2DAA-5AE4-56F9CFD62B27}"/>
+              </a:ext>
+            </a:extLst>
+          </p:cNvPr>
+          <p:cNvSpPr txBox="1"/>
+          <p:nvPr/>
+        </p:nvSpPr>
+        <p:spPr>
+          <a:xfrm>
+            <a:off x="8375938" y="4580491"/>
+            <a:ext cx="1767826" cy="830956"/>
+          </a:xfrm>
+          <a:prstGeom prst="rect">
+            <a:avLst/>
+          </a:prstGeom>
+          <a:noFill/>
+          <a:ln>
+            <a:noFill/>
+          </a:ln>
+        </p:spPr>
+        <p:txBody>
+          <a:bodyPr spcFirstLastPara="1" wrap="square" lIns="91425" tIns="45700" rIns="91425" bIns="45700" anchor="t" anchorCtr="0">
+            <a:spAutoFit/>
+          </a:bodyPr>
+          <a:lstStyle/>
+          <a:p>
+            <a:pPr marL="0" marR="0" lvl="0" indent="0" algn="ctr" rtl="0">
+              <a:lnSpc>
+                <a:spcPct val="150000"/>
+              </a:lnSpc>
+              <a:spcBef>
+                <a:spcPts val="0"/>
+              </a:spcBef>
+              <a:spcAft>
+                <a:spcPts val="0"/>
+              </a:spcAft>
+              <a:buNone/>
+            </a:pPr>
+            <a:r>
+              <a:rPr lang="en-US" altLang="ko-KR" sz="1600" b="1" kern="0" spc="0" dirty="0" err="1">
                 <a:solidFill>
                   <a:srgbClr val="000000"/>
                 </a:solidFill>
                 <a:effectLst/>
-                <a:latin typeface="바탕체" panose="02030609000101010101" pitchFamily="17" charset="-127"/>
-                <a:ea typeface="바탕체" panose="02030609000101010101" pitchFamily="17" charset="-127"/>
+                <a:latin typeface="Do Hyeon" panose="020B0600000101010101" charset="-127"/>
+                <a:ea typeface="Do Hyeon" panose="020B0600000101010101" charset="-127"/>
               </a:rPr>
-              <a:t>강찬우</a:t>
+              <a:t>chatGPT</a:t>
             </a:r>
             <a:r>
-              <a:rPr lang="ko-KR" altLang="en-US" sz="4400" kern="0" spc="0" dirty="0">
+              <a:rPr lang="en-US" altLang="ko-KR" sz="1600" b="1" kern="0" spc="0" dirty="0">
                 <a:solidFill>
                   <a:srgbClr val="000000"/>
                 </a:solidFill>
                 <a:effectLst/>
-                <a:latin typeface="바탕체" panose="02030609000101010101" pitchFamily="17" charset="-127"/>
+                <a:latin typeface="Do Hyeon" panose="020B0600000101010101" charset="-127"/>
+                <a:ea typeface="Do Hyeon" panose="020B0600000101010101" charset="-127"/>
               </a:rPr>
-              <a:t>   </a:t>
+              <a:t> </a:t>
             </a:r>
             <a:r>
-              <a:rPr lang="en-US" altLang="ko-KR" sz="4400" kern="0" spc="0" dirty="0" err="1">
+              <a:rPr lang="ko-KR" altLang="en-US" sz="1600" b="1" kern="0" spc="0" dirty="0">
                 <a:solidFill>
                   <a:srgbClr val="000000"/>
                 </a:solidFill>
                 <a:effectLst/>
-                <a:latin typeface="바탕체" panose="02030609000101010101" pitchFamily="17" charset="-127"/>
+                <a:latin typeface="Do Hyeon" panose="020B0600000101010101" charset="-127"/>
+                <a:ea typeface="Do Hyeon" panose="020B0600000101010101" charset="-127"/>
               </a:rPr>
-              <a:t>chatGPT</a:t>
+              <a:t>훈련 </a:t>
             </a:r>
+            <a:endParaRPr lang="en-US" altLang="ko-KR" sz="1600" b="1" kern="0" spc="0" dirty="0">
+              <a:solidFill>
+                <a:srgbClr val="000000"/>
+              </a:solidFill>
+              <a:effectLst/>
+              <a:latin typeface="Do Hyeon" panose="020B0600000101010101" charset="-127"/>
+              <a:ea typeface="Do Hyeon" panose="020B0600000101010101" charset="-127"/>
+            </a:endParaRPr>
+          </a:p>
+          <a:p>
+            <a:pPr marL="0" marR="0" lvl="0" indent="0" algn="ctr" rtl="0">
+              <a:lnSpc>
+                <a:spcPct val="150000"/>
+              </a:lnSpc>
+              <a:spcBef>
+                <a:spcPts val="0"/>
+              </a:spcBef>
+              <a:spcAft>
+                <a:spcPts val="0"/>
+              </a:spcAft>
+              <a:buNone/>
+            </a:pPr>
             <a:r>
-              <a:rPr lang="en-US" altLang="ko-KR" sz="4400" kern="0" spc="0" dirty="0">
+              <a:rPr lang="ko-KR" altLang="en-US" sz="1600" b="1" kern="0" spc="0" dirty="0" err="1">
                 <a:solidFill>
                   <a:srgbClr val="000000"/>
                 </a:solidFill>
                 <a:effectLst/>
-                <a:latin typeface="바탕체" panose="02030609000101010101" pitchFamily="17" charset="-127"/>
+                <a:latin typeface="Do Hyeon" panose="020B0600000101010101" charset="-127"/>
+                <a:ea typeface="Do Hyeon" panose="020B0600000101010101" charset="-127"/>
               </a:rPr>
-              <a:t> </a:t>
+              <a:t>프론트엔드</a:t>
             </a:r>
             <a:r>
-              <a:rPr lang="ko-KR" altLang="en-US" sz="4400" kern="0" spc="0" dirty="0">
+              <a:rPr lang="ko-KR" altLang="en-US" sz="1600" b="1" kern="0" spc="0" dirty="0">
                 <a:solidFill>
                   <a:srgbClr val="000000"/>
                 </a:solidFill>
                 <a:effectLst/>
-                <a:ea typeface="바탕체" panose="02030609000101010101" pitchFamily="17" charset="-127"/>
+                <a:latin typeface="Do Hyeon" panose="020B0600000101010101" charset="-127"/>
+                <a:ea typeface="Do Hyeon" panose="020B0600000101010101" charset="-127"/>
               </a:rPr>
-              <a:t>훈련 </a:t>
+              <a:t> 구축</a:t>
             </a:r>
+            <a:endParaRPr sz="1600" b="1" dirty="0">
+              <a:solidFill>
+                <a:srgbClr val="B3404A"/>
+              </a:solidFill>
+              <a:latin typeface="Do Hyeon" panose="020B0600000101010101" charset="-127"/>
+              <a:ea typeface="Do Hyeon" panose="020B0600000101010101" charset="-127"/>
+              <a:cs typeface="Do Hyeon"/>
+              <a:sym typeface="Do Hyeon"/>
+            </a:endParaRPr>
+          </a:p>
+        </p:txBody>
+      </p:sp>
+      <p:sp>
+        <p:nvSpPr>
+          <p:cNvPr id="19" name="Google Shape;155;p5">
+            <a:extLst>
+              <a:ext uri="{FF2B5EF4-FFF2-40B4-BE49-F238E27FC236}">
+                <a16:creationId xmlns:a16="http://schemas.microsoft.com/office/drawing/2014/main" id="{2415290E-06E8-821B-5B4E-FA6AC04B9523}"/>
+              </a:ext>
+            </a:extLst>
+          </p:cNvPr>
+          <p:cNvSpPr/>
+          <p:nvPr/>
+        </p:nvSpPr>
+        <p:spPr>
+          <a:xfrm>
+            <a:off x="2127280" y="2247253"/>
+            <a:ext cx="895350" cy="319965"/>
+          </a:xfrm>
+          <a:prstGeom prst="roundRect">
+            <a:avLst>
+              <a:gd name="adj" fmla="val 16667"/>
+            </a:avLst>
+          </a:prstGeom>
+          <a:solidFill>
+            <a:schemeClr val="bg1"/>
+          </a:solidFill>
+          <a:ln w="9525" cap="flat" cmpd="sng">
+            <a:solidFill>
+              <a:srgbClr val="DEBB96"/>
+            </a:solidFill>
+            <a:prstDash val="solid"/>
+            <a:miter lim="800000"/>
+            <a:headEnd type="none" w="sm" len="sm"/>
+            <a:tailEnd type="none" w="sm" len="sm"/>
+          </a:ln>
+        </p:spPr>
+        <p:txBody>
+          <a:bodyPr spcFirstLastPara="1" wrap="square" lIns="91425" tIns="45700" rIns="91425" bIns="45700" anchor="ctr" anchorCtr="0">
+            <a:noAutofit/>
+          </a:bodyPr>
+          <a:lstStyle/>
+          <a:p>
+            <a:pPr marL="0" marR="0" lvl="0" indent="0" algn="ctr" rtl="0">
+              <a:spcBef>
+                <a:spcPts val="0"/>
+              </a:spcBef>
+              <a:spcAft>
+                <a:spcPts val="0"/>
+              </a:spcAft>
+              <a:buNone/>
+            </a:pPr>
             <a:r>
-              <a:rPr lang="en-US" altLang="ko-KR" sz="4400" kern="0" spc="0" dirty="0">
+              <a:rPr lang="ko-KR" altLang="en-US" b="1" dirty="0">
+                <a:latin typeface="Do Hyeon"/>
+                <a:ea typeface="Do Hyeon"/>
+                <a:sym typeface="Do Hyeon"/>
+              </a:rPr>
+              <a:t>백  준</a:t>
+            </a:r>
+            <a:endParaRPr b="1" dirty="0"/>
+          </a:p>
+        </p:txBody>
+      </p:sp>
+      <p:sp>
+        <p:nvSpPr>
+          <p:cNvPr id="20" name="Google Shape;155;p5">
+            <a:extLst>
+              <a:ext uri="{FF2B5EF4-FFF2-40B4-BE49-F238E27FC236}">
+                <a16:creationId xmlns:a16="http://schemas.microsoft.com/office/drawing/2014/main" id="{9F67BECF-6270-08F3-1813-83CBA94A5B4D}"/>
+              </a:ext>
+            </a:extLst>
+          </p:cNvPr>
+          <p:cNvSpPr/>
+          <p:nvPr/>
+        </p:nvSpPr>
+        <p:spPr>
+          <a:xfrm>
+            <a:off x="8715729" y="2247253"/>
+            <a:ext cx="1061181" cy="319965"/>
+          </a:xfrm>
+          <a:prstGeom prst="roundRect">
+            <a:avLst>
+              <a:gd name="adj" fmla="val 16667"/>
+            </a:avLst>
+          </a:prstGeom>
+          <a:solidFill>
+            <a:schemeClr val="bg1"/>
+          </a:solidFill>
+          <a:ln w="9525" cap="flat" cmpd="sng">
+            <a:solidFill>
+              <a:srgbClr val="DEBB96"/>
+            </a:solidFill>
+            <a:prstDash val="solid"/>
+            <a:miter lim="800000"/>
+            <a:headEnd type="none" w="sm" len="sm"/>
+            <a:tailEnd type="none" w="sm" len="sm"/>
+          </a:ln>
+        </p:spPr>
+        <p:txBody>
+          <a:bodyPr spcFirstLastPara="1" wrap="square" lIns="91425" tIns="45700" rIns="91425" bIns="45700" anchor="ctr" anchorCtr="0">
+            <a:noAutofit/>
+          </a:bodyPr>
+          <a:lstStyle/>
+          <a:p>
+            <a:pPr marL="0" marR="0" lvl="0" indent="0" algn="ctr" rtl="0">
+              <a:spcBef>
+                <a:spcPts val="0"/>
+              </a:spcBef>
+              <a:spcAft>
+                <a:spcPts val="0"/>
+              </a:spcAft>
+              <a:buNone/>
+            </a:pPr>
+            <a:r>
+              <a:rPr lang="ko-KR" altLang="en-US" b="1" dirty="0" err="1">
+                <a:latin typeface="Do Hyeon"/>
+                <a:ea typeface="Do Hyeon"/>
+                <a:sym typeface="Do Hyeon"/>
+              </a:rPr>
+              <a:t>강찬우</a:t>
+            </a:r>
+            <a:endParaRPr b="1" dirty="0"/>
+          </a:p>
+        </p:txBody>
+      </p:sp>
+      <p:pic>
+        <p:nvPicPr>
+          <p:cNvPr id="3" name="그림 2" descr="원, 스케치, 클립아트, 그래픽이(가) 표시된 사진&#10;&#10;자동 생성된 설명">
+            <a:extLst>
+              <a:ext uri="{FF2B5EF4-FFF2-40B4-BE49-F238E27FC236}">
+                <a16:creationId xmlns:a16="http://schemas.microsoft.com/office/drawing/2014/main" id="{A0C74467-C38A-2D0F-2068-17189FA534F4}"/>
+              </a:ext>
+            </a:extLst>
+          </p:cNvPr>
+          <p:cNvPicPr>
+            <a:picLocks noChangeAspect="1"/>
+          </p:cNvPicPr>
+          <p:nvPr/>
+        </p:nvPicPr>
+        <p:blipFill>
+          <a:blip r:embed="rId2">
+            <a:extLst>
+              <a:ext uri="{28A0092B-C50C-407E-A947-70E740481C1C}">
+                <a14:useLocalDpi xmlns:a14="http://schemas.microsoft.com/office/drawing/2010/main" val="0"/>
+              </a:ext>
+            </a:extLst>
+          </a:blip>
+          <a:stretch>
+            <a:fillRect/>
+          </a:stretch>
+        </p:blipFill>
+        <p:spPr>
+          <a:xfrm>
+            <a:off x="5244588" y="2665284"/>
+            <a:ext cx="1227011" cy="1227011"/>
+          </a:xfrm>
+          <a:prstGeom prst="rect">
+            <a:avLst/>
+          </a:prstGeom>
+        </p:spPr>
+      </p:pic>
+      <p:sp>
+        <p:nvSpPr>
+          <p:cNvPr id="4" name="Google Shape;152;p5">
+            <a:extLst>
+              <a:ext uri="{FF2B5EF4-FFF2-40B4-BE49-F238E27FC236}">
+                <a16:creationId xmlns:a16="http://schemas.microsoft.com/office/drawing/2014/main" id="{2CBFEBE2-2484-CC45-5C2A-94B390EF70F6}"/>
+              </a:ext>
+            </a:extLst>
+          </p:cNvPr>
+          <p:cNvSpPr txBox="1"/>
+          <p:nvPr/>
+        </p:nvSpPr>
+        <p:spPr>
+          <a:xfrm>
+            <a:off x="4987012" y="4539593"/>
+            <a:ext cx="1767826" cy="1200288"/>
+          </a:xfrm>
+          <a:prstGeom prst="rect">
+            <a:avLst/>
+          </a:prstGeom>
+          <a:noFill/>
+          <a:ln>
+            <a:noFill/>
+          </a:ln>
+        </p:spPr>
+        <p:txBody>
+          <a:bodyPr spcFirstLastPara="1" wrap="square" lIns="91425" tIns="45700" rIns="91425" bIns="45700" anchor="t" anchorCtr="0">
+            <a:spAutoFit/>
+          </a:bodyPr>
+          <a:lstStyle/>
+          <a:p>
+            <a:pPr marL="0" marR="0" lvl="0" indent="0" algn="ctr" rtl="0">
+              <a:lnSpc>
+                <a:spcPct val="150000"/>
+              </a:lnSpc>
+              <a:spcBef>
+                <a:spcPts val="0"/>
+              </a:spcBef>
+              <a:spcAft>
+                <a:spcPts val="0"/>
+              </a:spcAft>
+              <a:buNone/>
+            </a:pPr>
+            <a:r>
+              <a:rPr lang="ko-KR" altLang="en-US" sz="1600" b="1" kern="0" spc="0" dirty="0" err="1">
                 <a:solidFill>
                   <a:srgbClr val="000000"/>
                 </a:solidFill>
                 <a:effectLst/>
-                <a:latin typeface="바탕체" panose="02030609000101010101" pitchFamily="17" charset="-127"/>
+                <a:latin typeface="Do Hyeon" panose="020B0600000101010101" charset="-127"/>
+                <a:ea typeface="Do Hyeon" panose="020B0600000101010101" charset="-127"/>
               </a:rPr>
-              <a:t>/ </a:t>
+              <a:t>프론트엔드</a:t>
             </a:r>
             <a:r>
-              <a:rPr lang="ko-KR" altLang="en-US" sz="4400" kern="0" spc="0" dirty="0" err="1">
+              <a:rPr lang="ko-KR" altLang="en-US" sz="1600" b="1" kern="0" spc="0" dirty="0">
                 <a:solidFill>
                   <a:srgbClr val="000000"/>
                 </a:solidFill>
                 <a:effectLst/>
-                <a:ea typeface="바탕체" panose="02030609000101010101" pitchFamily="17" charset="-127"/>
+                <a:latin typeface="Do Hyeon" panose="020B0600000101010101" charset="-127"/>
+                <a:ea typeface="Do Hyeon" panose="020B0600000101010101" charset="-127"/>
               </a:rPr>
-              <a:t>프론트엔드</a:t>
+              <a:t> 구축</a:t>
             </a:r>
-            <a:endParaRPr lang="en-US" altLang="ko-KR" sz="4400" kern="0" spc="0" dirty="0">
+            <a:endParaRPr lang="en-US" altLang="ko-KR" sz="1600" b="1" kern="0" spc="0" dirty="0">
               <a:solidFill>
                 <a:srgbClr val="000000"/>
               </a:solidFill>
               <a:effectLst/>
-              <a:ea typeface="바탕체" panose="02030609000101010101" pitchFamily="17" charset="-127"/>
+              <a:latin typeface="Do Hyeon" panose="020B0600000101010101" charset="-127"/>
+              <a:ea typeface="Do Hyeon" panose="020B0600000101010101" charset="-127"/>
             </a:endParaRPr>
           </a:p>
           <a:p>
-            <a:endParaRPr lang="ko-KR" altLang="en-US" sz="4400" kern="0" spc="0" dirty="0">
-              <a:solidFill>
-                <a:srgbClr val="000000"/>
-              </a:solidFill>
-              <a:effectLst/>
-            </a:endParaRPr>
-          </a:p>
-          <a:p>
+            <a:pPr marL="0" marR="0" lvl="0" indent="0" algn="ctr" rtl="0">
+              <a:lnSpc>
+                <a:spcPct val="150000"/>
+              </a:lnSpc>
+              <a:spcBef>
+                <a:spcPts val="0"/>
+              </a:spcBef>
+              <a:spcAft>
+                <a:spcPts val="0"/>
+              </a:spcAft>
+              <a:buNone/>
+            </a:pPr>
             <a:r>
-              <a:rPr lang="ko-KR" altLang="en-US" sz="4400" kern="0" spc="0" dirty="0" err="1">
+              <a:rPr lang="ko-KR" altLang="en-US" sz="1600" b="1" kern="0" spc="0" dirty="0" err="1">
                 <a:solidFill>
                   <a:srgbClr val="000000"/>
                 </a:solidFill>
                 <a:effectLst/>
-                <a:ea typeface="바탕체" panose="02030609000101010101" pitchFamily="17" charset="-127"/>
+                <a:latin typeface="Do Hyeon" panose="020B0600000101010101" charset="-127"/>
+                <a:ea typeface="Do Hyeon" panose="020B0600000101010101" charset="-127"/>
               </a:rPr>
-              <a:t>박기창</a:t>
+              <a:t>백엔드</a:t>
             </a:r>
             <a:r>
-              <a:rPr lang="ko-KR" altLang="en-US" sz="4400" b="1" kern="0" spc="0" dirty="0">
+              <a:rPr lang="ko-KR" altLang="en-US" sz="1600" b="1" kern="0" spc="0" dirty="0">
                 <a:solidFill>
                   <a:srgbClr val="000000"/>
                 </a:solidFill>
                 <a:effectLst/>
-                <a:ea typeface="바탕체" panose="02030609000101010101" pitchFamily="17" charset="-127"/>
+                <a:latin typeface="Do Hyeon" panose="020B0600000101010101" charset="-127"/>
+                <a:ea typeface="Do Hyeon" panose="020B0600000101010101" charset="-127"/>
               </a:rPr>
-              <a:t> </a:t>
+              <a:t> 구축</a:t>
             </a:r>
+            <a:endParaRPr lang="en-US" altLang="ko-KR" sz="1600" b="1" kern="0" dirty="0">
+              <a:solidFill>
+                <a:srgbClr val="000000"/>
+              </a:solidFill>
+              <a:latin typeface="Do Hyeon" panose="020B0600000101010101" charset="-127"/>
+              <a:ea typeface="Do Hyeon" panose="020B0600000101010101" charset="-127"/>
+            </a:endParaRPr>
+          </a:p>
+          <a:p>
+            <a:pPr marL="0" marR="0" lvl="0" indent="0" algn="ctr" rtl="0">
+              <a:lnSpc>
+                <a:spcPct val="150000"/>
+              </a:lnSpc>
+              <a:spcBef>
+                <a:spcPts val="0"/>
+              </a:spcBef>
+              <a:spcAft>
+                <a:spcPts val="0"/>
+              </a:spcAft>
+              <a:buNone/>
+            </a:pPr>
             <a:r>
-              <a:rPr lang="ko-KR" altLang="en-US" sz="4400" kern="0" spc="0" dirty="0">
+              <a:rPr lang="ko-KR" altLang="en-US" sz="1600" b="1" kern="0" spc="0" dirty="0">
                 <a:solidFill>
                   <a:srgbClr val="000000"/>
                 </a:solidFill>
                 <a:effectLst/>
-                <a:ea typeface="바탕체" panose="02030609000101010101" pitchFamily="17" charset="-127"/>
-              </a:rPr>
-              <a:t>   </a:t>
-            </a:r>
-            <a:r>
-              <a:rPr lang="ko-KR" altLang="en-US" sz="4400" kern="0" spc="0" dirty="0" err="1">
-                <a:solidFill>
-                  <a:srgbClr val="000000"/>
-                </a:solidFill>
-                <a:effectLst/>
-                <a:ea typeface="바탕체" panose="02030609000101010101" pitchFamily="17" charset="-127"/>
-              </a:rPr>
-              <a:t>백엔드</a:t>
-            </a:r>
-            <a:r>
-              <a:rPr lang="ko-KR" altLang="en-US" sz="4400" kern="0" spc="0" dirty="0">
-                <a:solidFill>
-                  <a:srgbClr val="000000"/>
-                </a:solidFill>
-                <a:effectLst/>
-                <a:ea typeface="바탕체" panose="02030609000101010101" pitchFamily="17" charset="-127"/>
-              </a:rPr>
-              <a:t> </a:t>
-            </a:r>
-            <a:r>
-              <a:rPr lang="en-US" altLang="ko-KR" sz="4400" kern="0" spc="0" dirty="0">
-                <a:solidFill>
-                  <a:srgbClr val="000000"/>
-                </a:solidFill>
-                <a:effectLst/>
-                <a:latin typeface="바탕체" panose="02030609000101010101" pitchFamily="17" charset="-127"/>
-              </a:rPr>
-              <a:t>/ </a:t>
-            </a:r>
-            <a:r>
-              <a:rPr lang="ko-KR" altLang="en-US" sz="4400" kern="0" spc="0" dirty="0">
-                <a:solidFill>
-                  <a:srgbClr val="000000"/>
-                </a:solidFill>
-                <a:effectLst/>
-                <a:ea typeface="바탕체" panose="02030609000101010101" pitchFamily="17" charset="-127"/>
+                <a:latin typeface="Do Hyeon" panose="020B0600000101010101" charset="-127"/>
+                <a:ea typeface="Do Hyeon" panose="020B0600000101010101" charset="-127"/>
               </a:rPr>
               <a:t>웹사이트 연동</a:t>
             </a:r>
-            <a:endParaRPr lang="en-US" altLang="ko-KR" sz="4400" kern="0" spc="0" dirty="0">
+            <a:endParaRPr sz="1600" b="1" dirty="0">
               <a:solidFill>
-                <a:srgbClr val="000000"/>
+                <a:srgbClr val="B3404A"/>
               </a:solidFill>
-              <a:effectLst/>
-              <a:ea typeface="바탕체" panose="02030609000101010101" pitchFamily="17" charset="-127"/>
+              <a:latin typeface="Do Hyeon" panose="020B0600000101010101" charset="-127"/>
+              <a:ea typeface="Do Hyeon" panose="020B0600000101010101" charset="-127"/>
+              <a:cs typeface="Do Hyeon"/>
+              <a:sym typeface="Do Hyeon"/>
             </a:endParaRPr>
-          </a:p>
-          <a:p>
-            <a:endParaRPr lang="ko-KR" altLang="en-US" sz="4400" kern="0" spc="0" dirty="0">
-              <a:solidFill>
-                <a:srgbClr val="000000"/>
-              </a:solidFill>
-              <a:effectLst/>
-            </a:endParaRPr>
-          </a:p>
-          <a:p>
-            <a:r>
-              <a:rPr lang="ko-KR" altLang="en-US" sz="4400" kern="0" spc="0" dirty="0">
-                <a:solidFill>
-                  <a:srgbClr val="000000"/>
-                </a:solidFill>
-                <a:effectLst/>
-                <a:ea typeface="바탕체" panose="02030609000101010101" pitchFamily="17" charset="-127"/>
-              </a:rPr>
-              <a:t>백  준</a:t>
-            </a:r>
-            <a:r>
-              <a:rPr lang="ko-KR" altLang="en-US" sz="4400" b="1" kern="0" spc="0" dirty="0">
-                <a:solidFill>
-                  <a:srgbClr val="000000"/>
-                </a:solidFill>
-                <a:effectLst/>
-                <a:ea typeface="바탕체" panose="02030609000101010101" pitchFamily="17" charset="-127"/>
-              </a:rPr>
-              <a:t>     </a:t>
-            </a:r>
-            <a:r>
-              <a:rPr lang="ko-KR" altLang="en-US" sz="4400" kern="0" spc="0" dirty="0" err="1">
-                <a:solidFill>
-                  <a:srgbClr val="000000"/>
-                </a:solidFill>
-                <a:effectLst/>
-                <a:ea typeface="바탕체" panose="02030609000101010101" pitchFamily="17" charset="-127"/>
-              </a:rPr>
-              <a:t>백엔드</a:t>
-            </a:r>
-            <a:r>
-              <a:rPr lang="ko-KR" altLang="en-US" sz="4400" kern="0" spc="0" dirty="0">
-                <a:solidFill>
-                  <a:srgbClr val="000000"/>
-                </a:solidFill>
-                <a:effectLst/>
-                <a:ea typeface="바탕체" panose="02030609000101010101" pitchFamily="17" charset="-127"/>
-              </a:rPr>
-              <a:t> </a:t>
-            </a:r>
-            <a:r>
-              <a:rPr lang="en-US" altLang="ko-KR" sz="4400" kern="0" spc="0" dirty="0">
-                <a:solidFill>
-                  <a:srgbClr val="000000"/>
-                </a:solidFill>
-                <a:effectLst/>
-                <a:latin typeface="바탕체" panose="02030609000101010101" pitchFamily="17" charset="-127"/>
-              </a:rPr>
-              <a:t>/ API </a:t>
-            </a:r>
-            <a:r>
-              <a:rPr lang="ko-KR" altLang="en-US" sz="4400" kern="0" spc="0" dirty="0">
-                <a:solidFill>
-                  <a:srgbClr val="000000"/>
-                </a:solidFill>
-                <a:effectLst/>
-                <a:ea typeface="바탕체" panose="02030609000101010101" pitchFamily="17" charset="-127"/>
-              </a:rPr>
-              <a:t>키 발급</a:t>
-            </a:r>
-            <a:endParaRPr lang="ko-KR" altLang="en-US" sz="4400" kern="0" spc="0" dirty="0">
-              <a:solidFill>
-                <a:srgbClr val="000000"/>
-              </a:solidFill>
-              <a:effectLst/>
-            </a:endParaRPr>
-          </a:p>
-          <a:p>
-            <a:pPr marL="0" indent="0">
-              <a:buNone/>
-            </a:pPr>
-            <a:endParaRPr lang="en-US" altLang="ko-KR" b="1" dirty="0"/>
-          </a:p>
-          <a:p>
-            <a:pPr marL="0" indent="0">
-              <a:buNone/>
-            </a:pPr>
-            <a:endParaRPr lang="ko-KR" altLang="en-US" b="1" dirty="0"/>
           </a:p>
         </p:txBody>
       </p:sp>
+      <p:sp>
+        <p:nvSpPr>
+          <p:cNvPr id="6" name="Google Shape;155;p5">
+            <a:extLst>
+              <a:ext uri="{FF2B5EF4-FFF2-40B4-BE49-F238E27FC236}">
+                <a16:creationId xmlns:a16="http://schemas.microsoft.com/office/drawing/2014/main" id="{3440CDD3-8539-2F74-1983-A661DBAB89DF}"/>
+              </a:ext>
+            </a:extLst>
+          </p:cNvPr>
+          <p:cNvSpPr/>
+          <p:nvPr/>
+        </p:nvSpPr>
+        <p:spPr>
+          <a:xfrm>
+            <a:off x="5315729" y="2247253"/>
+            <a:ext cx="1069030" cy="319965"/>
+          </a:xfrm>
+          <a:prstGeom prst="roundRect">
+            <a:avLst>
+              <a:gd name="adj" fmla="val 16667"/>
+            </a:avLst>
+          </a:prstGeom>
+          <a:solidFill>
+            <a:schemeClr val="bg1"/>
+          </a:solidFill>
+          <a:ln w="9525" cap="flat" cmpd="sng">
+            <a:solidFill>
+              <a:srgbClr val="DEBB96"/>
+            </a:solidFill>
+            <a:prstDash val="solid"/>
+            <a:miter lim="800000"/>
+            <a:headEnd type="none" w="sm" len="sm"/>
+            <a:tailEnd type="none" w="sm" len="sm"/>
+          </a:ln>
+        </p:spPr>
+        <p:txBody>
+          <a:bodyPr spcFirstLastPara="1" wrap="square" lIns="91425" tIns="45700" rIns="91425" bIns="45700" anchor="ctr" anchorCtr="0">
+            <a:noAutofit/>
+          </a:bodyPr>
+          <a:lstStyle/>
+          <a:p>
+            <a:pPr marL="0" marR="0" lvl="0" indent="0" algn="ctr" rtl="0">
+              <a:spcBef>
+                <a:spcPts val="0"/>
+              </a:spcBef>
+              <a:spcAft>
+                <a:spcPts val="0"/>
+              </a:spcAft>
+              <a:buNone/>
+            </a:pPr>
+            <a:r>
+              <a:rPr lang="ko-KR" altLang="en-US" b="1" dirty="0">
+                <a:latin typeface="Do Hyeon"/>
+                <a:ea typeface="Do Hyeon"/>
+                <a:sym typeface="Do Hyeon"/>
+              </a:rPr>
+              <a:t>박기창</a:t>
+            </a:r>
+            <a:endParaRPr b="1" dirty="0"/>
+          </a:p>
+        </p:txBody>
+      </p:sp>
+      <p:cxnSp>
+        <p:nvCxnSpPr>
+          <p:cNvPr id="12" name="Google Shape;151;p5">
+            <a:extLst>
+              <a:ext uri="{FF2B5EF4-FFF2-40B4-BE49-F238E27FC236}">
+                <a16:creationId xmlns:a16="http://schemas.microsoft.com/office/drawing/2014/main" id="{1BF05586-839E-7D29-60BA-23CBF215370C}"/>
+              </a:ext>
+            </a:extLst>
+          </p:cNvPr>
+          <p:cNvCxnSpPr>
+            <a:cxnSpLocks/>
+          </p:cNvCxnSpPr>
+          <p:nvPr/>
+        </p:nvCxnSpPr>
+        <p:spPr>
+          <a:xfrm>
+            <a:off x="5904829" y="3990358"/>
+            <a:ext cx="0" cy="592511"/>
+          </a:xfrm>
+          <a:prstGeom prst="straightConnector1">
+            <a:avLst/>
+          </a:prstGeom>
+          <a:noFill/>
+          <a:ln w="9525" cap="flat" cmpd="sng">
+            <a:solidFill>
+              <a:srgbClr val="1097D0"/>
+            </a:solidFill>
+            <a:prstDash val="dot"/>
+            <a:miter lim="800000"/>
+            <a:headEnd type="none" w="sm" len="sm"/>
+            <a:tailEnd type="triangle" w="med" len="med"/>
+          </a:ln>
+        </p:spPr>
+      </p:cxnSp>
     </p:spTree>
     <p:extLst>
       <p:ext uri="{BB962C8B-B14F-4D97-AF65-F5344CB8AC3E}">
-        <p14:creationId xmlns:p14="http://schemas.microsoft.com/office/powerpoint/2010/main" val="497221360"/>
+        <p14:creationId xmlns:p14="http://schemas.microsoft.com/office/powerpoint/2010/main" val="2183814921"/>
       </p:ext>
     </p:extLst>
   </p:cSld>
@@ -17941,7 +18234,7 @@
           <a:p>
             <a:r>
               <a:rPr lang="ko-KR" altLang="en-US" dirty="0"/>
-              <a:t>주제 선정 배경</a:t>
+              <a:t>개발 동기 및 필요성</a:t>
             </a:r>
           </a:p>
         </p:txBody>
@@ -17990,7 +18283,7 @@
         <p:spPr>
           <a:xfrm>
             <a:off x="6381946" y="3223727"/>
-            <a:ext cx="1743959" cy="869623"/>
+            <a:ext cx="1743959" cy="565469"/>
           </a:xfrm>
           <a:prstGeom prst="rightArrow">
             <a:avLst/>
@@ -18230,7 +18523,7 @@
           <p:cNvPr id="2" name="제목 1">
             <a:extLst>
               <a:ext uri="{FF2B5EF4-FFF2-40B4-BE49-F238E27FC236}">
-                <a16:creationId xmlns:a16="http://schemas.microsoft.com/office/drawing/2014/main" id="{59DA4025-F9D4-2B8C-9014-C0AF3906936E}"/>
+                <a16:creationId xmlns:a16="http://schemas.microsoft.com/office/drawing/2014/main" id="{3FAEA396-DAFA-7F60-C8B5-EA3BB30F5626}"/>
               </a:ext>
             </a:extLst>
           </p:cNvPr>
@@ -18247,18 +18540,437 @@
           <a:lstStyle/>
           <a:p>
             <a:r>
-              <a:rPr lang="en-US" altLang="ko-KR" dirty="0"/>
-              <a:t>Chat GPT</a:t>
+              <a:rPr lang="ko-KR" altLang="en-US" dirty="0"/>
+              <a:t>개발 동기 및 필요성</a:t>
             </a:r>
+          </a:p>
+        </p:txBody>
+      </p:sp>
+      <p:sp>
+        <p:nvSpPr>
+          <p:cNvPr id="3" name="TextBox 2">
+            <a:extLst>
+              <a:ext uri="{FF2B5EF4-FFF2-40B4-BE49-F238E27FC236}">
+                <a16:creationId xmlns:a16="http://schemas.microsoft.com/office/drawing/2014/main" id="{DC6C1C1C-EEA7-7DBF-21D7-0CA6F8A19920}"/>
+              </a:ext>
+            </a:extLst>
+          </p:cNvPr>
+          <p:cNvSpPr txBox="1"/>
+          <p:nvPr/>
+        </p:nvSpPr>
+        <p:spPr>
+          <a:xfrm>
+            <a:off x="999306" y="2616871"/>
+            <a:ext cx="1528356" cy="461665"/>
+          </a:xfrm>
+          <a:prstGeom prst="rect">
+            <a:avLst/>
+          </a:prstGeom>
+          <a:noFill/>
+        </p:spPr>
+        <p:txBody>
+          <a:bodyPr wrap="square" rtlCol="0">
+            <a:spAutoFit/>
+          </a:bodyPr>
+          <a:lstStyle/>
+          <a:p>
+            <a:r>
+              <a:rPr lang="ko-KR" altLang="en-US" sz="2400" b="1" dirty="0"/>
+              <a:t>수강 정보</a:t>
+            </a:r>
+          </a:p>
+        </p:txBody>
+      </p:sp>
+      <p:cxnSp>
+        <p:nvCxnSpPr>
+          <p:cNvPr id="5" name="직선 화살표 연결선 4">
+            <a:extLst>
+              <a:ext uri="{FF2B5EF4-FFF2-40B4-BE49-F238E27FC236}">
+                <a16:creationId xmlns:a16="http://schemas.microsoft.com/office/drawing/2014/main" id="{78D57584-1244-8BD5-89F1-21CCDBF855F0}"/>
+              </a:ext>
+            </a:extLst>
+          </p:cNvPr>
+          <p:cNvCxnSpPr/>
+          <p:nvPr/>
+        </p:nvCxnSpPr>
+        <p:spPr>
+          <a:xfrm>
+            <a:off x="2795451" y="2847704"/>
+            <a:ext cx="1685109" cy="0"/>
+          </a:xfrm>
+          <a:prstGeom prst="straightConnector1">
+            <a:avLst/>
+          </a:prstGeom>
+          <a:ln>
+            <a:tailEnd type="triangle"/>
+          </a:ln>
+        </p:spPr>
+        <p:style>
+          <a:lnRef idx="1">
+            <a:schemeClr val="accent1"/>
+          </a:lnRef>
+          <a:fillRef idx="0">
+            <a:schemeClr val="accent1"/>
+          </a:fillRef>
+          <a:effectRef idx="0">
+            <a:schemeClr val="accent1"/>
+          </a:effectRef>
+          <a:fontRef idx="minor">
+            <a:schemeClr val="tx1"/>
+          </a:fontRef>
+        </p:style>
+      </p:cxnSp>
+      <p:pic>
+        <p:nvPicPr>
+          <p:cNvPr id="11" name="그림 10" descr="필기구, 연필이(가) 표시된 사진&#10;&#10;자동 생성된 설명">
+            <a:extLst>
+              <a:ext uri="{FF2B5EF4-FFF2-40B4-BE49-F238E27FC236}">
+                <a16:creationId xmlns:a16="http://schemas.microsoft.com/office/drawing/2014/main" id="{062FA7C4-B71F-6C68-9296-E69B20418082}"/>
+              </a:ext>
+            </a:extLst>
+          </p:cNvPr>
+          <p:cNvPicPr>
+            <a:picLocks noChangeAspect="1"/>
+          </p:cNvPicPr>
+          <p:nvPr/>
+        </p:nvPicPr>
+        <p:blipFill>
+          <a:blip r:embed="rId2">
+            <a:extLst>
+              <a:ext uri="{28A0092B-C50C-407E-A947-70E740481C1C}">
+                <a14:useLocalDpi xmlns:a14="http://schemas.microsoft.com/office/drawing/2010/main" val="0"/>
+              </a:ext>
+            </a:extLst>
+          </a:blip>
+          <a:stretch>
+            <a:fillRect/>
+          </a:stretch>
+        </p:blipFill>
+        <p:spPr>
+          <a:xfrm>
+            <a:off x="8470979" y="2005148"/>
+            <a:ext cx="1685110" cy="1685110"/>
+          </a:xfrm>
+          <a:prstGeom prst="rect">
+            <a:avLst/>
+          </a:prstGeom>
+        </p:spPr>
+      </p:pic>
+      <p:sp>
+        <p:nvSpPr>
+          <p:cNvPr id="12" name="TextBox 11">
+            <a:extLst>
+              <a:ext uri="{FF2B5EF4-FFF2-40B4-BE49-F238E27FC236}">
+                <a16:creationId xmlns:a16="http://schemas.microsoft.com/office/drawing/2014/main" id="{5EA78742-B2FC-9D06-7132-56F2E720A971}"/>
+              </a:ext>
+            </a:extLst>
+          </p:cNvPr>
+          <p:cNvSpPr txBox="1"/>
+          <p:nvPr/>
+        </p:nvSpPr>
+        <p:spPr>
+          <a:xfrm>
+            <a:off x="999306" y="4872391"/>
+            <a:ext cx="1528356" cy="461665"/>
+          </a:xfrm>
+          <a:prstGeom prst="rect">
+            <a:avLst/>
+          </a:prstGeom>
+          <a:noFill/>
+        </p:spPr>
+        <p:txBody>
+          <a:bodyPr wrap="square" rtlCol="0">
+            <a:spAutoFit/>
+          </a:bodyPr>
+          <a:lstStyle/>
+          <a:p>
+            <a:r>
+              <a:rPr lang="ko-KR" altLang="en-US" sz="2400" b="1" dirty="0"/>
+              <a:t>수강 정보</a:t>
+            </a:r>
+          </a:p>
+        </p:txBody>
+      </p:sp>
+      <p:cxnSp>
+        <p:nvCxnSpPr>
+          <p:cNvPr id="13" name="직선 화살표 연결선 12">
+            <a:extLst>
+              <a:ext uri="{FF2B5EF4-FFF2-40B4-BE49-F238E27FC236}">
+                <a16:creationId xmlns:a16="http://schemas.microsoft.com/office/drawing/2014/main" id="{FEB77164-D83B-0753-5AEC-3FFD8D29224B}"/>
+              </a:ext>
+            </a:extLst>
+          </p:cNvPr>
+          <p:cNvCxnSpPr/>
+          <p:nvPr/>
+        </p:nvCxnSpPr>
+        <p:spPr>
+          <a:xfrm>
+            <a:off x="2795450" y="5072744"/>
+            <a:ext cx="1685109" cy="0"/>
+          </a:xfrm>
+          <a:prstGeom prst="straightConnector1">
+            <a:avLst/>
+          </a:prstGeom>
+          <a:ln>
+            <a:tailEnd type="triangle"/>
+          </a:ln>
+        </p:spPr>
+        <p:style>
+          <a:lnRef idx="1">
+            <a:schemeClr val="accent1"/>
+          </a:lnRef>
+          <a:fillRef idx="0">
+            <a:schemeClr val="accent1"/>
+          </a:fillRef>
+          <a:effectRef idx="0">
+            <a:schemeClr val="accent1"/>
+          </a:effectRef>
+          <a:fontRef idx="minor">
+            <a:schemeClr val="tx1"/>
+          </a:fontRef>
+        </p:style>
+      </p:cxnSp>
+      <p:pic>
+        <p:nvPicPr>
+          <p:cNvPr id="15" name="그림 14" descr="상징, 라인, 폰트, 디자인이(가) 표시된 사진&#10;&#10;자동 생성된 설명">
+            <a:extLst>
+              <a:ext uri="{FF2B5EF4-FFF2-40B4-BE49-F238E27FC236}">
+                <a16:creationId xmlns:a16="http://schemas.microsoft.com/office/drawing/2014/main" id="{A9EFEB79-E948-B16F-3408-0910A04683BD}"/>
+              </a:ext>
+            </a:extLst>
+          </p:cNvPr>
+          <p:cNvPicPr>
+            <a:picLocks noChangeAspect="1"/>
+          </p:cNvPicPr>
+          <p:nvPr/>
+        </p:nvPicPr>
+        <p:blipFill>
+          <a:blip r:embed="rId3">
+            <a:extLst>
+              <a:ext uri="{28A0092B-C50C-407E-A947-70E740481C1C}">
+                <a14:useLocalDpi xmlns:a14="http://schemas.microsoft.com/office/drawing/2010/main" val="0"/>
+              </a:ext>
+            </a:extLst>
+          </a:blip>
+          <a:stretch>
+            <a:fillRect/>
+          </a:stretch>
+        </p:blipFill>
+        <p:spPr>
+          <a:xfrm>
+            <a:off x="8374985" y="4134194"/>
+            <a:ext cx="1877099" cy="1877099"/>
+          </a:xfrm>
+          <a:prstGeom prst="rect">
+            <a:avLst/>
+          </a:prstGeom>
+        </p:spPr>
+      </p:pic>
+      <p:cxnSp>
+        <p:nvCxnSpPr>
+          <p:cNvPr id="17" name="직선 화살표 연결선 16">
+            <a:extLst>
+              <a:ext uri="{FF2B5EF4-FFF2-40B4-BE49-F238E27FC236}">
+                <a16:creationId xmlns:a16="http://schemas.microsoft.com/office/drawing/2014/main" id="{B8792281-B753-917B-C513-88EDA56819B1}"/>
+              </a:ext>
+            </a:extLst>
+          </p:cNvPr>
+          <p:cNvCxnSpPr/>
+          <p:nvPr/>
+        </p:nvCxnSpPr>
+        <p:spPr>
+          <a:xfrm>
+            <a:off x="6357256" y="2815494"/>
+            <a:ext cx="1685109" cy="0"/>
+          </a:xfrm>
+          <a:prstGeom prst="straightConnector1">
+            <a:avLst/>
+          </a:prstGeom>
+          <a:ln>
+            <a:tailEnd type="triangle"/>
+          </a:ln>
+        </p:spPr>
+        <p:style>
+          <a:lnRef idx="1">
+            <a:schemeClr val="accent1"/>
+          </a:lnRef>
+          <a:fillRef idx="0">
+            <a:schemeClr val="accent1"/>
+          </a:fillRef>
+          <a:effectRef idx="0">
+            <a:schemeClr val="accent1"/>
+          </a:effectRef>
+          <a:fontRef idx="minor">
+            <a:schemeClr val="tx1"/>
+          </a:fontRef>
+        </p:style>
+      </p:cxnSp>
+      <p:cxnSp>
+        <p:nvCxnSpPr>
+          <p:cNvPr id="18" name="직선 화살표 연결선 17">
+            <a:extLst>
+              <a:ext uri="{FF2B5EF4-FFF2-40B4-BE49-F238E27FC236}">
+                <a16:creationId xmlns:a16="http://schemas.microsoft.com/office/drawing/2014/main" id="{ADC21003-16D1-984A-77D3-039E413001FA}"/>
+              </a:ext>
+            </a:extLst>
+          </p:cNvPr>
+          <p:cNvCxnSpPr/>
+          <p:nvPr/>
+        </p:nvCxnSpPr>
+        <p:spPr>
+          <a:xfrm>
+            <a:off x="6357256" y="5103223"/>
+            <a:ext cx="1685109" cy="0"/>
+          </a:xfrm>
+          <a:prstGeom prst="straightConnector1">
+            <a:avLst/>
+          </a:prstGeom>
+          <a:ln>
+            <a:tailEnd type="triangle"/>
+          </a:ln>
+        </p:spPr>
+        <p:style>
+          <a:lnRef idx="1">
+            <a:schemeClr val="accent1"/>
+          </a:lnRef>
+          <a:fillRef idx="0">
+            <a:schemeClr val="accent1"/>
+          </a:fillRef>
+          <a:effectRef idx="0">
+            <a:schemeClr val="accent1"/>
+          </a:effectRef>
+          <a:fontRef idx="minor">
+            <a:schemeClr val="tx1"/>
+          </a:fontRef>
+        </p:style>
+      </p:cxnSp>
+      <p:pic>
+        <p:nvPicPr>
+          <p:cNvPr id="20" name="그림 19" descr="상징, 로고, 폰트, 그래픽이(가) 표시된 사진&#10;&#10;자동 생성된 설명">
+            <a:extLst>
+              <a:ext uri="{FF2B5EF4-FFF2-40B4-BE49-F238E27FC236}">
+                <a16:creationId xmlns:a16="http://schemas.microsoft.com/office/drawing/2014/main" id="{FB69085D-963C-F415-E72B-891C0FCA1092}"/>
+              </a:ext>
+            </a:extLst>
+          </p:cNvPr>
+          <p:cNvPicPr>
+            <a:picLocks noChangeAspect="1"/>
+          </p:cNvPicPr>
+          <p:nvPr/>
+        </p:nvPicPr>
+        <p:blipFill>
+          <a:blip r:embed="rId4">
+            <a:extLst>
+              <a:ext uri="{28A0092B-C50C-407E-A947-70E740481C1C}">
+                <a14:useLocalDpi xmlns:a14="http://schemas.microsoft.com/office/drawing/2010/main" val="0"/>
+              </a:ext>
+            </a:extLst>
+          </a:blip>
+          <a:stretch>
+            <a:fillRect/>
+          </a:stretch>
+        </p:blipFill>
+        <p:spPr>
+          <a:xfrm>
+            <a:off x="4699072" y="4409962"/>
+            <a:ext cx="1325564" cy="1325564"/>
+          </a:xfrm>
+          <a:prstGeom prst="rect">
+            <a:avLst/>
+          </a:prstGeom>
+        </p:spPr>
+      </p:pic>
+      <p:pic>
+        <p:nvPicPr>
+          <p:cNvPr id="21" name="그림 20" descr="원, 스케치, 클립아트, 그래픽이(가) 표시된 사진&#10;&#10;자동 생성된 설명">
+            <a:extLst>
+              <a:ext uri="{FF2B5EF4-FFF2-40B4-BE49-F238E27FC236}">
+                <a16:creationId xmlns:a16="http://schemas.microsoft.com/office/drawing/2014/main" id="{B6CB73F9-50E8-B5FE-A1CD-14D578E3BFFB}"/>
+              </a:ext>
+            </a:extLst>
+          </p:cNvPr>
+          <p:cNvPicPr>
+            <a:picLocks noChangeAspect="1"/>
+          </p:cNvPicPr>
+          <p:nvPr/>
+        </p:nvPicPr>
+        <p:blipFill>
+          <a:blip r:embed="rId5">
+            <a:extLst>
+              <a:ext uri="{28A0092B-C50C-407E-A947-70E740481C1C}">
+                <a14:useLocalDpi xmlns:a14="http://schemas.microsoft.com/office/drawing/2010/main" val="0"/>
+              </a:ext>
+            </a:extLst>
+          </a:blip>
+          <a:stretch>
+            <a:fillRect/>
+          </a:stretch>
+        </p:blipFill>
+        <p:spPr>
+          <a:xfrm>
+            <a:off x="4748349" y="2201989"/>
+            <a:ext cx="1227011" cy="1227011"/>
+          </a:xfrm>
+          <a:prstGeom prst="rect">
+            <a:avLst/>
+          </a:prstGeom>
+        </p:spPr>
+      </p:pic>
+    </p:spTree>
+    <p:extLst>
+      <p:ext uri="{BB962C8B-B14F-4D97-AF65-F5344CB8AC3E}">
+        <p14:creationId xmlns:p14="http://schemas.microsoft.com/office/powerpoint/2010/main" val="1809059386"/>
+      </p:ext>
+    </p:extLst>
+  </p:cSld>
+  <p:clrMapOvr>
+    <a:masterClrMapping/>
+  </p:clrMapOvr>
+</p:sld>
+</file>
+
+<file path=ppt/slides/slide6.xml><?xml version="1.0" encoding="utf-8"?>
+<p:sld xmlns:a="http://schemas.openxmlformats.org/drawingml/2006/main" xmlns:r="http://schemas.openxmlformats.org/officeDocument/2006/relationships" xmlns:p="http://schemas.openxmlformats.org/presentationml/2006/main">
+  <p:cSld>
+    <p:spTree>
+      <p:nvGrpSpPr>
+        <p:cNvPr id="1" name=""/>
+        <p:cNvGrpSpPr/>
+        <p:nvPr/>
+      </p:nvGrpSpPr>
+      <p:grpSpPr>
+        <a:xfrm>
+          <a:off x="0" y="0"/>
+          <a:ext cx="0" cy="0"/>
+          <a:chOff x="0" y="0"/>
+          <a:chExt cx="0" cy="0"/>
+        </a:xfrm>
+      </p:grpSpPr>
+      <p:sp>
+        <p:nvSpPr>
+          <p:cNvPr id="2" name="제목 1">
+            <a:extLst>
+              <a:ext uri="{FF2B5EF4-FFF2-40B4-BE49-F238E27FC236}">
+                <a16:creationId xmlns:a16="http://schemas.microsoft.com/office/drawing/2014/main" id="{6BF5184B-C63A-E7C5-34AB-A4DB210640C4}"/>
+              </a:ext>
+            </a:extLst>
+          </p:cNvPr>
+          <p:cNvSpPr>
+            <a:spLocks noGrp="1"/>
+          </p:cNvSpPr>
+          <p:nvPr>
+            <p:ph type="title"/>
+          </p:nvPr>
+        </p:nvSpPr>
+        <p:spPr/>
+        <p:txBody>
+          <a:bodyPr/>
+          <a:lstStyle/>
+          <a:p>
             <a:r>
               <a:rPr lang="ko-KR" altLang="en-US" dirty="0"/>
-              <a:t>란</a:t>
+              <a:t>프로젝트 소개</a:t>
             </a:r>
-            <a:r>
-              <a:rPr lang="en-US" altLang="ko-KR" dirty="0"/>
-              <a:t>?</a:t>
-            </a:r>
-            <a:endParaRPr lang="ko-KR" altLang="en-US" dirty="0"/>
           </a:p>
         </p:txBody>
       </p:sp>
@@ -18267,7 +18979,7 @@
           <p:cNvPr id="3" name="내용 개체 틀 2">
             <a:extLst>
               <a:ext uri="{FF2B5EF4-FFF2-40B4-BE49-F238E27FC236}">
-                <a16:creationId xmlns:a16="http://schemas.microsoft.com/office/drawing/2014/main" id="{99AE88E9-6F05-786F-6091-55F0B519567C}"/>
+                <a16:creationId xmlns:a16="http://schemas.microsoft.com/office/drawing/2014/main" id="{B82FDE3A-1853-CD38-851D-DD9A2BD00726}"/>
               </a:ext>
             </a:extLst>
           </p:cNvPr>
@@ -18305,301 +19017,16 @@
               <a:buNone/>
             </a:pPr>
             <a:r>
-              <a:rPr lang="en-US" altLang="ko-KR" dirty="0"/>
-              <a:t>					</a:t>
-            </a:r>
-            <a:r>
-              <a:rPr lang="en-US" altLang="ko-KR" b="1" dirty="0"/>
-              <a:t>GPT</a:t>
-            </a:r>
-          </a:p>
-          <a:p>
-            <a:pPr marL="0" indent="0">
-              <a:buNone/>
-            </a:pPr>
-            <a:endParaRPr lang="en-US" altLang="ko-KR" b="1" dirty="0"/>
-          </a:p>
-          <a:p>
-            <a:pPr marL="0" indent="0">
-              <a:buNone/>
-            </a:pPr>
-            <a:r>
-              <a:rPr lang="en-US" altLang="ko-KR" b="1" dirty="0"/>
-              <a:t>					  =</a:t>
-            </a:r>
-          </a:p>
-          <a:p>
-            <a:pPr marL="0" indent="0">
-              <a:buNone/>
-            </a:pPr>
-            <a:endParaRPr lang="en-US" altLang="ko-KR" b="1" dirty="0"/>
-          </a:p>
-          <a:p>
-            <a:pPr marL="0" indent="0">
-              <a:buNone/>
-            </a:pPr>
-            <a:r>
-              <a:rPr lang="en-US" altLang="ko-KR" b="1" dirty="0"/>
-              <a:t>		    </a:t>
-            </a:r>
-            <a:r>
-              <a:rPr lang="en-US" altLang="ko-KR" b="1" dirty="0" err="1"/>
-              <a:t>OpenAI</a:t>
-            </a:r>
-            <a:r>
-              <a:rPr lang="ko-KR" altLang="en-US" b="1" dirty="0"/>
-              <a:t>에서 만든 초거대 언어 모델</a:t>
+              <a:rPr lang="ko-KR" altLang="en-US" dirty="0"/>
+              <a:t>인공지능 기반 시간표 구축 웹사이트</a:t>
             </a:r>
           </a:p>
         </p:txBody>
       </p:sp>
-      <p:pic>
-        <p:nvPicPr>
-          <p:cNvPr id="5" name="Picture 4">
-            <a:extLst>
-              <a:ext uri="{FF2B5EF4-FFF2-40B4-BE49-F238E27FC236}">
-                <a16:creationId xmlns:a16="http://schemas.microsoft.com/office/drawing/2014/main" id="{BA43BFD6-BB19-10A7-FD03-042612BDA56F}"/>
-              </a:ext>
-            </a:extLst>
-          </p:cNvPr>
-          <p:cNvPicPr>
-            <a:picLocks noChangeAspect="1" noChangeArrowheads="1"/>
-          </p:cNvPicPr>
-          <p:nvPr/>
-        </p:nvPicPr>
-        <p:blipFill>
-          <a:blip r:embed="rId2">
-            <a:extLst>
-              <a:ext uri="{28A0092B-C50C-407E-A947-70E740481C1C}">
-                <a14:useLocalDpi xmlns:a14="http://schemas.microsoft.com/office/drawing/2010/main" val="0"/>
-              </a:ext>
-            </a:extLst>
-          </a:blip>
-          <a:srcRect/>
-          <a:stretch>
-            <a:fillRect/>
-          </a:stretch>
-        </p:blipFill>
-        <p:spPr bwMode="auto">
-          <a:xfrm>
-            <a:off x="4541253" y="2166983"/>
-            <a:ext cx="2437140" cy="597180"/>
-          </a:xfrm>
-          <a:prstGeom prst="rect">
-            <a:avLst/>
-          </a:prstGeom>
-          <a:noFill/>
-          <a:extLst>
-            <a:ext uri="{909E8E84-426E-40DD-AFC4-6F175D3DCCD1}">
-              <a14:hiddenFill xmlns:a14="http://schemas.microsoft.com/office/drawing/2010/main">
-                <a:solidFill>
-                  <a:srgbClr val="FFFFFF"/>
-                </a:solidFill>
-              </a14:hiddenFill>
-            </a:ext>
-          </a:extLst>
-        </p:spPr>
-      </p:pic>
     </p:spTree>
     <p:extLst>
       <p:ext uri="{BB962C8B-B14F-4D97-AF65-F5344CB8AC3E}">
-        <p14:creationId xmlns:p14="http://schemas.microsoft.com/office/powerpoint/2010/main" val="396105144"/>
-      </p:ext>
-    </p:extLst>
-  </p:cSld>
-  <p:clrMapOvr>
-    <a:masterClrMapping/>
-  </p:clrMapOvr>
-</p:sld>
-</file>
-
-<file path=ppt/slides/slide6.xml><?xml version="1.0" encoding="utf-8"?>
-<p:sld xmlns:a="http://schemas.openxmlformats.org/drawingml/2006/main" xmlns:r="http://schemas.openxmlformats.org/officeDocument/2006/relationships" xmlns:p="http://schemas.openxmlformats.org/presentationml/2006/main">
-  <p:cSld>
-    <p:spTree>
-      <p:nvGrpSpPr>
-        <p:cNvPr id="1" name=""/>
-        <p:cNvGrpSpPr/>
-        <p:nvPr/>
-      </p:nvGrpSpPr>
-      <p:grpSpPr>
-        <a:xfrm>
-          <a:off x="0" y="0"/>
-          <a:ext cx="0" cy="0"/>
-          <a:chOff x="0" y="0"/>
-          <a:chExt cx="0" cy="0"/>
-        </a:xfrm>
-      </p:grpSpPr>
-      <p:sp>
-        <p:nvSpPr>
-          <p:cNvPr id="2" name="제목 1">
-            <a:extLst>
-              <a:ext uri="{FF2B5EF4-FFF2-40B4-BE49-F238E27FC236}">
-                <a16:creationId xmlns:a16="http://schemas.microsoft.com/office/drawing/2014/main" id="{03FD9CA1-CADB-EBEE-D4A4-2E0A748DB17A}"/>
-              </a:ext>
-            </a:extLst>
-          </p:cNvPr>
-          <p:cNvSpPr>
-            <a:spLocks noGrp="1"/>
-          </p:cNvSpPr>
-          <p:nvPr>
-            <p:ph type="title"/>
-          </p:nvPr>
-        </p:nvSpPr>
-        <p:spPr/>
-        <p:txBody>
-          <a:bodyPr/>
-          <a:lstStyle/>
-          <a:p>
-            <a:r>
-              <a:rPr lang="en-US" altLang="ko-KR" dirty="0"/>
-              <a:t>Chat GPT</a:t>
-            </a:r>
-            <a:r>
-              <a:rPr lang="ko-KR" altLang="en-US" dirty="0"/>
-              <a:t>란</a:t>
-            </a:r>
-            <a:r>
-              <a:rPr lang="en-US" altLang="ko-KR" dirty="0"/>
-              <a:t>?</a:t>
-            </a:r>
-            <a:endParaRPr lang="ko-KR" altLang="en-US" dirty="0"/>
-          </a:p>
-        </p:txBody>
-      </p:sp>
-      <p:sp>
-        <p:nvSpPr>
-          <p:cNvPr id="3" name="내용 개체 틀 2">
-            <a:extLst>
-              <a:ext uri="{FF2B5EF4-FFF2-40B4-BE49-F238E27FC236}">
-                <a16:creationId xmlns:a16="http://schemas.microsoft.com/office/drawing/2014/main" id="{5206173F-BA3A-93E6-8BFE-8A1E2077387C}"/>
-              </a:ext>
-            </a:extLst>
-          </p:cNvPr>
-          <p:cNvSpPr>
-            <a:spLocks noGrp="1"/>
-          </p:cNvSpPr>
-          <p:nvPr>
-            <p:ph idx="1"/>
-          </p:nvPr>
-        </p:nvSpPr>
-        <p:spPr/>
-        <p:txBody>
-          <a:bodyPr/>
-          <a:lstStyle/>
-          <a:p>
-            <a:pPr marL="0" indent="0">
-              <a:buNone/>
-            </a:pPr>
-            <a:endParaRPr lang="en-US" altLang="ko-KR" dirty="0"/>
-          </a:p>
-          <a:p>
-            <a:pPr marL="0" indent="0">
-              <a:buNone/>
-            </a:pPr>
-            <a:endParaRPr lang="en-US" altLang="ko-KR" dirty="0"/>
-          </a:p>
-          <a:p>
-            <a:pPr marL="0" indent="0">
-              <a:buNone/>
-            </a:pPr>
-            <a:endParaRPr lang="en-US" altLang="ko-KR" dirty="0"/>
-          </a:p>
-          <a:p>
-            <a:pPr marL="0" indent="0">
-              <a:buNone/>
-            </a:pPr>
-            <a:endParaRPr lang="en-US" altLang="ko-KR" dirty="0"/>
-          </a:p>
-          <a:p>
-            <a:pPr marL="0" indent="0">
-              <a:buNone/>
-            </a:pPr>
-            <a:endParaRPr lang="en-US" altLang="ko-KR" dirty="0"/>
-          </a:p>
-          <a:p>
-            <a:pPr marL="0" indent="0">
-              <a:buNone/>
-            </a:pPr>
-            <a:endParaRPr lang="en-US" altLang="ko-KR" dirty="0"/>
-          </a:p>
-          <a:p>
-            <a:pPr marL="0" indent="0">
-              <a:buNone/>
-            </a:pPr>
-            <a:r>
-              <a:rPr lang="en-US" altLang="ko-KR" dirty="0"/>
-              <a:t>			  </a:t>
-            </a:r>
-            <a:r>
-              <a:rPr lang="en-US" altLang="ko-KR" sz="3600" b="1" dirty="0"/>
-              <a:t>GPT</a:t>
-            </a:r>
-            <a:r>
-              <a:rPr lang="ko-KR" altLang="en-US" sz="3600" b="1" dirty="0"/>
-              <a:t>의 채팅 특화 버전</a:t>
-            </a:r>
-            <a:endParaRPr lang="en-US" altLang="ko-KR" sz="3600" b="1" dirty="0"/>
-          </a:p>
-          <a:p>
-            <a:pPr marL="0" indent="0">
-              <a:buNone/>
-            </a:pPr>
-            <a:endParaRPr lang="ko-KR" altLang="en-US" dirty="0"/>
-          </a:p>
-        </p:txBody>
-      </p:sp>
-      <p:pic>
-        <p:nvPicPr>
-          <p:cNvPr id="2052" name="Picture 4" descr="ChatGPT - 위키백과, 우리 모두의 백과사전">
-            <a:extLst>
-              <a:ext uri="{FF2B5EF4-FFF2-40B4-BE49-F238E27FC236}">
-                <a16:creationId xmlns:a16="http://schemas.microsoft.com/office/drawing/2014/main" id="{1FA6A946-1AA6-4CD7-1599-AA713A7D2BFB}"/>
-              </a:ext>
-            </a:extLst>
-          </p:cNvPr>
-          <p:cNvPicPr>
-            <a:picLocks noChangeAspect="1" noChangeArrowheads="1"/>
-          </p:cNvPicPr>
-          <p:nvPr/>
-        </p:nvPicPr>
-        <p:blipFill>
-          <a:blip r:embed="rId2">
-            <a:extLst>
-              <a:ext uri="{28A0092B-C50C-407E-A947-70E740481C1C}">
-                <a14:useLocalDpi xmlns:a14="http://schemas.microsoft.com/office/drawing/2010/main" val="0"/>
-              </a:ext>
-            </a:extLst>
-          </a:blip>
-          <a:srcRect/>
-          <a:stretch>
-            <a:fillRect/>
-          </a:stretch>
-        </p:blipFill>
-        <p:spPr bwMode="auto">
-          <a:xfrm>
-            <a:off x="5029200" y="2362200"/>
-            <a:ext cx="2133600" cy="2133600"/>
-          </a:xfrm>
-          <a:prstGeom prst="rect">
-            <a:avLst/>
-          </a:prstGeom>
-          <a:noFill/>
-          <a:extLst>
-            <a:ext uri="{909E8E84-426E-40DD-AFC4-6F175D3DCCD1}">
-              <a14:hiddenFill xmlns:a14="http://schemas.microsoft.com/office/drawing/2010/main">
-                <a:solidFill>
-                  <a:srgbClr val="FFFFFF"/>
-                </a:solidFill>
-              </a14:hiddenFill>
-            </a:ext>
-          </a:extLst>
-        </p:spPr>
-      </p:pic>
-    </p:spTree>
-    <p:extLst>
-      <p:ext uri="{BB962C8B-B14F-4D97-AF65-F5344CB8AC3E}">
-        <p14:creationId xmlns:p14="http://schemas.microsoft.com/office/powerpoint/2010/main" val="2290810233"/>
+        <p14:creationId xmlns:p14="http://schemas.microsoft.com/office/powerpoint/2010/main" val="2222027627"/>
       </p:ext>
     </p:extLst>
   </p:cSld>
@@ -18631,7 +19058,7 @@
           <p:cNvPr id="2" name="제목 1">
             <a:extLst>
               <a:ext uri="{FF2B5EF4-FFF2-40B4-BE49-F238E27FC236}">
-                <a16:creationId xmlns:a16="http://schemas.microsoft.com/office/drawing/2014/main" id="{CDC63FE0-0EBF-99CF-351F-8940CF52E146}"/>
+                <a16:creationId xmlns:a16="http://schemas.microsoft.com/office/drawing/2014/main" id="{65ABA539-AC5A-C478-C796-B07BFC3F94A7}"/>
               </a:ext>
             </a:extLst>
           </p:cNvPr>
@@ -18659,7 +19086,7 @@
           <p:cNvPr id="3" name="내용 개체 틀 2">
             <a:extLst>
               <a:ext uri="{FF2B5EF4-FFF2-40B4-BE49-F238E27FC236}">
-                <a16:creationId xmlns:a16="http://schemas.microsoft.com/office/drawing/2014/main" id="{1E778C8A-FD4A-5D05-F928-678F76F95564}"/>
+                <a16:creationId xmlns:a16="http://schemas.microsoft.com/office/drawing/2014/main" id="{7C05203A-2C0C-0AC8-F342-701F840D5F64}"/>
               </a:ext>
             </a:extLst>
           </p:cNvPr>
@@ -18670,7 +19097,12 @@
             <p:ph idx="1"/>
           </p:nvPr>
         </p:nvSpPr>
-        <p:spPr/>
+        <p:spPr>
+          <a:xfrm>
+            <a:off x="838199" y="1502894"/>
+            <a:ext cx="10515600" cy="4351338"/>
+          </a:xfrm>
+        </p:spPr>
         <p:txBody>
           <a:bodyPr/>
           <a:lstStyle/>
@@ -18679,58 +19111,183 @@
               <a:buNone/>
             </a:pPr>
             <a:r>
-              <a:rPr lang="en-US" altLang="ko-KR" dirty="0"/>
-              <a:t>Open AI Playground</a:t>
+              <a:rPr lang="ko-KR" altLang="en-US" dirty="0"/>
+              <a:t> </a:t>
+            </a:r>
+            <a:endParaRPr lang="en-US" altLang="ko-KR" dirty="0"/>
+          </a:p>
+          <a:p>
+            <a:pPr marL="0" indent="0">
+              <a:buNone/>
+            </a:pPr>
+            <a:r>
+              <a:rPr lang="en-US" altLang="ko-KR" b="1" dirty="0"/>
+              <a:t>             </a:t>
             </a:r>
             <a:r>
-              <a:rPr lang="ko-KR" altLang="en-US" dirty="0"/>
-              <a:t>을 통해 </a:t>
+              <a:rPr lang="ko-KR" altLang="en-US" b="1" dirty="0" err="1"/>
+              <a:t>프론트엔드</a:t>
             </a:r>
             <a:r>
-              <a:rPr lang="en-US" altLang="ko-KR" dirty="0"/>
-              <a:t>GPT</a:t>
+              <a:rPr lang="ko-KR" altLang="en-US" b="1" dirty="0"/>
+              <a:t>                            </a:t>
             </a:r>
             <a:r>
-              <a:rPr lang="ko-KR" altLang="en-US" dirty="0"/>
-              <a:t>를 학습시킬 예정</a:t>
+              <a:rPr lang="ko-KR" altLang="en-US" b="1" dirty="0" err="1"/>
+              <a:t>백엔드</a:t>
             </a:r>
+            <a:endParaRPr lang="en-US" altLang="ko-KR" b="1" dirty="0"/>
+          </a:p>
+          <a:p>
+            <a:endParaRPr lang="ko-KR" altLang="en-US" dirty="0"/>
           </a:p>
         </p:txBody>
       </p:sp>
       <p:pic>
         <p:nvPicPr>
-          <p:cNvPr id="5" name="그림 4">
+          <p:cNvPr id="1026" name="Picture 2" descr="HTML+CSS+JS] DOM">
             <a:extLst>
               <a:ext uri="{FF2B5EF4-FFF2-40B4-BE49-F238E27FC236}">
-                <a16:creationId xmlns:a16="http://schemas.microsoft.com/office/drawing/2014/main" id="{5488253E-7084-498E-F468-8D0884E926C4}"/>
+                <a16:creationId xmlns:a16="http://schemas.microsoft.com/office/drawing/2014/main" id="{85051257-40C4-393C-F491-DDEAC721452A}"/>
               </a:ext>
             </a:extLst>
           </p:cNvPr>
           <p:cNvPicPr>
-            <a:picLocks noChangeAspect="1"/>
+            <a:picLocks noChangeAspect="1" noChangeArrowheads="1"/>
           </p:cNvPicPr>
           <p:nvPr/>
         </p:nvPicPr>
         <p:blipFill>
-          <a:blip r:embed="rId2"/>
+          <a:blip r:embed="rId2">
+            <a:extLst>
+              <a:ext uri="{28A0092B-C50C-407E-A947-70E740481C1C}">
+                <a14:useLocalDpi xmlns:a14="http://schemas.microsoft.com/office/drawing/2010/main" val="0"/>
+              </a:ext>
+            </a:extLst>
+          </a:blip>
+          <a:srcRect/>
           <a:stretch>
             <a:fillRect/>
           </a:stretch>
         </p:blipFill>
-        <p:spPr>
+        <p:spPr bwMode="auto">
           <a:xfrm>
-            <a:off x="913565" y="2392885"/>
-            <a:ext cx="5642683" cy="3919015"/>
+            <a:off x="2014332" y="3194470"/>
+            <a:ext cx="2876550" cy="1590675"/>
           </a:xfrm>
           <a:prstGeom prst="rect">
             <a:avLst/>
           </a:prstGeom>
+          <a:noFill/>
+          <a:extLst>
+            <a:ext uri="{909E8E84-426E-40DD-AFC4-6F175D3DCCD1}">
+              <a14:hiddenFill xmlns:a14="http://schemas.microsoft.com/office/drawing/2010/main">
+                <a:solidFill>
+                  <a:srgbClr val="FFFFFF"/>
+                </a:solidFill>
+              </a14:hiddenFill>
+            </a:ext>
+          </a:extLst>
+        </p:spPr>
+      </p:pic>
+      <p:pic>
+        <p:nvPicPr>
+          <p:cNvPr id="1028" name="Picture 4">
+            <a:extLst>
+              <a:ext uri="{FF2B5EF4-FFF2-40B4-BE49-F238E27FC236}">
+                <a16:creationId xmlns:a16="http://schemas.microsoft.com/office/drawing/2014/main" id="{820A1ABB-370E-C78D-1DDE-90665777AA59}"/>
+              </a:ext>
+            </a:extLst>
+          </p:cNvPr>
+          <p:cNvPicPr>
+            <a:picLocks noChangeAspect="1" noChangeArrowheads="1"/>
+          </p:cNvPicPr>
+          <p:nvPr/>
+        </p:nvPicPr>
+        <p:blipFill>
+          <a:blip r:embed="rId3">
+            <a:extLst>
+              <a:ext uri="{28A0092B-C50C-407E-A947-70E740481C1C}">
+                <a14:useLocalDpi xmlns:a14="http://schemas.microsoft.com/office/drawing/2010/main" val="0"/>
+              </a:ext>
+            </a:extLst>
+          </a:blip>
+          <a:srcRect/>
+          <a:stretch>
+            <a:fillRect/>
+          </a:stretch>
+        </p:blipFill>
+        <p:spPr bwMode="auto">
+          <a:xfrm>
+            <a:off x="7158880" y="3081383"/>
+            <a:ext cx="2437140" cy="597180"/>
+          </a:xfrm>
+          <a:prstGeom prst="rect">
+            <a:avLst/>
+          </a:prstGeom>
+          <a:noFill/>
+          <a:extLst>
+            <a:ext uri="{909E8E84-426E-40DD-AFC4-6F175D3DCCD1}">
+              <a14:hiddenFill xmlns:a14="http://schemas.microsoft.com/office/drawing/2010/main">
+                <a:solidFill>
+                  <a:srgbClr val="FFFFFF"/>
+                </a:solidFill>
+              </a14:hiddenFill>
+            </a:ext>
+          </a:extLst>
+        </p:spPr>
+      </p:pic>
+      <p:pic>
+        <p:nvPicPr>
+          <p:cNvPr id="1032" name="Picture 8" descr="express가 뭐예요">
+            <a:extLst>
+              <a:ext uri="{FF2B5EF4-FFF2-40B4-BE49-F238E27FC236}">
+                <a16:creationId xmlns:a16="http://schemas.microsoft.com/office/drawing/2014/main" id="{EF44765F-9C42-5809-8DCC-EA245F17A8CF}"/>
+              </a:ext>
+            </a:extLst>
+          </p:cNvPr>
+          <p:cNvPicPr>
+            <a:picLocks noChangeAspect="1" noChangeArrowheads="1"/>
+          </p:cNvPicPr>
+          <p:nvPr/>
+        </p:nvPicPr>
+        <p:blipFill>
+          <a:blip r:embed="rId4">
+            <a:extLst>
+              <a:ext uri="{28A0092B-C50C-407E-A947-70E740481C1C}">
+                <a14:useLocalDpi xmlns:a14="http://schemas.microsoft.com/office/drawing/2010/main" val="0"/>
+              </a:ext>
+            </a:extLst>
+          </a:blip>
+          <a:srcRect/>
+          <a:stretch>
+            <a:fillRect/>
+          </a:stretch>
+        </p:blipFill>
+        <p:spPr bwMode="auto">
+          <a:xfrm>
+            <a:off x="6964892" y="3994570"/>
+            <a:ext cx="2886075" cy="1581150"/>
+          </a:xfrm>
+          <a:prstGeom prst="rect">
+            <a:avLst/>
+          </a:prstGeom>
+          <a:noFill/>
+          <a:extLst>
+            <a:ext uri="{909E8E84-426E-40DD-AFC4-6F175D3DCCD1}">
+              <a14:hiddenFill xmlns:a14="http://schemas.microsoft.com/office/drawing/2010/main">
+                <a:solidFill>
+                  <a:srgbClr val="FFFFFF"/>
+                </a:solidFill>
+              </a14:hiddenFill>
+            </a:ext>
+          </a:extLst>
         </p:spPr>
       </p:pic>
     </p:spTree>
     <p:extLst>
       <p:ext uri="{BB962C8B-B14F-4D97-AF65-F5344CB8AC3E}">
-        <p14:creationId xmlns:p14="http://schemas.microsoft.com/office/powerpoint/2010/main" val="3371184204"/>
+        <p14:creationId xmlns:p14="http://schemas.microsoft.com/office/powerpoint/2010/main" val="2017178428"/>
       </p:ext>
     </p:extLst>
   </p:cSld>
@@ -18762,7 +19319,103 @@
           <p:cNvPr id="2" name="제목 1">
             <a:extLst>
               <a:ext uri="{FF2B5EF4-FFF2-40B4-BE49-F238E27FC236}">
-                <a16:creationId xmlns:a16="http://schemas.microsoft.com/office/drawing/2014/main" id="{54E20160-5C99-69C7-2A2C-9ABE3AB3D42D}"/>
+                <a16:creationId xmlns:a16="http://schemas.microsoft.com/office/drawing/2014/main" id="{6BF5184B-C63A-E7C5-34AB-A4DB210640C4}"/>
+              </a:ext>
+            </a:extLst>
+          </p:cNvPr>
+          <p:cNvSpPr>
+            <a:spLocks noGrp="1"/>
+          </p:cNvSpPr>
+          <p:nvPr>
+            <p:ph type="title"/>
+          </p:nvPr>
+        </p:nvSpPr>
+        <p:spPr/>
+        <p:txBody>
+          <a:bodyPr/>
+          <a:lstStyle/>
+          <a:p>
+            <a:r>
+              <a:rPr lang="ko-KR" altLang="en-US" dirty="0"/>
+              <a:t>프로젝트 소개</a:t>
+            </a:r>
+          </a:p>
+        </p:txBody>
+      </p:sp>
+      <p:pic>
+        <p:nvPicPr>
+          <p:cNvPr id="4" name="내용 개체 틀 3" descr="원, 스케치, 클립아트, 그래픽이(가) 표시된 사진&#10;&#10;자동 생성된 설명">
+            <a:extLst>
+              <a:ext uri="{FF2B5EF4-FFF2-40B4-BE49-F238E27FC236}">
+                <a16:creationId xmlns:a16="http://schemas.microsoft.com/office/drawing/2014/main" id="{1D08A518-A8A9-6D4F-C6D0-8997E5B6A63C}"/>
+              </a:ext>
+            </a:extLst>
+          </p:cNvPr>
+          <p:cNvPicPr>
+            <a:picLocks noGrp="1" noChangeAspect="1"/>
+          </p:cNvPicPr>
+          <p:nvPr>
+            <p:ph idx="1"/>
+          </p:nvPr>
+        </p:nvPicPr>
+        <p:blipFill>
+          <a:blip r:embed="rId2" cstate="print">
+            <a:extLst>
+              <a:ext uri="{28A0092B-C50C-407E-A947-70E740481C1C}">
+                <a14:useLocalDpi xmlns:a14="http://schemas.microsoft.com/office/drawing/2010/main" val="0"/>
+              </a:ext>
+            </a:extLst>
+          </a:blip>
+          <a:stretch>
+            <a:fillRect/>
+          </a:stretch>
+        </p:blipFill>
+        <p:spPr>
+          <a:xfrm>
+            <a:off x="1262334" y="3429000"/>
+            <a:ext cx="801597" cy="801597"/>
+          </a:xfrm>
+          <a:prstGeom prst="rect">
+            <a:avLst/>
+          </a:prstGeom>
+        </p:spPr>
+      </p:pic>
+    </p:spTree>
+    <p:extLst>
+      <p:ext uri="{BB962C8B-B14F-4D97-AF65-F5344CB8AC3E}">
+        <p14:creationId xmlns:p14="http://schemas.microsoft.com/office/powerpoint/2010/main" val="1554766326"/>
+      </p:ext>
+    </p:extLst>
+  </p:cSld>
+  <p:clrMapOvr>
+    <a:masterClrMapping/>
+  </p:clrMapOvr>
+</p:sld>
+</file>
+
+<file path=ppt/slides/slide9.xml><?xml version="1.0" encoding="utf-8"?>
+<p:sld xmlns:a="http://schemas.openxmlformats.org/drawingml/2006/main" xmlns:r="http://schemas.openxmlformats.org/officeDocument/2006/relationships" xmlns:p="http://schemas.openxmlformats.org/presentationml/2006/main">
+  <p:cSld>
+    <p:spTree>
+      <p:nvGrpSpPr>
+        <p:cNvPr id="1" name=""/>
+        <p:cNvGrpSpPr/>
+        <p:nvPr/>
+      </p:nvGrpSpPr>
+      <p:grpSpPr>
+        <a:xfrm>
+          <a:off x="0" y="0"/>
+          <a:ext cx="0" cy="0"/>
+          <a:chOff x="0" y="0"/>
+          <a:chExt cx="0" cy="0"/>
+        </a:xfrm>
+      </p:grpSpPr>
+      <p:sp>
+        <p:nvSpPr>
+          <p:cNvPr id="2" name="제목 1">
+            <a:extLst>
+              <a:ext uri="{FF2B5EF4-FFF2-40B4-BE49-F238E27FC236}">
+                <a16:creationId xmlns:a16="http://schemas.microsoft.com/office/drawing/2014/main" id="{ACFC2D6E-1AF2-B03E-B53D-FC151659C5F1}"/>
               </a:ext>
             </a:extLst>
           </p:cNvPr>
@@ -18787,70 +19440,10 @@
       </p:sp>
       <p:sp>
         <p:nvSpPr>
-          <p:cNvPr id="3" name="내용 개체 틀 2">
+          <p:cNvPr id="5" name="화살표: 오른쪽 4">
             <a:extLst>
               <a:ext uri="{FF2B5EF4-FFF2-40B4-BE49-F238E27FC236}">
-                <a16:creationId xmlns:a16="http://schemas.microsoft.com/office/drawing/2014/main" id="{E575C2AA-A0D0-47DF-F964-39EF3F852B16}"/>
-              </a:ext>
-            </a:extLst>
-          </p:cNvPr>
-          <p:cNvSpPr>
-            <a:spLocks noGrp="1"/>
-          </p:cNvSpPr>
-          <p:nvPr>
-            <p:ph idx="1"/>
-          </p:nvPr>
-        </p:nvSpPr>
-        <p:spPr>
-          <a:xfrm>
-            <a:off x="816179" y="1819921"/>
-            <a:ext cx="10515600" cy="4351338"/>
-          </a:xfrm>
-        </p:spPr>
-        <p:txBody>
-          <a:bodyPr/>
-          <a:lstStyle/>
-          <a:p>
-            <a:pPr marL="0" indent="0">
-              <a:buNone/>
-            </a:pPr>
-            <a:endParaRPr lang="en-US" altLang="ko-KR" dirty="0"/>
-          </a:p>
-          <a:p>
-            <a:pPr marL="0" indent="0">
-              <a:buNone/>
-            </a:pPr>
-            <a:endParaRPr lang="en-US" altLang="ko-KR" dirty="0"/>
-          </a:p>
-          <a:p>
-            <a:pPr marL="0" indent="0">
-              <a:buNone/>
-            </a:pPr>
-            <a:endParaRPr lang="en-US" altLang="ko-KR" dirty="0"/>
-          </a:p>
-          <a:p>
-            <a:pPr marL="0" indent="0">
-              <a:buNone/>
-            </a:pPr>
-            <a:endParaRPr lang="en-US" altLang="ko-KR" dirty="0"/>
-          </a:p>
-          <a:p>
-            <a:pPr marL="0" indent="0">
-              <a:buNone/>
-            </a:pPr>
-            <a:r>
-              <a:rPr lang="en-US" altLang="ko-KR" dirty="0"/>
-              <a:t>     </a:t>
-            </a:r>
-          </a:p>
-        </p:txBody>
-      </p:sp>
-      <p:sp>
-        <p:nvSpPr>
-          <p:cNvPr id="4" name="직사각형 3">
-            <a:extLst>
-              <a:ext uri="{FF2B5EF4-FFF2-40B4-BE49-F238E27FC236}">
-                <a16:creationId xmlns:a16="http://schemas.microsoft.com/office/drawing/2014/main" id="{9CA4D357-9E61-06BC-265B-3D4E39B12211}"/>
+                <a16:creationId xmlns:a16="http://schemas.microsoft.com/office/drawing/2014/main" id="{21299FAE-F129-532A-74BE-A38DB0EB95F1}"/>
               </a:ext>
             </a:extLst>
           </p:cNvPr>
@@ -18859,66 +19452,8 @@
         </p:nvSpPr>
         <p:spPr>
           <a:xfrm>
-            <a:off x="3108241" y="3294060"/>
-            <a:ext cx="1949320" cy="1403059"/>
-          </a:xfrm>
-          <a:prstGeom prst="rect">
-            <a:avLst/>
-          </a:prstGeom>
-        </p:spPr>
-        <p:style>
-          <a:lnRef idx="2">
-            <a:schemeClr val="accent1">
-              <a:shade val="50000"/>
-            </a:schemeClr>
-          </a:lnRef>
-          <a:fillRef idx="1">
-            <a:schemeClr val="accent1"/>
-          </a:fillRef>
-          <a:effectRef idx="0">
-            <a:schemeClr val="accent1"/>
-          </a:effectRef>
-          <a:fontRef idx="minor">
-            <a:schemeClr val="lt1"/>
-          </a:fontRef>
-        </p:style>
-        <p:txBody>
-          <a:bodyPr rtlCol="0" anchor="ctr"/>
-          <a:lstStyle/>
-          <a:p>
-            <a:pPr algn="ctr"/>
-            <a:r>
-              <a:rPr lang="ko-KR" altLang="en-US" dirty="0"/>
-              <a:t>학습이 완료된</a:t>
-            </a:r>
-            <a:endParaRPr lang="en-US" altLang="ko-KR" dirty="0"/>
-          </a:p>
-          <a:p>
-            <a:pPr algn="ctr"/>
-            <a:r>
-              <a:rPr lang="en-US" altLang="ko-KR" dirty="0"/>
-              <a:t>GPT</a:t>
-            </a:r>
-            <a:endParaRPr lang="ko-KR" altLang="en-US" dirty="0"/>
-          </a:p>
-        </p:txBody>
-      </p:sp>
-      <p:sp>
-        <p:nvSpPr>
-          <p:cNvPr id="5" name="화살표: 오른쪽 4">
-            <a:extLst>
-              <a:ext uri="{FF2B5EF4-FFF2-40B4-BE49-F238E27FC236}">
-                <a16:creationId xmlns:a16="http://schemas.microsoft.com/office/drawing/2014/main" id="{FB5FD4B1-0645-2BBD-199F-F03D6746D0C4}"/>
-              </a:ext>
-            </a:extLst>
-          </p:cNvPr>
-          <p:cNvSpPr/>
-          <p:nvPr/>
-        </p:nvSpPr>
-        <p:spPr>
-          <a:xfrm>
-            <a:off x="2276120" y="3891846"/>
-            <a:ext cx="771812" cy="268447"/>
+            <a:off x="5375818" y="3259852"/>
+            <a:ext cx="2059595" cy="553445"/>
           </a:xfrm>
           <a:prstGeom prst="rightArrow">
             <a:avLst/>
@@ -18951,10 +19486,10 @@
       </p:sp>
       <p:sp>
         <p:nvSpPr>
-          <p:cNvPr id="8" name="TextBox 7">
+          <p:cNvPr id="6" name="TextBox 5">
             <a:extLst>
               <a:ext uri="{FF2B5EF4-FFF2-40B4-BE49-F238E27FC236}">
-                <a16:creationId xmlns:a16="http://schemas.microsoft.com/office/drawing/2014/main" id="{8917AB80-68E6-8ABB-8237-4579CD25AAAB}"/>
+                <a16:creationId xmlns:a16="http://schemas.microsoft.com/office/drawing/2014/main" id="{B02E31A1-2467-A026-63E1-08043D6AABBF}"/>
               </a:ext>
             </a:extLst>
           </p:cNvPr>
@@ -18963,8 +19498,8 @@
         </p:nvSpPr>
         <p:spPr>
           <a:xfrm>
-            <a:off x="418678" y="3841402"/>
-            <a:ext cx="2147221" cy="369332"/>
+            <a:off x="5708152" y="2890520"/>
+            <a:ext cx="1647686" cy="369332"/>
           </a:xfrm>
           <a:prstGeom prst="rect">
             <a:avLst/>
@@ -18979,17 +19514,160 @@
           <a:p>
             <a:r>
               <a:rPr lang="ko-KR" altLang="en-US" dirty="0"/>
-              <a:t>희망 수강 과목</a:t>
+              <a:t>수강정보</a:t>
             </a:r>
           </a:p>
         </p:txBody>
       </p:sp>
+      <p:pic>
+        <p:nvPicPr>
+          <p:cNvPr id="7" name="Picture 2" descr="Cloudflare - Wikipedia">
+            <a:extLst>
+              <a:ext uri="{FF2B5EF4-FFF2-40B4-BE49-F238E27FC236}">
+                <a16:creationId xmlns:a16="http://schemas.microsoft.com/office/drawing/2014/main" id="{ADBC53CF-CC2F-0BB5-154E-FE165828F2FE}"/>
+              </a:ext>
+            </a:extLst>
+          </p:cNvPr>
+          <p:cNvPicPr>
+            <a:picLocks noChangeAspect="1" noChangeArrowheads="1"/>
+          </p:cNvPicPr>
+          <p:nvPr/>
+        </p:nvPicPr>
+        <p:blipFill>
+          <a:blip r:embed="rId2">
+            <a:extLst>
+              <a:ext uri="{28A0092B-C50C-407E-A947-70E740481C1C}">
+                <a14:useLocalDpi xmlns:a14="http://schemas.microsoft.com/office/drawing/2010/main" val="0"/>
+              </a:ext>
+            </a:extLst>
+          </a:blip>
+          <a:srcRect/>
+          <a:stretch>
+            <a:fillRect/>
+          </a:stretch>
+        </p:blipFill>
+        <p:spPr bwMode="auto">
+          <a:xfrm>
+            <a:off x="2154342" y="3259852"/>
+            <a:ext cx="2602246" cy="874139"/>
+          </a:xfrm>
+          <a:prstGeom prst="rect">
+            <a:avLst/>
+          </a:prstGeom>
+          <a:noFill/>
+          <a:extLst>
+            <a:ext uri="{909E8E84-426E-40DD-AFC4-6F175D3DCCD1}">
+              <a14:hiddenFill xmlns:a14="http://schemas.microsoft.com/office/drawing/2010/main">
+                <a:solidFill>
+                  <a:srgbClr val="FFFFFF"/>
+                </a:solidFill>
+              </a14:hiddenFill>
+            </a:ext>
+          </a:extLst>
+        </p:spPr>
+      </p:pic>
+      <p:pic>
+        <p:nvPicPr>
+          <p:cNvPr id="8" name="Picture 4" descr="Serverless Optimization Workshop (Performance and Cost)">
+            <a:extLst>
+              <a:ext uri="{FF2B5EF4-FFF2-40B4-BE49-F238E27FC236}">
+                <a16:creationId xmlns:a16="http://schemas.microsoft.com/office/drawing/2014/main" id="{4504A5DB-F23B-110B-8D0F-1B6664B8B576}"/>
+              </a:ext>
+            </a:extLst>
+          </p:cNvPr>
+          <p:cNvPicPr>
+            <a:picLocks noGrp="1" noChangeAspect="1" noChangeArrowheads="1"/>
+          </p:cNvPicPr>
+          <p:nvPr>
+            <p:ph idx="1"/>
+          </p:nvPr>
+        </p:nvPicPr>
+        <p:blipFill>
+          <a:blip r:embed="rId3">
+            <a:extLst>
+              <a:ext uri="{28A0092B-C50C-407E-A947-70E740481C1C}">
+                <a14:useLocalDpi xmlns:a14="http://schemas.microsoft.com/office/drawing/2010/main" val="0"/>
+              </a:ext>
+            </a:extLst>
+          </a:blip>
+          <a:srcRect/>
+          <a:stretch>
+            <a:fillRect/>
+          </a:stretch>
+        </p:blipFill>
+        <p:spPr bwMode="auto">
+          <a:xfrm>
+            <a:off x="7435413" y="2961150"/>
+            <a:ext cx="1969879" cy="1943730"/>
+          </a:xfrm>
+          <a:prstGeom prst="rect">
+            <a:avLst/>
+          </a:prstGeom>
+          <a:noFill/>
+          <a:extLst>
+            <a:ext uri="{909E8E84-426E-40DD-AFC4-6F175D3DCCD1}">
+              <a14:hiddenFill xmlns:a14="http://schemas.microsoft.com/office/drawing/2010/main">
+                <a:solidFill>
+                  <a:srgbClr val="FFFFFF"/>
+                </a:solidFill>
+              </a14:hiddenFill>
+            </a:ext>
+          </a:extLst>
+        </p:spPr>
+      </p:pic>
+      <p:pic>
+        <p:nvPicPr>
+          <p:cNvPr id="9" name="Picture 4">
+            <a:extLst>
+              <a:ext uri="{FF2B5EF4-FFF2-40B4-BE49-F238E27FC236}">
+                <a16:creationId xmlns:a16="http://schemas.microsoft.com/office/drawing/2014/main" id="{C942F71B-C237-C18C-01C1-72FB5434EAE3}"/>
+              </a:ext>
+            </a:extLst>
+          </p:cNvPr>
+          <p:cNvPicPr>
+            <a:picLocks noChangeAspect="1" noChangeArrowheads="1"/>
+          </p:cNvPicPr>
+          <p:nvPr/>
+        </p:nvPicPr>
+        <p:blipFill>
+          <a:blip r:embed="rId4">
+            <a:extLst>
+              <a:ext uri="{28A0092B-C50C-407E-A947-70E740481C1C}">
+                <a14:useLocalDpi xmlns:a14="http://schemas.microsoft.com/office/drawing/2010/main" val="0"/>
+              </a:ext>
+            </a:extLst>
+          </a:blip>
+          <a:srcRect/>
+          <a:stretch>
+            <a:fillRect/>
+          </a:stretch>
+        </p:blipFill>
+        <p:spPr bwMode="auto">
+          <a:xfrm>
+            <a:off x="9132136" y="2415691"/>
+            <a:ext cx="1969879" cy="482686"/>
+          </a:xfrm>
+          <a:prstGeom prst="rect">
+            <a:avLst/>
+          </a:prstGeom>
+          <a:noFill/>
+          <a:extLst>
+            <a:ext uri="{909E8E84-426E-40DD-AFC4-6F175D3DCCD1}">
+              <a14:hiddenFill xmlns:a14="http://schemas.microsoft.com/office/drawing/2010/main">
+                <a:solidFill>
+                  <a:srgbClr val="FFFFFF"/>
+                </a:solidFill>
+              </a14:hiddenFill>
+            </a:ext>
+          </a:extLst>
+        </p:spPr>
+      </p:pic>
       <p:sp>
         <p:nvSpPr>
           <p:cNvPr id="10" name="화살표: 오른쪽 9">
             <a:extLst>
               <a:ext uri="{FF2B5EF4-FFF2-40B4-BE49-F238E27FC236}">
-                <a16:creationId xmlns:a16="http://schemas.microsoft.com/office/drawing/2014/main" id="{674F2B42-2A6B-FDC9-AC3B-6D135ADBD420}"/>
+                <a16:creationId xmlns:a16="http://schemas.microsoft.com/office/drawing/2014/main" id="{2F67B8CD-A02D-9304-13C4-9BBD2BC6A5C3}"/>
               </a:ext>
             </a:extLst>
           </p:cNvPr>
@@ -18997,9 +19675,9 @@
           <p:nvPr/>
         </p:nvSpPr>
         <p:spPr>
-          <a:xfrm>
-            <a:off x="5140960" y="3891846"/>
-            <a:ext cx="771812" cy="268447"/>
+          <a:xfrm rot="10800000">
+            <a:off x="5227477" y="3933015"/>
+            <a:ext cx="2128361" cy="553445"/>
           </a:xfrm>
           <a:prstGeom prst="rightArrow">
             <a:avLst/>
@@ -19035,7 +19713,7 @@
           <p:cNvPr id="11" name="TextBox 10">
             <a:extLst>
               <a:ext uri="{FF2B5EF4-FFF2-40B4-BE49-F238E27FC236}">
-                <a16:creationId xmlns:a16="http://schemas.microsoft.com/office/drawing/2014/main" id="{EF6F863F-7504-6C71-98BD-567552B1EB60}"/>
+                <a16:creationId xmlns:a16="http://schemas.microsoft.com/office/drawing/2014/main" id="{7EBD01E2-EB75-D161-FA71-6580AF13A019}"/>
               </a:ext>
             </a:extLst>
           </p:cNvPr>
@@ -19044,8 +19722,8 @@
         </p:nvSpPr>
         <p:spPr>
           <a:xfrm>
-            <a:off x="5996171" y="3702903"/>
-            <a:ext cx="2366560" cy="646331"/>
+            <a:off x="5592651" y="4639477"/>
+            <a:ext cx="1585817" cy="369332"/>
           </a:xfrm>
           <a:prstGeom prst="rect">
             <a:avLst/>
@@ -19060,170 +19738,50 @@
           <a:p>
             <a:r>
               <a:rPr lang="ko-KR" altLang="en-US" dirty="0"/>
-              <a:t>모든 경우의 </a:t>
-            </a:r>
-            <a:endParaRPr lang="en-US" altLang="ko-KR" dirty="0"/>
-          </a:p>
-          <a:p>
-            <a:r>
-              <a:rPr lang="ko-KR" altLang="en-US" dirty="0"/>
-              <a:t>시간표 출력</a:t>
+              <a:t>시간표 결과</a:t>
             </a:r>
           </a:p>
         </p:txBody>
       </p:sp>
-      <p:pic>
-        <p:nvPicPr>
-          <p:cNvPr id="7" name="그림 6">
+      <p:sp>
+        <p:nvSpPr>
+          <p:cNvPr id="3" name="TextBox 2">
             <a:extLst>
               <a:ext uri="{FF2B5EF4-FFF2-40B4-BE49-F238E27FC236}">
-                <a16:creationId xmlns:a16="http://schemas.microsoft.com/office/drawing/2014/main" id="{E8186C6B-022A-6715-D9A7-147C0C286CAA}"/>
+                <a16:creationId xmlns:a16="http://schemas.microsoft.com/office/drawing/2014/main" id="{7C08FF17-72F8-F69A-1CA5-87612EE80599}"/>
               </a:ext>
             </a:extLst>
           </p:cNvPr>
-          <p:cNvPicPr>
-            <a:picLocks noChangeAspect="1"/>
-          </p:cNvPicPr>
+          <p:cNvSpPr txBox="1"/>
           <p:nvPr/>
-        </p:nvPicPr>
-        <p:blipFill>
-          <a:blip r:embed="rId2"/>
-          <a:stretch>
-            <a:fillRect/>
-          </a:stretch>
-        </p:blipFill>
+        </p:nvSpPr>
         <p:spPr>
           <a:xfrm>
-            <a:off x="7462554" y="2523828"/>
-            <a:ext cx="4272246" cy="3004479"/>
+            <a:off x="3412039" y="4232420"/>
+            <a:ext cx="1344549" cy="369332"/>
           </a:xfrm>
           <a:prstGeom prst="rect">
             <a:avLst/>
           </a:prstGeom>
+          <a:noFill/>
         </p:spPr>
-      </p:pic>
-    </p:spTree>
-    <p:extLst>
-      <p:ext uri="{BB962C8B-B14F-4D97-AF65-F5344CB8AC3E}">
-        <p14:creationId xmlns:p14="http://schemas.microsoft.com/office/powerpoint/2010/main" val="902432513"/>
-      </p:ext>
-    </p:extLst>
-  </p:cSld>
-  <p:clrMapOvr>
-    <a:masterClrMapping/>
-  </p:clrMapOvr>
-</p:sld>
-</file>
-
-<file path=ppt/slides/slide9.xml><?xml version="1.0" encoding="utf-8"?>
-<p:sld xmlns:a="http://schemas.openxmlformats.org/drawingml/2006/main" xmlns:r="http://schemas.openxmlformats.org/officeDocument/2006/relationships" xmlns:p="http://schemas.openxmlformats.org/presentationml/2006/main">
-  <p:cSld>
-    <p:spTree>
-      <p:nvGrpSpPr>
-        <p:cNvPr id="1" name=""/>
-        <p:cNvGrpSpPr/>
-        <p:nvPr/>
-      </p:nvGrpSpPr>
-      <p:grpSpPr>
-        <a:xfrm>
-          <a:off x="0" y="0"/>
-          <a:ext cx="0" cy="0"/>
-          <a:chOff x="0" y="0"/>
-          <a:chExt cx="0" cy="0"/>
-        </a:xfrm>
-      </p:grpSpPr>
-      <p:sp>
-        <p:nvSpPr>
-          <p:cNvPr id="2" name="제목 1">
-            <a:extLst>
-              <a:ext uri="{FF2B5EF4-FFF2-40B4-BE49-F238E27FC236}">
-                <a16:creationId xmlns:a16="http://schemas.microsoft.com/office/drawing/2014/main" id="{399ACA4D-A164-0117-90C5-641ABE758749}"/>
-              </a:ext>
-            </a:extLst>
-          </p:cNvPr>
-          <p:cNvSpPr>
-            <a:spLocks noGrp="1"/>
-          </p:cNvSpPr>
-          <p:nvPr>
-            <p:ph type="title"/>
-          </p:nvPr>
-        </p:nvSpPr>
-        <p:spPr/>
         <p:txBody>
-          <a:bodyPr/>
+          <a:bodyPr wrap="square" rtlCol="0">
+            <a:spAutoFit/>
+          </a:bodyPr>
           <a:lstStyle/>
           <a:p>
             <a:r>
               <a:rPr lang="ko-KR" altLang="en-US" dirty="0"/>
-              <a:t>프로젝트 소개</a:t>
+              <a:t>웹사이트</a:t>
             </a:r>
           </a:p>
         </p:txBody>
       </p:sp>
-      <p:pic>
-        <p:nvPicPr>
-          <p:cNvPr id="5" name="그림 4">
-            <a:extLst>
-              <a:ext uri="{FF2B5EF4-FFF2-40B4-BE49-F238E27FC236}">
-                <a16:creationId xmlns:a16="http://schemas.microsoft.com/office/drawing/2014/main" id="{7C7B7663-B05A-A4C7-516A-5C37DC8EA108}"/>
-              </a:ext>
-            </a:extLst>
-          </p:cNvPr>
-          <p:cNvPicPr>
-            <a:picLocks noChangeAspect="1"/>
-          </p:cNvPicPr>
-          <p:nvPr/>
-        </p:nvPicPr>
-        <p:blipFill>
-          <a:blip r:embed="rId2"/>
-          <a:stretch>
-            <a:fillRect/>
-          </a:stretch>
-        </p:blipFill>
-        <p:spPr>
-          <a:xfrm>
-            <a:off x="599563" y="1608430"/>
-            <a:ext cx="4924159" cy="3132091"/>
-          </a:xfrm>
-          <a:prstGeom prst="rect">
-            <a:avLst/>
-          </a:prstGeom>
-        </p:spPr>
-      </p:pic>
-      <p:pic>
-        <p:nvPicPr>
-          <p:cNvPr id="13" name="그림 12">
-            <a:extLst>
-              <a:ext uri="{FF2B5EF4-FFF2-40B4-BE49-F238E27FC236}">
-                <a16:creationId xmlns:a16="http://schemas.microsoft.com/office/drawing/2014/main" id="{2EBDDA8E-5104-DA34-2865-0D8456C1A057}"/>
-              </a:ext>
-            </a:extLst>
-          </p:cNvPr>
-          <p:cNvPicPr>
-            <a:picLocks noChangeAspect="1"/>
-          </p:cNvPicPr>
-          <p:nvPr/>
-        </p:nvPicPr>
-        <p:blipFill>
-          <a:blip r:embed="rId3"/>
-          <a:stretch>
-            <a:fillRect/>
-          </a:stretch>
-        </p:blipFill>
-        <p:spPr>
-          <a:xfrm>
-            <a:off x="6362267" y="1608430"/>
-            <a:ext cx="4991533" cy="3124471"/>
-          </a:xfrm>
-          <a:prstGeom prst="rect">
-            <a:avLst/>
-          </a:prstGeom>
-        </p:spPr>
-      </p:pic>
     </p:spTree>
     <p:extLst>
       <p:ext uri="{BB962C8B-B14F-4D97-AF65-F5344CB8AC3E}">
-        <p14:creationId xmlns:p14="http://schemas.microsoft.com/office/powerpoint/2010/main" val="2410547403"/>
+        <p14:creationId xmlns:p14="http://schemas.microsoft.com/office/powerpoint/2010/main" val="797652386"/>
       </p:ext>
     </p:extLst>
   </p:cSld>
